--- a/Groupe_43_LOKUPATHIRAGE_LOKUPATHIRAGE.pptx
+++ b/Groupe_43_LOKUPATHIRAGE_LOKUPATHIRAGE.pptx
@@ -5,17 +5,18 @@
     <p:sldMasterId id="2147483660" r:id="rId4"/>
   </p:sldMasterIdLst>
   <p:notesMasterIdLst>
-    <p:notesMasterId r:id="rId10"/>
+    <p:notesMasterId r:id="rId11"/>
   </p:notesMasterIdLst>
   <p:handoutMasterIdLst>
-    <p:handoutMasterId r:id="rId11"/>
+    <p:handoutMasterId r:id="rId12"/>
   </p:handoutMasterIdLst>
   <p:sldIdLst>
     <p:sldId id="257" r:id="rId5"/>
-    <p:sldId id="268" r:id="rId6"/>
-    <p:sldId id="261" r:id="rId7"/>
-    <p:sldId id="269" r:id="rId8"/>
-    <p:sldId id="262" r:id="rId9"/>
+    <p:sldId id="270" r:id="rId6"/>
+    <p:sldId id="271" r:id="rId7"/>
+    <p:sldId id="268" r:id="rId8"/>
+    <p:sldId id="261" r:id="rId9"/>
+    <p:sldId id="262" r:id="rId10"/>
   </p:sldIdLst>
   <p:sldSz cx="12188825" cy="6858000"/>
   <p:notesSz cx="6858000" cy="9144000"/>
@@ -150,14 +151,741 @@
 <file path=ppt/revisionInfo.xml><?xml version="1.0" encoding="utf-8"?>
 <p1510:revInfo xmlns:a="http://schemas.openxmlformats.org/drawingml/2006/main" xmlns:r="http://schemas.openxmlformats.org/officeDocument/2006/relationships" xmlns:p1510="http://schemas.microsoft.com/office/powerpoint/2015/10/main">
   <p1510:revLst>
-    <p1510:client id="{3C143994-5C66-457F-883D-15398A7622AE}" v="786" dt="2023-03-15T22:49:35.657"/>
-    <p1510:client id="{9BF56AA3-C4CC-4D1E-83BC-A94A226FFFE5}" v="315" dt="2023-03-15T22:50:23.001"/>
+    <p1510:client id="{3C143994-5C66-457F-883D-15398A7622AE}" v="3576" dt="2023-03-17T08:34:44.038"/>
   </p1510:revLst>
 </p1510:revInfo>
 </file>
 
 <file path=ppt/changesInfos/changesInfo1.xml><?xml version="1.0" encoding="utf-8"?>
 <pc:chgInfo xmlns:a="http://schemas.openxmlformats.org/drawingml/2006/main" xmlns:r="http://schemas.openxmlformats.org/officeDocument/2006/relationships" xmlns:ac="http://schemas.microsoft.com/office/drawing/2013/main/command" xmlns:pc="http://schemas.microsoft.com/office/powerpoint/2013/main/command">
+  <pc:docChgLst>
+    <pc:chgData name="Navidu Lokupathirage" userId="6eea6decda147a9c" providerId="LiveId" clId="{3C143994-5C66-457F-883D-15398A7622AE}"/>
+    <pc:docChg chg="undo redo custSel addSld delSld modSld">
+      <pc:chgData name="Navidu Lokupathirage" userId="6eea6decda147a9c" providerId="LiveId" clId="{3C143994-5C66-457F-883D-15398A7622AE}" dt="2023-03-17T08:34:44.038" v="4716" actId="14100"/>
+      <pc:docMkLst>
+        <pc:docMk/>
+      </pc:docMkLst>
+      <pc:sldChg chg="addSp delSp modSp mod setBg">
+        <pc:chgData name="Navidu Lokupathirage" userId="6eea6decda147a9c" providerId="LiveId" clId="{3C143994-5C66-457F-883D-15398A7622AE}" dt="2023-03-16T21:43:16.502" v="3271"/>
+        <pc:sldMkLst>
+          <pc:docMk/>
+          <pc:sldMk cId="1332291891" sldId="257"/>
+        </pc:sldMkLst>
+        <pc:spChg chg="mod">
+          <ac:chgData name="Navidu Lokupathirage" userId="6eea6decda147a9c" providerId="LiveId" clId="{3C143994-5C66-457F-883D-15398A7622AE}" dt="2023-03-16T21:37:07.451" v="1757" actId="207"/>
+          <ac:spMkLst>
+            <pc:docMk/>
+            <pc:sldMk cId="1332291891" sldId="257"/>
+            <ac:spMk id="2" creationId="{00000000-0000-0000-0000-000000000000}"/>
+          </ac:spMkLst>
+        </pc:spChg>
+        <pc:spChg chg="add del mod">
+          <ac:chgData name="Navidu Lokupathirage" userId="6eea6decda147a9c" providerId="LiveId" clId="{3C143994-5C66-457F-883D-15398A7622AE}" dt="2023-03-15T20:46:41.341" v="566" actId="47"/>
+          <ac:spMkLst>
+            <pc:docMk/>
+            <pc:sldMk cId="1332291891" sldId="257"/>
+            <ac:spMk id="3" creationId="{CA433584-22BF-009C-9EA3-5627B86CF98D}"/>
+          </ac:spMkLst>
+        </pc:spChg>
+        <pc:spChg chg="mod">
+          <ac:chgData name="Navidu Lokupathirage" userId="6eea6decda147a9c" providerId="LiveId" clId="{3C143994-5C66-457F-883D-15398A7622AE}" dt="2023-03-15T20:34:44.890" v="197" actId="2711"/>
+          <ac:spMkLst>
+            <pc:docMk/>
+            <pc:sldMk cId="1332291891" sldId="257"/>
+            <ac:spMk id="5" creationId="{00000000-0000-0000-0000-000000000000}"/>
+          </ac:spMkLst>
+        </pc:spChg>
+        <pc:picChg chg="add mod">
+          <ac:chgData name="Navidu Lokupathirage" userId="6eea6decda147a9c" providerId="LiveId" clId="{3C143994-5C66-457F-883D-15398A7622AE}" dt="2023-03-15T20:48:58.151" v="574" actId="1076"/>
+          <ac:picMkLst>
+            <pc:docMk/>
+            <pc:sldMk cId="1332291891" sldId="257"/>
+            <ac:picMk id="6" creationId="{0B3FF9A6-A476-8F40-DFBB-360D9F7F4298}"/>
+          </ac:picMkLst>
+        </pc:picChg>
+      </pc:sldChg>
+      <pc:sldChg chg="del">
+        <pc:chgData name="Navidu Lokupathirage" userId="6eea6decda147a9c" providerId="LiveId" clId="{3C143994-5C66-457F-883D-15398A7622AE}" dt="2023-03-15T20:42:04.673" v="546" actId="2696"/>
+        <pc:sldMkLst>
+          <pc:docMk/>
+          <pc:sldMk cId="4264977537" sldId="259"/>
+        </pc:sldMkLst>
+      </pc:sldChg>
+      <pc:sldChg chg="addSp delSp modSp mod setBg modClrScheme chgLayout">
+        <pc:chgData name="Navidu Lokupathirage" userId="6eea6decda147a9c" providerId="LiveId" clId="{3C143994-5C66-457F-883D-15398A7622AE}" dt="2023-03-17T08:34:44.038" v="4716" actId="14100"/>
+        <pc:sldMkLst>
+          <pc:docMk/>
+          <pc:sldMk cId="2672039197" sldId="261"/>
+        </pc:sldMkLst>
+        <pc:spChg chg="add del mod ord">
+          <ac:chgData name="Navidu Lokupathirage" userId="6eea6decda147a9c" providerId="LiveId" clId="{3C143994-5C66-457F-883D-15398A7622AE}" dt="2023-03-16T09:24:48.598" v="986" actId="478"/>
+          <ac:spMkLst>
+            <pc:docMk/>
+            <pc:sldMk cId="2672039197" sldId="261"/>
+            <ac:spMk id="2" creationId="{C9EDA1B4-4E75-D644-86DC-FD7E30F0EE0C}"/>
+          </ac:spMkLst>
+        </pc:spChg>
+        <pc:spChg chg="add del mod">
+          <ac:chgData name="Navidu Lokupathirage" userId="6eea6decda147a9c" providerId="LiveId" clId="{3C143994-5C66-457F-883D-15398A7622AE}" dt="2023-03-16T09:24:55.823" v="987" actId="931"/>
+          <ac:spMkLst>
+            <pc:docMk/>
+            <pc:sldMk cId="2672039197" sldId="261"/>
+            <ac:spMk id="4" creationId="{88698F4D-0787-AE16-73DD-68846FB430C5}"/>
+          </ac:spMkLst>
+        </pc:spChg>
+        <pc:spChg chg="mod ord">
+          <ac:chgData name="Navidu Lokupathirage" userId="6eea6decda147a9c" providerId="LiveId" clId="{3C143994-5C66-457F-883D-15398A7622AE}" dt="2023-03-17T06:53:54.353" v="4597" actId="20577"/>
+          <ac:spMkLst>
+            <pc:docMk/>
+            <pc:sldMk cId="2672039197" sldId="261"/>
+            <ac:spMk id="7" creationId="{00000000-0000-0000-0000-000000000000}"/>
+          </ac:spMkLst>
+        </pc:spChg>
+        <pc:spChg chg="del">
+          <ac:chgData name="Navidu Lokupathirage" userId="6eea6decda147a9c" providerId="LiveId" clId="{3C143994-5C66-457F-883D-15398A7622AE}" dt="2023-03-15T20:41:02.826" v="483" actId="21"/>
+          <ac:spMkLst>
+            <pc:docMk/>
+            <pc:sldMk cId="2672039197" sldId="261"/>
+            <ac:spMk id="8" creationId="{00000000-0000-0000-0000-000000000000}"/>
+          </ac:spMkLst>
+        </pc:spChg>
+        <pc:spChg chg="del">
+          <ac:chgData name="Navidu Lokupathirage" userId="6eea6decda147a9c" providerId="LiveId" clId="{3C143994-5C66-457F-883D-15398A7622AE}" dt="2023-03-15T20:40:49.931" v="481" actId="21"/>
+          <ac:spMkLst>
+            <pc:docMk/>
+            <pc:sldMk cId="2672039197" sldId="261"/>
+            <ac:spMk id="9" creationId="{00000000-0000-0000-0000-000000000000}"/>
+          </ac:spMkLst>
+        </pc:spChg>
+        <pc:spChg chg="add del mod">
+          <ac:chgData name="Navidu Lokupathirage" userId="6eea6decda147a9c" providerId="LiveId" clId="{3C143994-5C66-457F-883D-15398A7622AE}" dt="2023-03-17T06:01:49.172" v="4557" actId="931"/>
+          <ac:spMkLst>
+            <pc:docMk/>
+            <pc:sldMk cId="2672039197" sldId="261"/>
+            <ac:spMk id="9" creationId="{D0CB75E2-7336-D158-10F8-2DE8C0BD8352}"/>
+          </ac:spMkLst>
+        </pc:spChg>
+        <pc:spChg chg="del mod ord">
+          <ac:chgData name="Navidu Lokupathirage" userId="6eea6decda147a9c" providerId="LiveId" clId="{3C143994-5C66-457F-883D-15398A7622AE}" dt="2023-03-15T20:42:14.843" v="547" actId="700"/>
+          <ac:spMkLst>
+            <pc:docMk/>
+            <pc:sldMk cId="2672039197" sldId="261"/>
+            <ac:spMk id="10" creationId="{00000000-0000-0000-0000-000000000000}"/>
+          </ac:spMkLst>
+        </pc:spChg>
+        <pc:spChg chg="del">
+          <ac:chgData name="Navidu Lokupathirage" userId="6eea6decda147a9c" providerId="LiveId" clId="{3C143994-5C66-457F-883D-15398A7622AE}" dt="2023-03-15T20:40:55.030" v="482" actId="21"/>
+          <ac:spMkLst>
+            <pc:docMk/>
+            <pc:sldMk cId="2672039197" sldId="261"/>
+            <ac:spMk id="11" creationId="{00000000-0000-0000-0000-000000000000}"/>
+          </ac:spMkLst>
+        </pc:spChg>
+        <pc:picChg chg="add del mod">
+          <ac:chgData name="Navidu Lokupathirage" userId="6eea6decda147a9c" providerId="LiveId" clId="{3C143994-5C66-457F-883D-15398A7622AE}" dt="2023-03-17T06:01:24.413" v="4555" actId="478"/>
+          <ac:picMkLst>
+            <pc:docMk/>
+            <pc:sldMk cId="2672039197" sldId="261"/>
+            <ac:picMk id="6" creationId="{769B9DA4-0653-F036-385D-5E238B068C61}"/>
+          </ac:picMkLst>
+        </pc:picChg>
+        <pc:picChg chg="add mod">
+          <ac:chgData name="Navidu Lokupathirage" userId="6eea6decda147a9c" providerId="LiveId" clId="{3C143994-5C66-457F-883D-15398A7622AE}" dt="2023-03-17T08:34:01.866" v="4704" actId="1076"/>
+          <ac:picMkLst>
+            <pc:docMk/>
+            <pc:sldMk cId="2672039197" sldId="261"/>
+            <ac:picMk id="11" creationId="{85133F18-C316-5514-5432-726E0E84E107}"/>
+          </ac:picMkLst>
+        </pc:picChg>
+        <pc:picChg chg="add mod">
+          <ac:chgData name="Navidu Lokupathirage" userId="6eea6decda147a9c" providerId="LiveId" clId="{3C143994-5C66-457F-883D-15398A7622AE}" dt="2023-03-17T08:34:44.038" v="4716" actId="14100"/>
+          <ac:picMkLst>
+            <pc:docMk/>
+            <pc:sldMk cId="2672039197" sldId="261"/>
+            <ac:picMk id="13" creationId="{93EB1E0C-17AB-1EA1-BFB7-26F0A80B3DBD}"/>
+          </ac:picMkLst>
+        </pc:picChg>
+      </pc:sldChg>
+      <pc:sldChg chg="addSp delSp modSp mod setBg modClrScheme chgLayout">
+        <pc:chgData name="Navidu Lokupathirage" userId="6eea6decda147a9c" providerId="LiveId" clId="{3C143994-5C66-457F-883D-15398A7622AE}" dt="2023-03-17T06:45:55.130" v="4595" actId="5793"/>
+        <pc:sldMkLst>
+          <pc:docMk/>
+          <pc:sldMk cId="397710800" sldId="262"/>
+        </pc:sldMkLst>
+        <pc:spChg chg="add mod ord">
+          <ac:chgData name="Navidu Lokupathirage" userId="6eea6decda147a9c" providerId="LiveId" clId="{3C143994-5C66-457F-883D-15398A7622AE}" dt="2023-03-17T06:45:55.130" v="4595" actId="5793"/>
+          <ac:spMkLst>
+            <pc:docMk/>
+            <pc:sldMk cId="397710800" sldId="262"/>
+            <ac:spMk id="2" creationId="{BB78BDEB-A78D-DD04-A020-F68F7F3B6AFE}"/>
+          </ac:spMkLst>
+        </pc:spChg>
+        <pc:spChg chg="mod ord">
+          <ac:chgData name="Navidu Lokupathirage" userId="6eea6decda147a9c" providerId="LiveId" clId="{3C143994-5C66-457F-883D-15398A7622AE}" dt="2023-03-16T21:45:28.741" v="3618" actId="2711"/>
+          <ac:spMkLst>
+            <pc:docMk/>
+            <pc:sldMk cId="397710800" sldId="262"/>
+            <ac:spMk id="3" creationId="{00000000-0000-0000-0000-000000000000}"/>
+          </ac:spMkLst>
+        </pc:spChg>
+        <pc:graphicFrameChg chg="add del mod">
+          <ac:chgData name="Navidu Lokupathirage" userId="6eea6decda147a9c" providerId="LiveId" clId="{3C143994-5C66-457F-883D-15398A7622AE}" dt="2023-03-17T06:43:14.644" v="4584" actId="478"/>
+          <ac:graphicFrameMkLst>
+            <pc:docMk/>
+            <pc:sldMk cId="397710800" sldId="262"/>
+            <ac:graphicFrameMk id="4" creationId="{AAFE5CA6-1CA7-7B17-0FB3-851C99C4E889}"/>
+          </ac:graphicFrameMkLst>
+        </pc:graphicFrameChg>
+        <pc:picChg chg="add mod">
+          <ac:chgData name="Navidu Lokupathirage" userId="6eea6decda147a9c" providerId="LiveId" clId="{3C143994-5C66-457F-883D-15398A7622AE}" dt="2023-03-17T06:45:51.696" v="4594" actId="1076"/>
+          <ac:picMkLst>
+            <pc:docMk/>
+            <pc:sldMk cId="397710800" sldId="262"/>
+            <ac:picMk id="5" creationId="{D763E380-7745-925B-3BAC-6032EC710646}"/>
+          </ac:picMkLst>
+        </pc:picChg>
+      </pc:sldChg>
+      <pc:sldChg chg="del">
+        <pc:chgData name="Navidu Lokupathirage" userId="6eea6decda147a9c" providerId="LiveId" clId="{3C143994-5C66-457F-883D-15398A7622AE}" dt="2023-03-15T22:21:59.377" v="576" actId="2696"/>
+        <pc:sldMkLst>
+          <pc:docMk/>
+          <pc:sldMk cId="1405850135" sldId="263"/>
+        </pc:sldMkLst>
+      </pc:sldChg>
+      <pc:sldChg chg="del">
+        <pc:chgData name="Navidu Lokupathirage" userId="6eea6decda147a9c" providerId="LiveId" clId="{3C143994-5C66-457F-883D-15398A7622AE}" dt="2023-03-15T20:47:15.878" v="568" actId="2696"/>
+        <pc:sldMkLst>
+          <pc:docMk/>
+          <pc:sldMk cId="3480339974" sldId="265"/>
+        </pc:sldMkLst>
+      </pc:sldChg>
+      <pc:sldChg chg="del">
+        <pc:chgData name="Navidu Lokupathirage" userId="6eea6decda147a9c" providerId="LiveId" clId="{3C143994-5C66-457F-883D-15398A7622AE}" dt="2023-03-15T20:35:30.111" v="200" actId="2696"/>
+        <pc:sldMkLst>
+          <pc:docMk/>
+          <pc:sldMk cId="1484811712" sldId="267"/>
+        </pc:sldMkLst>
+      </pc:sldChg>
+      <pc:sldChg chg="addSp delSp modSp mod setBg modClrScheme chgLayout">
+        <pc:chgData name="Navidu Lokupathirage" userId="6eea6decda147a9c" providerId="LiveId" clId="{3C143994-5C66-457F-883D-15398A7622AE}" dt="2023-03-17T08:19:14.330" v="4663" actId="20577"/>
+        <pc:sldMkLst>
+          <pc:docMk/>
+          <pc:sldMk cId="3529114326" sldId="268"/>
+        </pc:sldMkLst>
+        <pc:spChg chg="add mod">
+          <ac:chgData name="Navidu Lokupathirage" userId="6eea6decda147a9c" providerId="LiveId" clId="{3C143994-5C66-457F-883D-15398A7622AE}" dt="2023-03-15T20:24:33.497" v="176"/>
+          <ac:spMkLst>
+            <pc:docMk/>
+            <pc:sldMk cId="3529114326" sldId="268"/>
+            <ac:spMk id="2" creationId="{054FBC8E-EBAD-5F6D-BAB6-4356BAA61C96}"/>
+          </ac:spMkLst>
+        </pc:spChg>
+        <pc:spChg chg="add mod">
+          <ac:chgData name="Navidu Lokupathirage" userId="6eea6decda147a9c" providerId="LiveId" clId="{3C143994-5C66-457F-883D-15398A7622AE}" dt="2023-03-15T20:24:33.497" v="176"/>
+          <ac:spMkLst>
+            <pc:docMk/>
+            <pc:sldMk cId="3529114326" sldId="268"/>
+            <ac:spMk id="3" creationId="{01A6FFA8-5158-9A10-34FE-FA3BE7F3FB26}"/>
+          </ac:spMkLst>
+        </pc:spChg>
+        <pc:spChg chg="add del mod">
+          <ac:chgData name="Navidu Lokupathirage" userId="6eea6decda147a9c" providerId="LiveId" clId="{3C143994-5C66-457F-883D-15398A7622AE}" dt="2023-03-16T09:14:02.312" v="979" actId="931"/>
+          <ac:spMkLst>
+            <pc:docMk/>
+            <pc:sldMk cId="3529114326" sldId="268"/>
+            <ac:spMk id="3" creationId="{B129F444-9CD3-05CA-2FED-CB28A9474EFC}"/>
+          </ac:spMkLst>
+        </pc:spChg>
+        <pc:spChg chg="add del mod">
+          <ac:chgData name="Navidu Lokupathirage" userId="6eea6decda147a9c" providerId="LiveId" clId="{3C143994-5C66-457F-883D-15398A7622AE}" dt="2023-03-15T20:40:33.251" v="480" actId="21"/>
+          <ac:spMkLst>
+            <pc:docMk/>
+            <pc:sldMk cId="3529114326" sldId="268"/>
+            <ac:spMk id="4" creationId="{0E54A750-4F26-24E2-6068-E653597761F0}"/>
+          </ac:spMkLst>
+        </pc:spChg>
+        <pc:spChg chg="add del mod">
+          <ac:chgData name="Navidu Lokupathirage" userId="6eea6decda147a9c" providerId="LiveId" clId="{3C143994-5C66-457F-883D-15398A7622AE}" dt="2023-03-15T20:40:22.809" v="478" actId="21"/>
+          <ac:spMkLst>
+            <pc:docMk/>
+            <pc:sldMk cId="3529114326" sldId="268"/>
+            <ac:spMk id="5" creationId="{03EDEB3C-57AD-C855-3029-E4B3941601E2}"/>
+          </ac:spMkLst>
+        </pc:spChg>
+        <pc:spChg chg="add del mod">
+          <ac:chgData name="Navidu Lokupathirage" userId="6eea6decda147a9c" providerId="LiveId" clId="{3C143994-5C66-457F-883D-15398A7622AE}" dt="2023-03-15T22:39:31.810" v="866" actId="478"/>
+          <ac:spMkLst>
+            <pc:docMk/>
+            <pc:sldMk cId="3529114326" sldId="268"/>
+            <ac:spMk id="6" creationId="{09833542-D3E0-C843-1792-0BCE3D0B8C57}"/>
+          </ac:spMkLst>
+        </pc:spChg>
+        <pc:spChg chg="add del mod">
+          <ac:chgData name="Navidu Lokupathirage" userId="6eea6decda147a9c" providerId="LiveId" clId="{3C143994-5C66-457F-883D-15398A7622AE}" dt="2023-03-17T06:03:47.556" v="4566" actId="931"/>
+          <ac:spMkLst>
+            <pc:docMk/>
+            <pc:sldMk cId="3529114326" sldId="268"/>
+            <ac:spMk id="7" creationId="{ADE33BFF-6AE3-0EC6-2D6B-1C3E6B1C7062}"/>
+          </ac:spMkLst>
+        </pc:spChg>
+        <pc:spChg chg="add del mod">
+          <ac:chgData name="Navidu Lokupathirage" userId="6eea6decda147a9c" providerId="LiveId" clId="{3C143994-5C66-457F-883D-15398A7622AE}" dt="2023-03-15T22:36:26.305" v="839" actId="478"/>
+          <ac:spMkLst>
+            <pc:docMk/>
+            <pc:sldMk cId="3529114326" sldId="268"/>
+            <ac:spMk id="7" creationId="{F7EE87C4-B7D5-9CB3-A60C-B68CE471F925}"/>
+          </ac:spMkLst>
+        </pc:spChg>
+        <pc:spChg chg="add del">
+          <ac:chgData name="Navidu Lokupathirage" userId="6eea6decda147a9c" providerId="LiveId" clId="{3C143994-5C66-457F-883D-15398A7622AE}" dt="2023-03-15T22:36:44.768" v="842" actId="478"/>
+          <ac:spMkLst>
+            <pc:docMk/>
+            <pc:sldMk cId="3529114326" sldId="268"/>
+            <ac:spMk id="8" creationId="{01046482-A053-7E0C-EF51-729956321AE8}"/>
+          </ac:spMkLst>
+        </pc:spChg>
+        <pc:spChg chg="add del">
+          <ac:chgData name="Navidu Lokupathirage" userId="6eea6decda147a9c" providerId="LiveId" clId="{3C143994-5C66-457F-883D-15398A7622AE}" dt="2023-03-15T22:37:03.226" v="846" actId="478"/>
+          <ac:spMkLst>
+            <pc:docMk/>
+            <pc:sldMk cId="3529114326" sldId="268"/>
+            <ac:spMk id="9" creationId="{8493E012-21FB-523C-4687-19E60C433F11}"/>
+          </ac:spMkLst>
+        </pc:spChg>
+        <pc:spChg chg="add del mod ord">
+          <ac:chgData name="Navidu Lokupathirage" userId="6eea6decda147a9c" providerId="LiveId" clId="{3C143994-5C66-457F-883D-15398A7622AE}" dt="2023-03-15T22:39:08.844" v="863" actId="700"/>
+          <ac:spMkLst>
+            <pc:docMk/>
+            <pc:sldMk cId="3529114326" sldId="268"/>
+            <ac:spMk id="10" creationId="{DB1A5E0A-2B4A-6DCB-85F9-D4B685729D04}"/>
+          </ac:spMkLst>
+        </pc:spChg>
+        <pc:spChg chg="add del mod">
+          <ac:chgData name="Navidu Lokupathirage" userId="6eea6decda147a9c" providerId="LiveId" clId="{3C143994-5C66-457F-883D-15398A7622AE}" dt="2023-03-17T06:07:02.811" v="4572" actId="931"/>
+          <ac:spMkLst>
+            <pc:docMk/>
+            <pc:sldMk cId="3529114326" sldId="268"/>
+            <ac:spMk id="11" creationId="{A01AEE9D-F83A-4664-877E-EC83710877AD}"/>
+          </ac:spMkLst>
+        </pc:spChg>
+        <pc:spChg chg="add del mod">
+          <ac:chgData name="Navidu Lokupathirage" userId="6eea6decda147a9c" providerId="LiveId" clId="{3C143994-5C66-457F-883D-15398A7622AE}" dt="2023-03-15T22:38:13.895" v="854"/>
+          <ac:spMkLst>
+            <pc:docMk/>
+            <pc:sldMk cId="3529114326" sldId="268"/>
+            <ac:spMk id="11" creationId="{EC0FAC8C-9A6D-809B-5906-A24B6A062761}"/>
+          </ac:spMkLst>
+        </pc:spChg>
+        <pc:spChg chg="add del mod">
+          <ac:chgData name="Navidu Lokupathirage" userId="6eea6decda147a9c" providerId="LiveId" clId="{3C143994-5C66-457F-883D-15398A7622AE}" dt="2023-03-15T22:38:36.101" v="856"/>
+          <ac:spMkLst>
+            <pc:docMk/>
+            <pc:sldMk cId="3529114326" sldId="268"/>
+            <ac:spMk id="12" creationId="{C7D42186-88E8-3EBB-428C-EDE6D3F1623C}"/>
+          </ac:spMkLst>
+        </pc:spChg>
+        <pc:spChg chg="mod ord">
+          <ac:chgData name="Navidu Lokupathirage" userId="6eea6decda147a9c" providerId="LiveId" clId="{3C143994-5C66-457F-883D-15398A7622AE}" dt="2023-03-17T08:19:14.330" v="4663" actId="20577"/>
+          <ac:spMkLst>
+            <pc:docMk/>
+            <pc:sldMk cId="3529114326" sldId="268"/>
+            <ac:spMk id="13" creationId="{00000000-0000-0000-0000-000000000000}"/>
+          </ac:spMkLst>
+        </pc:spChg>
+        <pc:spChg chg="add del mod">
+          <ac:chgData name="Navidu Lokupathirage" userId="6eea6decda147a9c" providerId="LiveId" clId="{3C143994-5C66-457F-883D-15398A7622AE}" dt="2023-03-15T22:37:03.226" v="846" actId="478"/>
+          <ac:spMkLst>
+            <pc:docMk/>
+            <pc:sldMk cId="3529114326" sldId="268"/>
+            <ac:spMk id="14" creationId="{00000000-0000-0000-0000-000000000000}"/>
+          </ac:spMkLst>
+        </pc:spChg>
+        <pc:spChg chg="add del mod ord">
+          <ac:chgData name="Navidu Lokupathirage" userId="6eea6decda147a9c" providerId="LiveId" clId="{3C143994-5C66-457F-883D-15398A7622AE}" dt="2023-03-16T09:13:43.016" v="978" actId="478"/>
+          <ac:spMkLst>
+            <pc:docMk/>
+            <pc:sldMk cId="3529114326" sldId="268"/>
+            <ac:spMk id="15" creationId="{99A0A2D8-6DB4-28A0-4585-6C4D3B540779}"/>
+          </ac:spMkLst>
+        </pc:spChg>
+        <pc:spChg chg="add mod ord">
+          <ac:chgData name="Navidu Lokupathirage" userId="6eea6decda147a9c" providerId="LiveId" clId="{3C143994-5C66-457F-883D-15398A7622AE}" dt="2023-03-16T21:40:45.826" v="2598" actId="207"/>
+          <ac:spMkLst>
+            <pc:docMk/>
+            <pc:sldMk cId="3529114326" sldId="268"/>
+            <ac:spMk id="16" creationId="{D5840312-36AB-0111-ACBC-27F4B67FC12F}"/>
+          </ac:spMkLst>
+        </pc:spChg>
+        <pc:spChg chg="add del mod">
+          <ac:chgData name="Navidu Lokupathirage" userId="6eea6decda147a9c" providerId="LiveId" clId="{3C143994-5C66-457F-883D-15398A7622AE}" dt="2023-03-15T22:42:53.509" v="945"/>
+          <ac:spMkLst>
+            <pc:docMk/>
+            <pc:sldMk cId="3529114326" sldId="268"/>
+            <ac:spMk id="17" creationId="{9111902E-6DEB-5786-B069-F2562A95B4AF}"/>
+          </ac:spMkLst>
+        </pc:spChg>
+        <pc:picChg chg="add del mod">
+          <ac:chgData name="Navidu Lokupathirage" userId="6eea6decda147a9c" providerId="LiveId" clId="{3C143994-5C66-457F-883D-15398A7622AE}" dt="2023-03-17T06:03:32.021" v="4564" actId="478"/>
+          <ac:picMkLst>
+            <pc:docMk/>
+            <pc:sldMk cId="3529114326" sldId="268"/>
+            <ac:picMk id="5" creationId="{CA1E888A-30E4-7392-A5F0-CD4163FA0669}"/>
+          </ac:picMkLst>
+        </pc:picChg>
+        <pc:picChg chg="add del mod">
+          <ac:chgData name="Navidu Lokupathirage" userId="6eea6decda147a9c" providerId="LiveId" clId="{3C143994-5C66-457F-883D-15398A7622AE}" dt="2023-03-17T06:04:08.396" v="4570" actId="478"/>
+          <ac:picMkLst>
+            <pc:docMk/>
+            <pc:sldMk cId="3529114326" sldId="268"/>
+            <ac:picMk id="9" creationId="{9EB35221-EB65-F153-71E9-E4279823E507}"/>
+          </ac:picMkLst>
+        </pc:picChg>
+        <pc:picChg chg="add mod">
+          <ac:chgData name="Navidu Lokupathirage" userId="6eea6decda147a9c" providerId="LiveId" clId="{3C143994-5C66-457F-883D-15398A7622AE}" dt="2023-03-17T06:07:16.586" v="4576" actId="1076"/>
+          <ac:picMkLst>
+            <pc:docMk/>
+            <pc:sldMk cId="3529114326" sldId="268"/>
+            <ac:picMk id="14" creationId="{AAF311EB-F812-8AC6-F83A-F34C3936A735}"/>
+          </ac:picMkLst>
+        </pc:picChg>
+      </pc:sldChg>
+      <pc:sldChg chg="delSp modSp new del mod">
+        <pc:chgData name="Navidu Lokupathirage" userId="6eea6decda147a9c" providerId="LiveId" clId="{3C143994-5C66-457F-883D-15398A7622AE}" dt="2023-03-16T21:19:53.405" v="1001" actId="2696"/>
+        <pc:sldMkLst>
+          <pc:docMk/>
+          <pc:sldMk cId="1276129956" sldId="269"/>
+        </pc:sldMkLst>
+        <pc:spChg chg="del">
+          <ac:chgData name="Navidu Lokupathirage" userId="6eea6decda147a9c" providerId="LiveId" clId="{3C143994-5C66-457F-883D-15398A7622AE}" dt="2023-03-15T22:28:02.972" v="833" actId="21"/>
+          <ac:spMkLst>
+            <pc:docMk/>
+            <pc:sldMk cId="1276129956" sldId="269"/>
+            <ac:spMk id="2" creationId="{4C634CD3-9E52-2091-6FFC-1BB2F4ABB406}"/>
+          </ac:spMkLst>
+        </pc:spChg>
+        <pc:spChg chg="mod">
+          <ac:chgData name="Navidu Lokupathirage" userId="6eea6decda147a9c" providerId="LiveId" clId="{3C143994-5C66-457F-883D-15398A7622AE}" dt="2023-03-15T22:28:12.994" v="835" actId="14100"/>
+          <ac:spMkLst>
+            <pc:docMk/>
+            <pc:sldMk cId="1276129956" sldId="269"/>
+            <ac:spMk id="3" creationId="{475B7BD8-83FD-3DD2-1645-E0401A4B8716}"/>
+          </ac:spMkLst>
+        </pc:spChg>
+      </pc:sldChg>
+      <pc:sldChg chg="del">
+        <pc:chgData name="Navidu Lokupathirage" userId="6eea6decda147a9c" providerId="LiveId" clId="{3C143994-5C66-457F-883D-15398A7622AE}" dt="2023-03-15T20:35:36.276" v="201" actId="2696"/>
+        <pc:sldMkLst>
+          <pc:docMk/>
+          <pc:sldMk cId="2341911148" sldId="269"/>
+        </pc:sldMkLst>
+      </pc:sldChg>
+      <pc:sldChg chg="new del">
+        <pc:chgData name="Navidu Lokupathirage" userId="6eea6decda147a9c" providerId="LiveId" clId="{3C143994-5C66-457F-883D-15398A7622AE}" dt="2023-03-16T21:22:13.944" v="1003" actId="2696"/>
+        <pc:sldMkLst>
+          <pc:docMk/>
+          <pc:sldMk cId="2419549834" sldId="269"/>
+        </pc:sldMkLst>
+      </pc:sldChg>
+      <pc:sldChg chg="delSp modSp add del mod setBg modClrScheme chgLayout">
+        <pc:chgData name="Navidu Lokupathirage" userId="6eea6decda147a9c" providerId="LiveId" clId="{3C143994-5C66-457F-883D-15398A7622AE}" dt="2023-03-17T08:19:24.929" v="4664" actId="2696"/>
+        <pc:sldMkLst>
+          <pc:docMk/>
+          <pc:sldMk cId="2858616149" sldId="269"/>
+        </pc:sldMkLst>
+        <pc:spChg chg="mod ord">
+          <ac:chgData name="Navidu Lokupathirage" userId="6eea6decda147a9c" providerId="LiveId" clId="{3C143994-5C66-457F-883D-15398A7622AE}" dt="2023-03-16T21:37:22.361" v="1758" actId="207"/>
+          <ac:spMkLst>
+            <pc:docMk/>
+            <pc:sldMk cId="2858616149" sldId="269"/>
+            <ac:spMk id="2" creationId="{00000000-0000-0000-0000-000000000000}"/>
+          </ac:spMkLst>
+        </pc:spChg>
+        <pc:spChg chg="mod ord">
+          <ac:chgData name="Navidu Lokupathirage" userId="6eea6decda147a9c" providerId="LiveId" clId="{3C143994-5C66-457F-883D-15398A7622AE}" dt="2023-03-17T08:18:19.674" v="4628" actId="20577"/>
+          <ac:spMkLst>
+            <pc:docMk/>
+            <pc:sldMk cId="2858616149" sldId="269"/>
+            <ac:spMk id="5" creationId="{00000000-0000-0000-0000-000000000000}"/>
+          </ac:spMkLst>
+        </pc:spChg>
+        <pc:picChg chg="del">
+          <ac:chgData name="Navidu Lokupathirage" userId="6eea6decda147a9c" providerId="LiveId" clId="{3C143994-5C66-457F-883D-15398A7622AE}" dt="2023-03-16T21:25:23.257" v="1046" actId="478"/>
+          <ac:picMkLst>
+            <pc:docMk/>
+            <pc:sldMk cId="2858616149" sldId="269"/>
+            <ac:picMk id="6" creationId="{0B3FF9A6-A476-8F40-DFBB-360D9F7F4298}"/>
+          </ac:picMkLst>
+        </pc:picChg>
+      </pc:sldChg>
+      <pc:sldChg chg="new del">
+        <pc:chgData name="Navidu Lokupathirage" userId="6eea6decda147a9c" providerId="LiveId" clId="{3C143994-5C66-457F-883D-15398A7622AE}" dt="2023-03-16T22:11:58.612" v="4094" actId="2696"/>
+        <pc:sldMkLst>
+          <pc:docMk/>
+          <pc:sldMk cId="158413281" sldId="270"/>
+        </pc:sldMkLst>
+      </pc:sldChg>
+      <pc:sldChg chg="addSp delSp modSp add mod">
+        <pc:chgData name="Navidu Lokupathirage" userId="6eea6decda147a9c" providerId="LiveId" clId="{3C143994-5C66-457F-883D-15398A7622AE}" dt="2023-03-17T08:20:14.760" v="4702" actId="20577"/>
+        <pc:sldMkLst>
+          <pc:docMk/>
+          <pc:sldMk cId="2865825624" sldId="270"/>
+        </pc:sldMkLst>
+        <pc:spChg chg="del">
+          <ac:chgData name="Navidu Lokupathirage" userId="6eea6decda147a9c" providerId="LiveId" clId="{3C143994-5C66-457F-883D-15398A7622AE}" dt="2023-03-16T22:12:15.815" v="4096" actId="478"/>
+          <ac:spMkLst>
+            <pc:docMk/>
+            <pc:sldMk cId="2865825624" sldId="270"/>
+            <ac:spMk id="2" creationId="{00000000-0000-0000-0000-000000000000}"/>
+          </ac:spMkLst>
+        </pc:spChg>
+        <pc:spChg chg="add del mod">
+          <ac:chgData name="Navidu Lokupathirage" userId="6eea6decda147a9c" providerId="LiveId" clId="{3C143994-5C66-457F-883D-15398A7622AE}" dt="2023-03-16T22:12:20.916" v="4097" actId="478"/>
+          <ac:spMkLst>
+            <pc:docMk/>
+            <pc:sldMk cId="2865825624" sldId="270"/>
+            <ac:spMk id="4" creationId="{38EC31E9-C80B-F5C9-F60D-C7AF0F99B8CF}"/>
+          </ac:spMkLst>
+        </pc:spChg>
+        <pc:spChg chg="mod">
+          <ac:chgData name="Navidu Lokupathirage" userId="6eea6decda147a9c" providerId="LiveId" clId="{3C143994-5C66-457F-883D-15398A7622AE}" dt="2023-03-17T08:20:14.760" v="4702" actId="20577"/>
+          <ac:spMkLst>
+            <pc:docMk/>
+            <pc:sldMk cId="2865825624" sldId="270"/>
+            <ac:spMk id="5" creationId="{00000000-0000-0000-0000-000000000000}"/>
+          </ac:spMkLst>
+        </pc:spChg>
+        <pc:spChg chg="add mod">
+          <ac:chgData name="Navidu Lokupathirage" userId="6eea6decda147a9c" providerId="LiveId" clId="{3C143994-5C66-457F-883D-15398A7622AE}" dt="2023-03-16T22:42:52.065" v="4463" actId="1076"/>
+          <ac:spMkLst>
+            <pc:docMk/>
+            <pc:sldMk cId="2865825624" sldId="270"/>
+            <ac:spMk id="7" creationId="{E7445D3C-0868-5769-9088-541558616A4E}"/>
+          </ac:spMkLst>
+        </pc:spChg>
+        <pc:spChg chg="add mod">
+          <ac:chgData name="Navidu Lokupathirage" userId="6eea6decda147a9c" providerId="LiveId" clId="{3C143994-5C66-457F-883D-15398A7622AE}" dt="2023-03-16T22:44:12.414" v="4472" actId="1076"/>
+          <ac:spMkLst>
+            <pc:docMk/>
+            <pc:sldMk cId="2865825624" sldId="270"/>
+            <ac:spMk id="11" creationId="{946AA714-3C08-B829-D703-690B83A648BD}"/>
+          </ac:spMkLst>
+        </pc:spChg>
+        <pc:spChg chg="add mod">
+          <ac:chgData name="Navidu Lokupathirage" userId="6eea6decda147a9c" providerId="LiveId" clId="{3C143994-5C66-457F-883D-15398A7622AE}" dt="2023-03-16T22:50:35.266" v="4512" actId="20577"/>
+          <ac:spMkLst>
+            <pc:docMk/>
+            <pc:sldMk cId="2865825624" sldId="270"/>
+            <ac:spMk id="12" creationId="{6BC5C0E6-BF74-66A1-520D-70D5DA6501E8}"/>
+          </ac:spMkLst>
+        </pc:spChg>
+        <pc:spChg chg="add del mod">
+          <ac:chgData name="Navidu Lokupathirage" userId="6eea6decda147a9c" providerId="LiveId" clId="{3C143994-5C66-457F-883D-15398A7622AE}" dt="2023-03-16T22:45:14.177" v="4480"/>
+          <ac:spMkLst>
+            <pc:docMk/>
+            <pc:sldMk cId="2865825624" sldId="270"/>
+            <ac:spMk id="13" creationId="{20E9FD7D-0645-B89D-D79B-3ABC133AD230}"/>
+          </ac:spMkLst>
+        </pc:spChg>
+        <pc:spChg chg="add del mod">
+          <ac:chgData name="Navidu Lokupathirage" userId="6eea6decda147a9c" providerId="LiveId" clId="{3C143994-5C66-457F-883D-15398A7622AE}" dt="2023-03-16T22:45:14.177" v="4482"/>
+          <ac:spMkLst>
+            <pc:docMk/>
+            <pc:sldMk cId="2865825624" sldId="270"/>
+            <ac:spMk id="14" creationId="{91C9FB37-FE88-33F7-C927-E48C896D8842}"/>
+          </ac:spMkLst>
+        </pc:spChg>
+        <pc:spChg chg="add del mod">
+          <ac:chgData name="Navidu Lokupathirage" userId="6eea6decda147a9c" providerId="LiveId" clId="{3C143994-5C66-457F-883D-15398A7622AE}" dt="2023-03-16T22:45:14.178" v="4484"/>
+          <ac:spMkLst>
+            <pc:docMk/>
+            <pc:sldMk cId="2865825624" sldId="270"/>
+            <ac:spMk id="15" creationId="{F932F39E-E0AE-9F34-69E4-DD9C7543F5CA}"/>
+          </ac:spMkLst>
+        </pc:spChg>
+        <pc:spChg chg="add del mod">
+          <ac:chgData name="Navidu Lokupathirage" userId="6eea6decda147a9c" providerId="LiveId" clId="{3C143994-5C66-457F-883D-15398A7622AE}" dt="2023-03-16T22:45:14.176" v="4478" actId="478"/>
+          <ac:spMkLst>
+            <pc:docMk/>
+            <pc:sldMk cId="2865825624" sldId="270"/>
+            <ac:spMk id="16" creationId="{0F3B692A-66DA-BB9E-F2DA-D3B290F89247}"/>
+          </ac:spMkLst>
+        </pc:spChg>
+        <pc:spChg chg="add mod">
+          <ac:chgData name="Navidu Lokupathirage" userId="6eea6decda147a9c" providerId="LiveId" clId="{3C143994-5C66-457F-883D-15398A7622AE}" dt="2023-03-16T22:45:44.349" v="4487" actId="255"/>
+          <ac:spMkLst>
+            <pc:docMk/>
+            <pc:sldMk cId="2865825624" sldId="270"/>
+            <ac:spMk id="17" creationId="{0D9A5F4B-5609-67E8-BE3C-CC23FBD63610}"/>
+          </ac:spMkLst>
+        </pc:spChg>
+        <pc:graphicFrameChg chg="add mod modGraphic">
+          <ac:chgData name="Navidu Lokupathirage" userId="6eea6decda147a9c" providerId="LiveId" clId="{3C143994-5C66-457F-883D-15398A7622AE}" dt="2023-03-16T22:41:41.496" v="4456" actId="255"/>
+          <ac:graphicFrameMkLst>
+            <pc:docMk/>
+            <pc:sldMk cId="2865825624" sldId="270"/>
+            <ac:graphicFrameMk id="6" creationId="{B5C4434F-DF66-41D5-6016-751A34DA6E93}"/>
+          </ac:graphicFrameMkLst>
+        </pc:graphicFrameChg>
+        <pc:graphicFrameChg chg="add mod modGraphic">
+          <ac:chgData name="Navidu Lokupathirage" userId="6eea6decda147a9c" providerId="LiveId" clId="{3C143994-5C66-457F-883D-15398A7622AE}" dt="2023-03-16T22:41:48.815" v="4457" actId="255"/>
+          <ac:graphicFrameMkLst>
+            <pc:docMk/>
+            <pc:sldMk cId="2865825624" sldId="270"/>
+            <ac:graphicFrameMk id="8" creationId="{90FBBCEB-64C0-D6A8-812F-DAB2CEC8AB4B}"/>
+          </ac:graphicFrameMkLst>
+        </pc:graphicFrameChg>
+        <pc:graphicFrameChg chg="add mod modGraphic">
+          <ac:chgData name="Navidu Lokupathirage" userId="6eea6decda147a9c" providerId="LiveId" clId="{3C143994-5C66-457F-883D-15398A7622AE}" dt="2023-03-17T07:15:32.816" v="4598" actId="207"/>
+          <ac:graphicFrameMkLst>
+            <pc:docMk/>
+            <pc:sldMk cId="2865825624" sldId="270"/>
+            <ac:graphicFrameMk id="9" creationId="{088343B1-9F6A-7F65-B53B-36F96F9212B6}"/>
+          </ac:graphicFrameMkLst>
+        </pc:graphicFrameChg>
+        <pc:graphicFrameChg chg="add mod modGraphic">
+          <ac:chgData name="Navidu Lokupathirage" userId="6eea6decda147a9c" providerId="LiveId" clId="{3C143994-5C66-457F-883D-15398A7622AE}" dt="2023-03-16T22:51:49.297" v="4518" actId="113"/>
+          <ac:graphicFrameMkLst>
+            <pc:docMk/>
+            <pc:sldMk cId="2865825624" sldId="270"/>
+            <ac:graphicFrameMk id="10" creationId="{8191E8C5-6C69-B8A1-8683-61C945EB6C9D}"/>
+          </ac:graphicFrameMkLst>
+        </pc:graphicFrameChg>
+        <pc:cxnChg chg="add mod">
+          <ac:chgData name="Navidu Lokupathirage" userId="6eea6decda147a9c" providerId="LiveId" clId="{3C143994-5C66-457F-883D-15398A7622AE}" dt="2023-03-16T22:55:28.772" v="4539" actId="208"/>
+          <ac:cxnSpMkLst>
+            <pc:docMk/>
+            <pc:sldMk cId="2865825624" sldId="270"/>
+            <ac:cxnSpMk id="19" creationId="{E7AA506D-BFDE-3465-A048-1DD1677DCD33}"/>
+          </ac:cxnSpMkLst>
+        </pc:cxnChg>
+        <pc:cxnChg chg="add del mod">
+          <ac:chgData name="Navidu Lokupathirage" userId="6eea6decda147a9c" providerId="LiveId" clId="{3C143994-5C66-457F-883D-15398A7622AE}" dt="2023-03-16T22:55:54.129" v="4541" actId="478"/>
+          <ac:cxnSpMkLst>
+            <pc:docMk/>
+            <pc:sldMk cId="2865825624" sldId="270"/>
+            <ac:cxnSpMk id="20" creationId="{A161D9D5-A41A-80FA-28A6-B530BAD9CB88}"/>
+          </ac:cxnSpMkLst>
+        </pc:cxnChg>
+        <pc:cxnChg chg="add mod">
+          <ac:chgData name="Navidu Lokupathirage" userId="6eea6decda147a9c" providerId="LiveId" clId="{3C143994-5C66-457F-883D-15398A7622AE}" dt="2023-03-16T22:56:22.548" v="4545" actId="208"/>
+          <ac:cxnSpMkLst>
+            <pc:docMk/>
+            <pc:sldMk cId="2865825624" sldId="270"/>
+            <ac:cxnSpMk id="22" creationId="{3A373231-1D72-4B5A-8CA2-00C59EA1EC99}"/>
+          </ac:cxnSpMkLst>
+        </pc:cxnChg>
+        <pc:cxnChg chg="add mod">
+          <ac:chgData name="Navidu Lokupathirage" userId="6eea6decda147a9c" providerId="LiveId" clId="{3C143994-5C66-457F-883D-15398A7622AE}" dt="2023-03-16T22:57:03.512" v="4551" actId="208"/>
+          <ac:cxnSpMkLst>
+            <pc:docMk/>
+            <pc:sldMk cId="2865825624" sldId="270"/>
+            <ac:cxnSpMk id="25" creationId="{0FD5B781-7B5E-070F-F6AF-42ECF0AB6F01}"/>
+          </ac:cxnSpMkLst>
+        </pc:cxnChg>
+        <pc:cxnChg chg="add mod">
+          <ac:chgData name="Navidu Lokupathirage" userId="6eea6decda147a9c" providerId="LiveId" clId="{3C143994-5C66-457F-883D-15398A7622AE}" dt="2023-03-16T22:57:23.956" v="4554" actId="14100"/>
+          <ac:cxnSpMkLst>
+            <pc:docMk/>
+            <pc:sldMk cId="2865825624" sldId="270"/>
+            <ac:cxnSpMk id="29" creationId="{4B91A82B-5E55-3879-AFC8-2FBEF348E355}"/>
+          </ac:cxnSpMkLst>
+        </pc:cxnChg>
+      </pc:sldChg>
+      <pc:sldChg chg="del">
+        <pc:chgData name="Navidu Lokupathirage" userId="6eea6decda147a9c" providerId="LiveId" clId="{3C143994-5C66-457F-883D-15398A7622AE}" dt="2023-03-15T20:37:01.343" v="202" actId="2696"/>
+        <pc:sldMkLst>
+          <pc:docMk/>
+          <pc:sldMk cId="4123189245" sldId="270"/>
+        </pc:sldMkLst>
+      </pc:sldChg>
+      <pc:sldChg chg="del">
+        <pc:chgData name="Navidu Lokupathirage" userId="6eea6decda147a9c" providerId="LiveId" clId="{3C143994-5C66-457F-883D-15398A7622AE}" dt="2023-03-15T21:29:10.393" v="575" actId="2696"/>
+        <pc:sldMkLst>
+          <pc:docMk/>
+          <pc:sldMk cId="2319046984" sldId="271"/>
+        </pc:sldMkLst>
+      </pc:sldChg>
+      <pc:sldChg chg="delSp modSp add mod">
+        <pc:chgData name="Navidu Lokupathirage" userId="6eea6decda147a9c" providerId="LiveId" clId="{3C143994-5C66-457F-883D-15398A7622AE}" dt="2023-03-16T22:49:54.230" v="4509" actId="207"/>
+        <pc:sldMkLst>
+          <pc:docMk/>
+          <pc:sldMk cId="3791897175" sldId="271"/>
+        </pc:sldMkLst>
+        <pc:spChg chg="mod">
+          <ac:chgData name="Navidu Lokupathirage" userId="6eea6decda147a9c" providerId="LiveId" clId="{3C143994-5C66-457F-883D-15398A7622AE}" dt="2023-03-16T22:47:31.903" v="4496" actId="20577"/>
+          <ac:spMkLst>
+            <pc:docMk/>
+            <pc:sldMk cId="3791897175" sldId="271"/>
+            <ac:spMk id="5" creationId="{00000000-0000-0000-0000-000000000000}"/>
+          </ac:spMkLst>
+        </pc:spChg>
+        <pc:spChg chg="del">
+          <ac:chgData name="Navidu Lokupathirage" userId="6eea6decda147a9c" providerId="LiveId" clId="{3C143994-5C66-457F-883D-15398A7622AE}" dt="2023-03-16T22:47:01.239" v="4492" actId="478"/>
+          <ac:spMkLst>
+            <pc:docMk/>
+            <pc:sldMk cId="3791897175" sldId="271"/>
+            <ac:spMk id="7" creationId="{E7445D3C-0868-5769-9088-541558616A4E}"/>
+          </ac:spMkLst>
+        </pc:spChg>
+        <pc:spChg chg="del">
+          <ac:chgData name="Navidu Lokupathirage" userId="6eea6decda147a9c" providerId="LiveId" clId="{3C143994-5C66-457F-883D-15398A7622AE}" dt="2023-03-16T22:46:58.365" v="4491" actId="478"/>
+          <ac:spMkLst>
+            <pc:docMk/>
+            <pc:sldMk cId="3791897175" sldId="271"/>
+            <ac:spMk id="11" creationId="{946AA714-3C08-B829-D703-690B83A648BD}"/>
+          </ac:spMkLst>
+        </pc:spChg>
+        <pc:spChg chg="del">
+          <ac:chgData name="Navidu Lokupathirage" userId="6eea6decda147a9c" providerId="LiveId" clId="{3C143994-5C66-457F-883D-15398A7622AE}" dt="2023-03-16T22:46:55.266" v="4490" actId="478"/>
+          <ac:spMkLst>
+            <pc:docMk/>
+            <pc:sldMk cId="3791897175" sldId="271"/>
+            <ac:spMk id="12" creationId="{6BC5C0E6-BF74-66A1-520D-70D5DA6501E8}"/>
+          </ac:spMkLst>
+        </pc:spChg>
+        <pc:spChg chg="del">
+          <ac:chgData name="Navidu Lokupathirage" userId="6eea6decda147a9c" providerId="LiveId" clId="{3C143994-5C66-457F-883D-15398A7622AE}" dt="2023-03-16T22:46:52.588" v="4489" actId="478"/>
+          <ac:spMkLst>
+            <pc:docMk/>
+            <pc:sldMk cId="3791897175" sldId="271"/>
+            <ac:spMk id="17" creationId="{0D9A5F4B-5609-67E8-BE3C-CC23FBD63610}"/>
+          </ac:spMkLst>
+        </pc:spChg>
+        <pc:graphicFrameChg chg="del">
+          <ac:chgData name="Navidu Lokupathirage" userId="6eea6decda147a9c" providerId="LiveId" clId="{3C143994-5C66-457F-883D-15398A7622AE}" dt="2023-03-16T22:47:08.981" v="4494" actId="478"/>
+          <ac:graphicFrameMkLst>
+            <pc:docMk/>
+            <pc:sldMk cId="3791897175" sldId="271"/>
+            <ac:graphicFrameMk id="6" creationId="{B5C4434F-DF66-41D5-6016-751A34DA6E93}"/>
+          </ac:graphicFrameMkLst>
+        </pc:graphicFrameChg>
+        <pc:graphicFrameChg chg="mod modGraphic">
+          <ac:chgData name="Navidu Lokupathirage" userId="6eea6decda147a9c" providerId="LiveId" clId="{3C143994-5C66-457F-883D-15398A7622AE}" dt="2023-03-16T22:49:54.230" v="4509" actId="207"/>
+          <ac:graphicFrameMkLst>
+            <pc:docMk/>
+            <pc:sldMk cId="3791897175" sldId="271"/>
+            <ac:graphicFrameMk id="8" creationId="{90FBBCEB-64C0-D6A8-812F-DAB2CEC8AB4B}"/>
+          </ac:graphicFrameMkLst>
+        </pc:graphicFrameChg>
+        <pc:graphicFrameChg chg="del">
+          <ac:chgData name="Navidu Lokupathirage" userId="6eea6decda147a9c" providerId="LiveId" clId="{3C143994-5C66-457F-883D-15398A7622AE}" dt="2023-03-16T22:47:15.774" v="4495" actId="478"/>
+          <ac:graphicFrameMkLst>
+            <pc:docMk/>
+            <pc:sldMk cId="3791897175" sldId="271"/>
+            <ac:graphicFrameMk id="9" creationId="{088343B1-9F6A-7F65-B53B-36F96F9212B6}"/>
+          </ac:graphicFrameMkLst>
+        </pc:graphicFrameChg>
+        <pc:graphicFrameChg chg="del">
+          <ac:chgData name="Navidu Lokupathirage" userId="6eea6decda147a9c" providerId="LiveId" clId="{3C143994-5C66-457F-883D-15398A7622AE}" dt="2023-03-16T22:47:05.725" v="4493" actId="478"/>
+          <ac:graphicFrameMkLst>
+            <pc:docMk/>
+            <pc:sldMk cId="3791897175" sldId="271"/>
+            <ac:graphicFrameMk id="10" creationId="{8191E8C5-6C69-B8A1-8683-61C945EB6C9D}"/>
+          </ac:graphicFrameMkLst>
+        </pc:graphicFrameChg>
+      </pc:sldChg>
+    </pc:docChg>
+  </pc:docChgLst>
   <pc:docChgLst>
     <pc:chgData name="tharidu lokupathirage" userId="8efc5da7e4f401f5" providerId="Windows Live" clId="Web-{9BF56AA3-C4CC-4D1E-83BC-A94A226FFFE5}"/>
     <pc:docChg chg="modSld">
@@ -259,339 +987,6 @@
       </pc:sldChg>
     </pc:docChg>
   </pc:docChgLst>
-  <pc:docChgLst>
-    <pc:chgData name="Navidu Lokupathirage" userId="6eea6decda147a9c" providerId="LiveId" clId="{3C143994-5C66-457F-883D-15398A7622AE}"/>
-    <pc:docChg chg="undo redo custSel addSld delSld modSld">
-      <pc:chgData name="Navidu Lokupathirage" userId="6eea6decda147a9c" providerId="LiveId" clId="{3C143994-5C66-457F-883D-15398A7622AE}" dt="2023-03-15T22:49:35.657" v="977" actId="207"/>
-      <pc:docMkLst>
-        <pc:docMk/>
-      </pc:docMkLst>
-      <pc:sldChg chg="addSp delSp modSp mod">
-        <pc:chgData name="Navidu Lokupathirage" userId="6eea6decda147a9c" providerId="LiveId" clId="{3C143994-5C66-457F-883D-15398A7622AE}" dt="2023-03-15T20:48:58.151" v="574" actId="1076"/>
-        <pc:sldMkLst>
-          <pc:docMk/>
-          <pc:sldMk cId="1332291891" sldId="257"/>
-        </pc:sldMkLst>
-        <pc:spChg chg="mod">
-          <ac:chgData name="Navidu Lokupathirage" userId="6eea6decda147a9c" providerId="LiveId" clId="{3C143994-5C66-457F-883D-15398A7622AE}" dt="2023-03-15T20:46:35.105" v="564" actId="20577"/>
-          <ac:spMkLst>
-            <pc:docMk/>
-            <pc:sldMk cId="1332291891" sldId="257"/>
-            <ac:spMk id="2" creationId="{00000000-0000-0000-0000-000000000000}"/>
-          </ac:spMkLst>
-        </pc:spChg>
-        <pc:spChg chg="add del mod">
-          <ac:chgData name="Navidu Lokupathirage" userId="6eea6decda147a9c" providerId="LiveId" clId="{3C143994-5C66-457F-883D-15398A7622AE}" dt="2023-03-15T20:46:41.341" v="566" actId="47"/>
-          <ac:spMkLst>
-            <pc:docMk/>
-            <pc:sldMk cId="1332291891" sldId="257"/>
-            <ac:spMk id="3" creationId="{CA433584-22BF-009C-9EA3-5627B86CF98D}"/>
-          </ac:spMkLst>
-        </pc:spChg>
-        <pc:spChg chg="mod">
-          <ac:chgData name="Navidu Lokupathirage" userId="6eea6decda147a9c" providerId="LiveId" clId="{3C143994-5C66-457F-883D-15398A7622AE}" dt="2023-03-15T20:34:44.890" v="197" actId="2711"/>
-          <ac:spMkLst>
-            <pc:docMk/>
-            <pc:sldMk cId="1332291891" sldId="257"/>
-            <ac:spMk id="5" creationId="{00000000-0000-0000-0000-000000000000}"/>
-          </ac:spMkLst>
-        </pc:spChg>
-        <pc:picChg chg="add mod">
-          <ac:chgData name="Navidu Lokupathirage" userId="6eea6decda147a9c" providerId="LiveId" clId="{3C143994-5C66-457F-883D-15398A7622AE}" dt="2023-03-15T20:48:58.151" v="574" actId="1076"/>
-          <ac:picMkLst>
-            <pc:docMk/>
-            <pc:sldMk cId="1332291891" sldId="257"/>
-            <ac:picMk id="6" creationId="{0B3FF9A6-A476-8F40-DFBB-360D9F7F4298}"/>
-          </ac:picMkLst>
-        </pc:picChg>
-      </pc:sldChg>
-      <pc:sldChg chg="del">
-        <pc:chgData name="Navidu Lokupathirage" userId="6eea6decda147a9c" providerId="LiveId" clId="{3C143994-5C66-457F-883D-15398A7622AE}" dt="2023-03-15T20:42:04.673" v="546" actId="2696"/>
-        <pc:sldMkLst>
-          <pc:docMk/>
-          <pc:sldMk cId="4264977537" sldId="259"/>
-        </pc:sldMkLst>
-      </pc:sldChg>
-      <pc:sldChg chg="addSp delSp modSp mod modClrScheme chgLayout">
-        <pc:chgData name="Navidu Lokupathirage" userId="6eea6decda147a9c" providerId="LiveId" clId="{3C143994-5C66-457F-883D-15398A7622AE}" dt="2023-03-15T22:45:28.702" v="963" actId="1076"/>
-        <pc:sldMkLst>
-          <pc:docMk/>
-          <pc:sldMk cId="2672039197" sldId="261"/>
-        </pc:sldMkLst>
-        <pc:spChg chg="add mod ord">
-          <ac:chgData name="Navidu Lokupathirage" userId="6eea6decda147a9c" providerId="LiveId" clId="{3C143994-5C66-457F-883D-15398A7622AE}" dt="2023-03-15T22:45:28.702" v="963" actId="1076"/>
-          <ac:spMkLst>
-            <pc:docMk/>
-            <pc:sldMk cId="2672039197" sldId="261"/>
-            <ac:spMk id="2" creationId="{C9EDA1B4-4E75-D644-86DC-FD7E30F0EE0C}"/>
-          </ac:spMkLst>
-        </pc:spChg>
-        <pc:spChg chg="mod ord">
-          <ac:chgData name="Navidu Lokupathirage" userId="6eea6decda147a9c" providerId="LiveId" clId="{3C143994-5C66-457F-883D-15398A7622AE}" dt="2023-03-15T22:45:23.865" v="962" actId="1076"/>
-          <ac:spMkLst>
-            <pc:docMk/>
-            <pc:sldMk cId="2672039197" sldId="261"/>
-            <ac:spMk id="7" creationId="{00000000-0000-0000-0000-000000000000}"/>
-          </ac:spMkLst>
-        </pc:spChg>
-        <pc:spChg chg="del">
-          <ac:chgData name="Navidu Lokupathirage" userId="6eea6decda147a9c" providerId="LiveId" clId="{3C143994-5C66-457F-883D-15398A7622AE}" dt="2023-03-15T20:41:02.826" v="483" actId="21"/>
-          <ac:spMkLst>
-            <pc:docMk/>
-            <pc:sldMk cId="2672039197" sldId="261"/>
-            <ac:spMk id="8" creationId="{00000000-0000-0000-0000-000000000000}"/>
-          </ac:spMkLst>
-        </pc:spChg>
-        <pc:spChg chg="del">
-          <ac:chgData name="Navidu Lokupathirage" userId="6eea6decda147a9c" providerId="LiveId" clId="{3C143994-5C66-457F-883D-15398A7622AE}" dt="2023-03-15T20:40:49.931" v="481" actId="21"/>
-          <ac:spMkLst>
-            <pc:docMk/>
-            <pc:sldMk cId="2672039197" sldId="261"/>
-            <ac:spMk id="9" creationId="{00000000-0000-0000-0000-000000000000}"/>
-          </ac:spMkLst>
-        </pc:spChg>
-        <pc:spChg chg="del mod ord">
-          <ac:chgData name="Navidu Lokupathirage" userId="6eea6decda147a9c" providerId="LiveId" clId="{3C143994-5C66-457F-883D-15398A7622AE}" dt="2023-03-15T20:42:14.843" v="547" actId="700"/>
-          <ac:spMkLst>
-            <pc:docMk/>
-            <pc:sldMk cId="2672039197" sldId="261"/>
-            <ac:spMk id="10" creationId="{00000000-0000-0000-0000-000000000000}"/>
-          </ac:spMkLst>
-        </pc:spChg>
-        <pc:spChg chg="del">
-          <ac:chgData name="Navidu Lokupathirage" userId="6eea6decda147a9c" providerId="LiveId" clId="{3C143994-5C66-457F-883D-15398A7622AE}" dt="2023-03-15T20:40:55.030" v="482" actId="21"/>
-          <ac:spMkLst>
-            <pc:docMk/>
-            <pc:sldMk cId="2672039197" sldId="261"/>
-            <ac:spMk id="11" creationId="{00000000-0000-0000-0000-000000000000}"/>
-          </ac:spMkLst>
-        </pc:spChg>
-      </pc:sldChg>
-      <pc:sldChg chg="addSp modSp mod modClrScheme chgLayout">
-        <pc:chgData name="Navidu Lokupathirage" userId="6eea6decda147a9c" providerId="LiveId" clId="{3C143994-5C66-457F-883D-15398A7622AE}" dt="2023-03-15T20:41:48.044" v="545" actId="20577"/>
-        <pc:sldMkLst>
-          <pc:docMk/>
-          <pc:sldMk cId="397710800" sldId="262"/>
-        </pc:sldMkLst>
-        <pc:spChg chg="add mod ord">
-          <ac:chgData name="Navidu Lokupathirage" userId="6eea6decda147a9c" providerId="LiveId" clId="{3C143994-5C66-457F-883D-15398A7622AE}" dt="2023-03-15T20:41:22.558" v="484" actId="700"/>
-          <ac:spMkLst>
-            <pc:docMk/>
-            <pc:sldMk cId="397710800" sldId="262"/>
-            <ac:spMk id="2" creationId="{BB78BDEB-A78D-DD04-A020-F68F7F3B6AFE}"/>
-          </ac:spMkLst>
-        </pc:spChg>
-        <pc:spChg chg="mod ord">
-          <ac:chgData name="Navidu Lokupathirage" userId="6eea6decda147a9c" providerId="LiveId" clId="{3C143994-5C66-457F-883D-15398A7622AE}" dt="2023-03-15T20:41:48.044" v="545" actId="20577"/>
-          <ac:spMkLst>
-            <pc:docMk/>
-            <pc:sldMk cId="397710800" sldId="262"/>
-            <ac:spMk id="3" creationId="{00000000-0000-0000-0000-000000000000}"/>
-          </ac:spMkLst>
-        </pc:spChg>
-      </pc:sldChg>
-      <pc:sldChg chg="del">
-        <pc:chgData name="Navidu Lokupathirage" userId="6eea6decda147a9c" providerId="LiveId" clId="{3C143994-5C66-457F-883D-15398A7622AE}" dt="2023-03-15T22:21:59.377" v="576" actId="2696"/>
-        <pc:sldMkLst>
-          <pc:docMk/>
-          <pc:sldMk cId="1405850135" sldId="263"/>
-        </pc:sldMkLst>
-      </pc:sldChg>
-      <pc:sldChg chg="del">
-        <pc:chgData name="Navidu Lokupathirage" userId="6eea6decda147a9c" providerId="LiveId" clId="{3C143994-5C66-457F-883D-15398A7622AE}" dt="2023-03-15T20:47:15.878" v="568" actId="2696"/>
-        <pc:sldMkLst>
-          <pc:docMk/>
-          <pc:sldMk cId="3480339974" sldId="265"/>
-        </pc:sldMkLst>
-      </pc:sldChg>
-      <pc:sldChg chg="del">
-        <pc:chgData name="Navidu Lokupathirage" userId="6eea6decda147a9c" providerId="LiveId" clId="{3C143994-5C66-457F-883D-15398A7622AE}" dt="2023-03-15T20:35:30.111" v="200" actId="2696"/>
-        <pc:sldMkLst>
-          <pc:docMk/>
-          <pc:sldMk cId="1484811712" sldId="267"/>
-        </pc:sldMkLst>
-      </pc:sldChg>
-      <pc:sldChg chg="addSp delSp modSp mod modClrScheme chgLayout">
-        <pc:chgData name="Navidu Lokupathirage" userId="6eea6decda147a9c" providerId="LiveId" clId="{3C143994-5C66-457F-883D-15398A7622AE}" dt="2023-03-15T22:49:35.657" v="977" actId="207"/>
-        <pc:sldMkLst>
-          <pc:docMk/>
-          <pc:sldMk cId="3529114326" sldId="268"/>
-        </pc:sldMkLst>
-        <pc:spChg chg="add mod">
-          <ac:chgData name="Navidu Lokupathirage" userId="6eea6decda147a9c" providerId="LiveId" clId="{3C143994-5C66-457F-883D-15398A7622AE}" dt="2023-03-15T20:24:33.497" v="176"/>
-          <ac:spMkLst>
-            <pc:docMk/>
-            <pc:sldMk cId="3529114326" sldId="268"/>
-            <ac:spMk id="2" creationId="{054FBC8E-EBAD-5F6D-BAB6-4356BAA61C96}"/>
-          </ac:spMkLst>
-        </pc:spChg>
-        <pc:spChg chg="add mod">
-          <ac:chgData name="Navidu Lokupathirage" userId="6eea6decda147a9c" providerId="LiveId" clId="{3C143994-5C66-457F-883D-15398A7622AE}" dt="2023-03-15T20:24:33.497" v="176"/>
-          <ac:spMkLst>
-            <pc:docMk/>
-            <pc:sldMk cId="3529114326" sldId="268"/>
-            <ac:spMk id="3" creationId="{01A6FFA8-5158-9A10-34FE-FA3BE7F3FB26}"/>
-          </ac:spMkLst>
-        </pc:spChg>
-        <pc:spChg chg="add del mod">
-          <ac:chgData name="Navidu Lokupathirage" userId="6eea6decda147a9c" providerId="LiveId" clId="{3C143994-5C66-457F-883D-15398A7622AE}" dt="2023-03-15T20:40:33.251" v="480" actId="21"/>
-          <ac:spMkLst>
-            <pc:docMk/>
-            <pc:sldMk cId="3529114326" sldId="268"/>
-            <ac:spMk id="4" creationId="{0E54A750-4F26-24E2-6068-E653597761F0}"/>
-          </ac:spMkLst>
-        </pc:spChg>
-        <pc:spChg chg="add del mod">
-          <ac:chgData name="Navidu Lokupathirage" userId="6eea6decda147a9c" providerId="LiveId" clId="{3C143994-5C66-457F-883D-15398A7622AE}" dt="2023-03-15T20:40:22.809" v="478" actId="21"/>
-          <ac:spMkLst>
-            <pc:docMk/>
-            <pc:sldMk cId="3529114326" sldId="268"/>
-            <ac:spMk id="5" creationId="{03EDEB3C-57AD-C855-3029-E4B3941601E2}"/>
-          </ac:spMkLst>
-        </pc:spChg>
-        <pc:spChg chg="add del mod">
-          <ac:chgData name="Navidu Lokupathirage" userId="6eea6decda147a9c" providerId="LiveId" clId="{3C143994-5C66-457F-883D-15398A7622AE}" dt="2023-03-15T22:39:31.810" v="866" actId="478"/>
-          <ac:spMkLst>
-            <pc:docMk/>
-            <pc:sldMk cId="3529114326" sldId="268"/>
-            <ac:spMk id="6" creationId="{09833542-D3E0-C843-1792-0BCE3D0B8C57}"/>
-          </ac:spMkLst>
-        </pc:spChg>
-        <pc:spChg chg="add del mod">
-          <ac:chgData name="Navidu Lokupathirage" userId="6eea6decda147a9c" providerId="LiveId" clId="{3C143994-5C66-457F-883D-15398A7622AE}" dt="2023-03-15T22:36:26.305" v="839" actId="478"/>
-          <ac:spMkLst>
-            <pc:docMk/>
-            <pc:sldMk cId="3529114326" sldId="268"/>
-            <ac:spMk id="7" creationId="{F7EE87C4-B7D5-9CB3-A60C-B68CE471F925}"/>
-          </ac:spMkLst>
-        </pc:spChg>
-        <pc:spChg chg="add del">
-          <ac:chgData name="Navidu Lokupathirage" userId="6eea6decda147a9c" providerId="LiveId" clId="{3C143994-5C66-457F-883D-15398A7622AE}" dt="2023-03-15T22:36:44.768" v="842" actId="478"/>
-          <ac:spMkLst>
-            <pc:docMk/>
-            <pc:sldMk cId="3529114326" sldId="268"/>
-            <ac:spMk id="8" creationId="{01046482-A053-7E0C-EF51-729956321AE8}"/>
-          </ac:spMkLst>
-        </pc:spChg>
-        <pc:spChg chg="add del">
-          <ac:chgData name="Navidu Lokupathirage" userId="6eea6decda147a9c" providerId="LiveId" clId="{3C143994-5C66-457F-883D-15398A7622AE}" dt="2023-03-15T22:37:03.226" v="846" actId="478"/>
-          <ac:spMkLst>
-            <pc:docMk/>
-            <pc:sldMk cId="3529114326" sldId="268"/>
-            <ac:spMk id="9" creationId="{8493E012-21FB-523C-4687-19E60C433F11}"/>
-          </ac:spMkLst>
-        </pc:spChg>
-        <pc:spChg chg="add del mod ord">
-          <ac:chgData name="Navidu Lokupathirage" userId="6eea6decda147a9c" providerId="LiveId" clId="{3C143994-5C66-457F-883D-15398A7622AE}" dt="2023-03-15T22:39:08.844" v="863" actId="700"/>
-          <ac:spMkLst>
-            <pc:docMk/>
-            <pc:sldMk cId="3529114326" sldId="268"/>
-            <ac:spMk id="10" creationId="{DB1A5E0A-2B4A-6DCB-85F9-D4B685729D04}"/>
-          </ac:spMkLst>
-        </pc:spChg>
-        <pc:spChg chg="add del mod">
-          <ac:chgData name="Navidu Lokupathirage" userId="6eea6decda147a9c" providerId="LiveId" clId="{3C143994-5C66-457F-883D-15398A7622AE}" dt="2023-03-15T22:38:13.895" v="854"/>
-          <ac:spMkLst>
-            <pc:docMk/>
-            <pc:sldMk cId="3529114326" sldId="268"/>
-            <ac:spMk id="11" creationId="{EC0FAC8C-9A6D-809B-5906-A24B6A062761}"/>
-          </ac:spMkLst>
-        </pc:spChg>
-        <pc:spChg chg="add del mod">
-          <ac:chgData name="Navidu Lokupathirage" userId="6eea6decda147a9c" providerId="LiveId" clId="{3C143994-5C66-457F-883D-15398A7622AE}" dt="2023-03-15T22:38:36.101" v="856"/>
-          <ac:spMkLst>
-            <pc:docMk/>
-            <pc:sldMk cId="3529114326" sldId="268"/>
-            <ac:spMk id="12" creationId="{C7D42186-88E8-3EBB-428C-EDE6D3F1623C}"/>
-          </ac:spMkLst>
-        </pc:spChg>
-        <pc:spChg chg="mod ord">
-          <ac:chgData name="Navidu Lokupathirage" userId="6eea6decda147a9c" providerId="LiveId" clId="{3C143994-5C66-457F-883D-15398A7622AE}" dt="2023-03-15T22:39:08.844" v="863" actId="700"/>
-          <ac:spMkLst>
-            <pc:docMk/>
-            <pc:sldMk cId="3529114326" sldId="268"/>
-            <ac:spMk id="13" creationId="{00000000-0000-0000-0000-000000000000}"/>
-          </ac:spMkLst>
-        </pc:spChg>
-        <pc:spChg chg="add del mod">
-          <ac:chgData name="Navidu Lokupathirage" userId="6eea6decda147a9c" providerId="LiveId" clId="{3C143994-5C66-457F-883D-15398A7622AE}" dt="2023-03-15T22:37:03.226" v="846" actId="478"/>
-          <ac:spMkLst>
-            <pc:docMk/>
-            <pc:sldMk cId="3529114326" sldId="268"/>
-            <ac:spMk id="14" creationId="{00000000-0000-0000-0000-000000000000}"/>
-          </ac:spMkLst>
-        </pc:spChg>
-        <pc:spChg chg="add del mod ord">
-          <ac:chgData name="Navidu Lokupathirage" userId="6eea6decda147a9c" providerId="LiveId" clId="{3C143994-5C66-457F-883D-15398A7622AE}" dt="2023-03-15T22:49:35.657" v="977" actId="207"/>
-          <ac:spMkLst>
-            <pc:docMk/>
-            <pc:sldMk cId="3529114326" sldId="268"/>
-            <ac:spMk id="15" creationId="{99A0A2D8-6DB4-28A0-4585-6C4D3B540779}"/>
-          </ac:spMkLst>
-        </pc:spChg>
-        <pc:spChg chg="add mod ord">
-          <ac:chgData name="Navidu Lokupathirage" userId="6eea6decda147a9c" providerId="LiveId" clId="{3C143994-5C66-457F-883D-15398A7622AE}" dt="2023-03-15T22:45:11.855" v="961" actId="255"/>
-          <ac:spMkLst>
-            <pc:docMk/>
-            <pc:sldMk cId="3529114326" sldId="268"/>
-            <ac:spMk id="16" creationId="{D5840312-36AB-0111-ACBC-27F4B67FC12F}"/>
-          </ac:spMkLst>
-        </pc:spChg>
-        <pc:spChg chg="add del mod">
-          <ac:chgData name="Navidu Lokupathirage" userId="6eea6decda147a9c" providerId="LiveId" clId="{3C143994-5C66-457F-883D-15398A7622AE}" dt="2023-03-15T22:42:53.509" v="945"/>
-          <ac:spMkLst>
-            <pc:docMk/>
-            <pc:sldMk cId="3529114326" sldId="268"/>
-            <ac:spMk id="17" creationId="{9111902E-6DEB-5786-B069-F2562A95B4AF}"/>
-          </ac:spMkLst>
-        </pc:spChg>
-      </pc:sldChg>
-      <pc:sldChg chg="delSp modSp new mod">
-        <pc:chgData name="Navidu Lokupathirage" userId="6eea6decda147a9c" providerId="LiveId" clId="{3C143994-5C66-457F-883D-15398A7622AE}" dt="2023-03-15T22:28:12.994" v="835" actId="14100"/>
-        <pc:sldMkLst>
-          <pc:docMk/>
-          <pc:sldMk cId="1276129956" sldId="269"/>
-        </pc:sldMkLst>
-        <pc:spChg chg="del">
-          <ac:chgData name="Navidu Lokupathirage" userId="6eea6decda147a9c" providerId="LiveId" clId="{3C143994-5C66-457F-883D-15398A7622AE}" dt="2023-03-15T22:28:02.972" v="833" actId="21"/>
-          <ac:spMkLst>
-            <pc:docMk/>
-            <pc:sldMk cId="1276129956" sldId="269"/>
-            <ac:spMk id="2" creationId="{4C634CD3-9E52-2091-6FFC-1BB2F4ABB406}"/>
-          </ac:spMkLst>
-        </pc:spChg>
-        <pc:spChg chg="mod">
-          <ac:chgData name="Navidu Lokupathirage" userId="6eea6decda147a9c" providerId="LiveId" clId="{3C143994-5C66-457F-883D-15398A7622AE}" dt="2023-03-15T22:28:12.994" v="835" actId="14100"/>
-          <ac:spMkLst>
-            <pc:docMk/>
-            <pc:sldMk cId="1276129956" sldId="269"/>
-            <ac:spMk id="3" creationId="{475B7BD8-83FD-3DD2-1645-E0401A4B8716}"/>
-          </ac:spMkLst>
-        </pc:spChg>
-      </pc:sldChg>
-      <pc:sldChg chg="del">
-        <pc:chgData name="Navidu Lokupathirage" userId="6eea6decda147a9c" providerId="LiveId" clId="{3C143994-5C66-457F-883D-15398A7622AE}" dt="2023-03-15T20:35:36.276" v="201" actId="2696"/>
-        <pc:sldMkLst>
-          <pc:docMk/>
-          <pc:sldMk cId="2341911148" sldId="269"/>
-        </pc:sldMkLst>
-      </pc:sldChg>
-      <pc:sldChg chg="del">
-        <pc:chgData name="Navidu Lokupathirage" userId="6eea6decda147a9c" providerId="LiveId" clId="{3C143994-5C66-457F-883D-15398A7622AE}" dt="2023-03-15T20:37:01.343" v="202" actId="2696"/>
-        <pc:sldMkLst>
-          <pc:docMk/>
-          <pc:sldMk cId="4123189245" sldId="270"/>
-        </pc:sldMkLst>
-      </pc:sldChg>
-      <pc:sldChg chg="del">
-        <pc:chgData name="Navidu Lokupathirage" userId="6eea6decda147a9c" providerId="LiveId" clId="{3C143994-5C66-457F-883D-15398A7622AE}" dt="2023-03-15T21:29:10.393" v="575" actId="2696"/>
-        <pc:sldMkLst>
-          <pc:docMk/>
-          <pc:sldMk cId="2319046984" sldId="271"/>
-        </pc:sldMkLst>
-      </pc:sldChg>
-    </pc:docChg>
-  </pc:docChgLst>
 </pc:chgInfo>
 </file>
 
@@ -679,7 +1074,7 @@
             <a:pPr algn="r" rtl="0"/>
             <a:fld id="{D8AF6929-4F16-43A6-8368-BF93843271D3}" type="datetime1">
               <a:rPr lang="fr-FR" smtClean="0"/>
-              <a:t>15/03/2023</a:t>
+              <a:t>16/03/2023</a:t>
             </a:fld>
             <a:endParaRPr lang="fr-FR"/>
           </a:p>
@@ -748,7 +1143,7 @@
             <a:fld id="{79429053-DC2A-4342-ADD4-2FD729D91E2C}" type="slidenum">
               <a:rPr lang="fr-FR" smtClean="0"/>
               <a:pPr algn="r" rtl="0"/>
-              <a:t>‹#›</a:t>
+              <a:t>‹N°›</a:t>
             </a:fld>
             <a:endParaRPr lang="fr-FR"/>
           </a:p>
@@ -849,7 +1244,7 @@
             <a:fld id="{4D9CF8A1-AC6C-4B34-A6AF-5306B09514F1}" type="datetime1">
               <a:rPr lang="fr-FR" smtClean="0"/>
               <a:pPr/>
-              <a:t>15/03/2023</a:t>
+              <a:t>16/03/2023</a:t>
             </a:fld>
             <a:endParaRPr lang="fr-FR"/>
           </a:p>
@@ -1011,7 +1406,7 @@
             <a:fld id="{3EBA5BD7-F043-4D1B-AA17-CD412FC534DE}" type="slidenum">
               <a:rPr lang="fr-FR" smtClean="0"/>
               <a:pPr algn="r"/>
-              <a:t>‹#›</a:t>
+              <a:t>‹N°›</a:t>
             </a:fld>
             <a:endParaRPr lang="fr-FR"/>
           </a:p>
@@ -1282,7 +1677,7 @@
     </p:spTree>
     <p:extLst>
       <p:ext uri="{BB962C8B-B14F-4D97-AF65-F5344CB8AC3E}">
-        <p14:creationId xmlns:p14="http://schemas.microsoft.com/office/powerpoint/2010/main" val="3427575218"/>
+        <p14:creationId xmlns:p14="http://schemas.microsoft.com/office/powerpoint/2010/main" val="3165557411"/>
       </p:ext>
     </p:extLst>
   </p:cSld>
@@ -1368,7 +1763,7 @@
     </p:spTree>
     <p:extLst>
       <p:ext uri="{BB962C8B-B14F-4D97-AF65-F5344CB8AC3E}">
-        <p14:creationId xmlns:p14="http://schemas.microsoft.com/office/powerpoint/2010/main" val="3636480520"/>
+        <p14:creationId xmlns:p14="http://schemas.microsoft.com/office/powerpoint/2010/main" val="3301964829"/>
       </p:ext>
     </p:extLst>
   </p:cSld>
@@ -1445,7 +1840,179 @@
             <a:fld id="{3EBA5BD7-F043-4D1B-AA17-CD412FC534DE}" type="slidenum">
               <a:rPr lang="fr-FR" smtClean="0"/>
               <a:pPr algn="r"/>
+              <a:t>4</a:t>
+            </a:fld>
+            <a:endParaRPr lang="fr-FR"/>
+          </a:p>
+        </p:txBody>
+      </p:sp>
+    </p:spTree>
+    <p:extLst>
+      <p:ext uri="{BB962C8B-B14F-4D97-AF65-F5344CB8AC3E}">
+        <p14:creationId xmlns:p14="http://schemas.microsoft.com/office/powerpoint/2010/main" val="3427575218"/>
+      </p:ext>
+    </p:extLst>
+  </p:cSld>
+  <p:clrMapOvr>
+    <a:masterClrMapping/>
+  </p:clrMapOvr>
+</p:notes>
+</file>
+
+<file path=ppt/notesSlides/notesSlide5.xml><?xml version="1.0" encoding="utf-8"?>
+<p:notes xmlns:a="http://schemas.openxmlformats.org/drawingml/2006/main" xmlns:r="http://schemas.openxmlformats.org/officeDocument/2006/relationships" xmlns:p="http://schemas.openxmlformats.org/presentationml/2006/main">
+  <p:cSld>
+    <p:spTree>
+      <p:nvGrpSpPr>
+        <p:cNvPr id="1" name=""/>
+        <p:cNvGrpSpPr/>
+        <p:nvPr/>
+      </p:nvGrpSpPr>
+      <p:grpSpPr>
+        <a:xfrm>
+          <a:off x="0" y="0"/>
+          <a:ext cx="0" cy="0"/>
+          <a:chOff x="0" y="0"/>
+          <a:chExt cx="0" cy="0"/>
+        </a:xfrm>
+      </p:grpSpPr>
+      <p:sp>
+        <p:nvSpPr>
+          <p:cNvPr id="2" name="Espace réservé de l'image des diapositives 1"/>
+          <p:cNvSpPr>
+            <a:spLocks noGrp="1" noRot="1" noChangeAspect="1"/>
+          </p:cNvSpPr>
+          <p:nvPr>
+            <p:ph type="sldImg"/>
+          </p:nvPr>
+        </p:nvSpPr>
+        <p:spPr/>
+      </p:sp>
+      <p:sp>
+        <p:nvSpPr>
+          <p:cNvPr id="3" name="Espace réservé des notes 2"/>
+          <p:cNvSpPr>
+            <a:spLocks noGrp="1"/>
+          </p:cNvSpPr>
+          <p:nvPr>
+            <p:ph type="body" idx="1"/>
+          </p:nvPr>
+        </p:nvSpPr>
+        <p:spPr/>
+        <p:txBody>
+          <a:bodyPr/>
+          <a:lstStyle/>
+          <a:p>
+            <a:endParaRPr lang="fr-FR"/>
+          </a:p>
+        </p:txBody>
+      </p:sp>
+      <p:sp>
+        <p:nvSpPr>
+          <p:cNvPr id="4" name="Espace réservé du numéro de diapositive 3"/>
+          <p:cNvSpPr>
+            <a:spLocks noGrp="1"/>
+          </p:cNvSpPr>
+          <p:nvPr>
+            <p:ph type="sldNum" sz="quarter" idx="10"/>
+          </p:nvPr>
+        </p:nvSpPr>
+        <p:spPr/>
+        <p:txBody>
+          <a:bodyPr/>
+          <a:lstStyle/>
+          <a:p>
+            <a:pPr algn="r"/>
+            <a:fld id="{3EBA5BD7-F043-4D1B-AA17-CD412FC534DE}" type="slidenum">
+              <a:rPr lang="fr-FR" smtClean="0"/>
+              <a:pPr algn="r"/>
               <a:t>5</a:t>
+            </a:fld>
+            <a:endParaRPr lang="fr-FR"/>
+          </a:p>
+        </p:txBody>
+      </p:sp>
+    </p:spTree>
+    <p:extLst>
+      <p:ext uri="{BB962C8B-B14F-4D97-AF65-F5344CB8AC3E}">
+        <p14:creationId xmlns:p14="http://schemas.microsoft.com/office/powerpoint/2010/main" val="3636480520"/>
+      </p:ext>
+    </p:extLst>
+  </p:cSld>
+  <p:clrMapOvr>
+    <a:masterClrMapping/>
+  </p:clrMapOvr>
+</p:notes>
+</file>
+
+<file path=ppt/notesSlides/notesSlide6.xml><?xml version="1.0" encoding="utf-8"?>
+<p:notes xmlns:a="http://schemas.openxmlformats.org/drawingml/2006/main" xmlns:r="http://schemas.openxmlformats.org/officeDocument/2006/relationships" xmlns:p="http://schemas.openxmlformats.org/presentationml/2006/main">
+  <p:cSld>
+    <p:spTree>
+      <p:nvGrpSpPr>
+        <p:cNvPr id="1" name=""/>
+        <p:cNvGrpSpPr/>
+        <p:nvPr/>
+      </p:nvGrpSpPr>
+      <p:grpSpPr>
+        <a:xfrm>
+          <a:off x="0" y="0"/>
+          <a:ext cx="0" cy="0"/>
+          <a:chOff x="0" y="0"/>
+          <a:chExt cx="0" cy="0"/>
+        </a:xfrm>
+      </p:grpSpPr>
+      <p:sp>
+        <p:nvSpPr>
+          <p:cNvPr id="2" name="Espace réservé de l'image des diapositives 1"/>
+          <p:cNvSpPr>
+            <a:spLocks noGrp="1" noRot="1" noChangeAspect="1"/>
+          </p:cNvSpPr>
+          <p:nvPr>
+            <p:ph type="sldImg"/>
+          </p:nvPr>
+        </p:nvSpPr>
+        <p:spPr/>
+      </p:sp>
+      <p:sp>
+        <p:nvSpPr>
+          <p:cNvPr id="3" name="Espace réservé des notes 2"/>
+          <p:cNvSpPr>
+            <a:spLocks noGrp="1"/>
+          </p:cNvSpPr>
+          <p:nvPr>
+            <p:ph type="body" idx="1"/>
+          </p:nvPr>
+        </p:nvSpPr>
+        <p:spPr/>
+        <p:txBody>
+          <a:bodyPr/>
+          <a:lstStyle/>
+          <a:p>
+            <a:endParaRPr lang="fr-FR"/>
+          </a:p>
+        </p:txBody>
+      </p:sp>
+      <p:sp>
+        <p:nvSpPr>
+          <p:cNvPr id="4" name="Espace réservé du numéro de diapositive 3"/>
+          <p:cNvSpPr>
+            <a:spLocks noGrp="1"/>
+          </p:cNvSpPr>
+          <p:nvPr>
+            <p:ph type="sldNum" sz="quarter" idx="10"/>
+          </p:nvPr>
+        </p:nvSpPr>
+        <p:spPr/>
+        <p:txBody>
+          <a:bodyPr/>
+          <a:lstStyle/>
+          <a:p>
+            <a:pPr algn="r"/>
+            <a:fld id="{3EBA5BD7-F043-4D1B-AA17-CD412FC534DE}" type="slidenum">
+              <a:rPr lang="fr-FR" smtClean="0"/>
+              <a:pPr algn="r"/>
+              <a:t>6</a:t>
             </a:fld>
             <a:endParaRPr lang="fr-FR"/>
           </a:p>
@@ -2225,7 +2792,7 @@
             <a:fld id="{3E36D263-5C89-4D5D-8B05-0120FB33B4BA}" type="datetime1">
               <a:rPr lang="fr-FR" smtClean="0"/>
               <a:pPr/>
-              <a:t>15/03/2023</a:t>
+              <a:t>16/03/2023</a:t>
             </a:fld>
             <a:endParaRPr lang="fr-FR"/>
           </a:p>
@@ -2270,7 +2837,7 @@
             <a:fld id="{C014DD1E-5D91-48A3-AD6D-45FBA980D106}" type="slidenum">
               <a:rPr lang="fr-FR" smtClean="0"/>
               <a:pPr algn="r"/>
-              <a:t>‹#›</a:t>
+              <a:t>‹N°›</a:t>
             </a:fld>
             <a:endParaRPr lang="fr-FR"/>
           </a:p>
@@ -2430,7 +2997,7 @@
             <a:fld id="{8A1D2FCC-4233-4F14-8EDB-8DB44C2A50E0}" type="datetime1">
               <a:rPr lang="fr-FR" smtClean="0"/>
               <a:pPr/>
-              <a:t>15/03/2023</a:t>
+              <a:t>16/03/2023</a:t>
             </a:fld>
             <a:endParaRPr lang="fr-FR"/>
           </a:p>
@@ -2475,7 +3042,7 @@
             <a:fld id="{C014DD1E-5D91-48A3-AD6D-45FBA980D106}" type="slidenum">
               <a:rPr lang="fr-FR" smtClean="0"/>
               <a:pPr algn="r"/>
-              <a:t>‹#›</a:t>
+              <a:t>‹N°›</a:t>
             </a:fld>
             <a:endParaRPr lang="fr-FR"/>
           </a:p>
@@ -2645,7 +3212,7 @@
             <a:fld id="{763F31CA-359D-41CC-AD54-062A6FB97288}" type="datetime1">
               <a:rPr lang="fr-FR" smtClean="0"/>
               <a:pPr/>
-              <a:t>15/03/2023</a:t>
+              <a:t>16/03/2023</a:t>
             </a:fld>
             <a:endParaRPr lang="fr-FR"/>
           </a:p>
@@ -2690,7 +3257,7 @@
             <a:fld id="{C014DD1E-5D91-48A3-AD6D-45FBA980D106}" type="slidenum">
               <a:rPr lang="fr-FR" smtClean="0"/>
               <a:pPr algn="r"/>
-              <a:t>‹#›</a:t>
+              <a:t>‹N°›</a:t>
             </a:fld>
             <a:endParaRPr lang="fr-FR"/>
           </a:p>
@@ -2850,7 +3417,7 @@
             <a:fld id="{E2899D0D-1C7F-4044-B286-354B51780DED}" type="datetime1">
               <a:rPr lang="fr-FR" smtClean="0"/>
               <a:pPr/>
-              <a:t>15/03/2023</a:t>
+              <a:t>16/03/2023</a:t>
             </a:fld>
             <a:endParaRPr lang="fr-FR"/>
           </a:p>
@@ -2895,7 +3462,7 @@
             <a:fld id="{C014DD1E-5D91-48A3-AD6D-45FBA980D106}" type="slidenum">
               <a:rPr lang="fr-FR" smtClean="0"/>
               <a:pPr algn="r"/>
-              <a:t>‹#›</a:t>
+              <a:t>‹N°›</a:t>
             </a:fld>
             <a:endParaRPr lang="fr-FR"/>
           </a:p>
@@ -3290,7 +3857,7 @@
             <a:fld id="{BEFD5C92-4BB1-4FBC-932D-AE246A545D97}" type="datetime1">
               <a:rPr lang="fr-FR" smtClean="0"/>
               <a:pPr/>
-              <a:t>15/03/2023</a:t>
+              <a:t>16/03/2023</a:t>
             </a:fld>
             <a:endParaRPr lang="fr-FR"/>
           </a:p>
@@ -3335,7 +3902,7 @@
             <a:fld id="{C014DD1E-5D91-48A3-AD6D-45FBA980D106}" type="slidenum">
               <a:rPr lang="fr-FR" smtClean="0"/>
               <a:pPr algn="r"/>
-              <a:t>‹#›</a:t>
+              <a:t>‹N°›</a:t>
             </a:fld>
             <a:endParaRPr lang="fr-FR"/>
           </a:p>
@@ -3600,7 +4167,7 @@
             <a:fld id="{6B22FCC3-3DC7-4160-A3CE-82200479EFA7}" type="datetime1">
               <a:rPr lang="fr-FR" smtClean="0"/>
               <a:pPr/>
-              <a:t>15/03/2023</a:t>
+              <a:t>16/03/2023</a:t>
             </a:fld>
             <a:endParaRPr lang="fr-FR"/>
           </a:p>
@@ -3645,7 +4212,7 @@
             <a:fld id="{C014DD1E-5D91-48A3-AD6D-45FBA980D106}" type="slidenum">
               <a:rPr lang="fr-FR" smtClean="0"/>
               <a:pPr algn="r"/>
-              <a:t>‹#›</a:t>
+              <a:t>‹N°›</a:t>
             </a:fld>
             <a:endParaRPr lang="fr-FR"/>
           </a:p>
@@ -4062,7 +4629,7 @@
             <a:fld id="{17AB33AB-93D8-496F-A7A3-D08F359C34C7}" type="datetime1">
               <a:rPr lang="fr-FR" smtClean="0"/>
               <a:pPr/>
-              <a:t>15/03/2023</a:t>
+              <a:t>16/03/2023</a:t>
             </a:fld>
             <a:endParaRPr lang="fr-FR"/>
           </a:p>
@@ -4107,7 +4674,7 @@
             <a:fld id="{C014DD1E-5D91-48A3-AD6D-45FBA980D106}" type="slidenum">
               <a:rPr lang="fr-FR" smtClean="0"/>
               <a:pPr algn="r"/>
-              <a:t>‹#›</a:t>
+              <a:t>‹N°›</a:t>
             </a:fld>
             <a:endParaRPr lang="fr-FR"/>
           </a:p>
@@ -4200,7 +4767,7 @@
             <a:fld id="{5B80ABE1-D260-4843-B80F-7D5268AEEE07}" type="datetime1">
               <a:rPr lang="fr-FR" smtClean="0"/>
               <a:pPr/>
-              <a:t>15/03/2023</a:t>
+              <a:t>16/03/2023</a:t>
             </a:fld>
             <a:endParaRPr lang="fr-FR"/>
           </a:p>
@@ -4245,7 +4812,7 @@
             <a:fld id="{C014DD1E-5D91-48A3-AD6D-45FBA980D106}" type="slidenum">
               <a:rPr lang="fr-FR" smtClean="0"/>
               <a:pPr algn="r"/>
-              <a:t>‹#›</a:t>
+              <a:t>‹N°›</a:t>
             </a:fld>
             <a:endParaRPr lang="fr-FR"/>
           </a:p>
@@ -4315,7 +4882,7 @@
             <a:fld id="{88B7253B-1B29-4A13-B3F4-5ABF9F84795C}" type="datetime1">
               <a:rPr lang="fr-FR" smtClean="0"/>
               <a:pPr/>
-              <a:t>15/03/2023</a:t>
+              <a:t>16/03/2023</a:t>
             </a:fld>
             <a:endParaRPr lang="fr-FR"/>
           </a:p>
@@ -4360,7 +4927,7 @@
             <a:fld id="{C014DD1E-5D91-48A3-AD6D-45FBA980D106}" type="slidenum">
               <a:rPr lang="fr-FR" smtClean="0"/>
               <a:pPr algn="r"/>
-              <a:t>‹#›</a:t>
+              <a:t>‹N°›</a:t>
             </a:fld>
             <a:endParaRPr lang="fr-FR"/>
           </a:p>
@@ -4621,7 +5188,7 @@
             <a:fld id="{3FF95AA5-BF1E-4EB9-A1D5-0AB2DD60A2D9}" type="datetime1">
               <a:rPr lang="fr-FR" smtClean="0"/>
               <a:pPr/>
-              <a:t>15/03/2023</a:t>
+              <a:t>16/03/2023</a:t>
             </a:fld>
             <a:endParaRPr lang="fr-FR"/>
           </a:p>
@@ -4666,7 +5233,7 @@
             <a:fld id="{C014DD1E-5D91-48A3-AD6D-45FBA980D106}" type="slidenum">
               <a:rPr lang="fr-FR" smtClean="0"/>
               <a:pPr algn="r"/>
-              <a:t>‹#›</a:t>
+              <a:t>‹N°›</a:t>
             </a:fld>
             <a:endParaRPr lang="fr-FR"/>
           </a:p>
@@ -4917,7 +5484,7 @@
             <a:fld id="{6F7BC923-82FA-41E3-BF4E-E946B22CD3AC}" type="datetime1">
               <a:rPr lang="fr-FR" smtClean="0"/>
               <a:pPr/>
-              <a:t>15/03/2023</a:t>
+              <a:t>16/03/2023</a:t>
             </a:fld>
             <a:endParaRPr lang="fr-FR"/>
           </a:p>
@@ -4962,7 +5529,7 @@
             <a:fld id="{C014DD1E-5D91-48A3-AD6D-45FBA980D106}" type="slidenum">
               <a:rPr lang="fr-FR" smtClean="0"/>
               <a:pPr algn="r"/>
-              <a:t>‹#›</a:t>
+              <a:t>‹N°›</a:t>
             </a:fld>
             <a:endParaRPr lang="fr-FR"/>
           </a:p>
@@ -5542,7 +6109,7 @@
             <a:fld id="{64A97F8E-A89E-4ECD-B8CE-87968877804C}" type="datetime1">
               <a:rPr lang="fr-FR" smtClean="0"/>
               <a:pPr/>
-              <a:t>15/03/2023</a:t>
+              <a:t>16/03/2023</a:t>
             </a:fld>
             <a:endParaRPr lang="fr-FR"/>
           </a:p>
@@ -5623,7 +6190,7 @@
             <a:fld id="{C014DD1E-5D91-48A3-AD6D-45FBA980D106}" type="slidenum">
               <a:rPr lang="fr-FR" smtClean="0"/>
               <a:pPr algn="r"/>
-              <a:t>‹#›</a:t>
+              <a:t>‹N°›</a:t>
             </a:fld>
             <a:endParaRPr lang="fr-FR"/>
           </a:p>
@@ -6000,6 +6567,28 @@
 <file path=ppt/slides/slide1.xml><?xml version="1.0" encoding="utf-8"?>
 <p:sld xmlns:a="http://schemas.openxmlformats.org/drawingml/2006/main" xmlns:r="http://schemas.openxmlformats.org/officeDocument/2006/relationships" xmlns:p="http://schemas.openxmlformats.org/presentationml/2006/main">
   <p:cSld>
+    <p:bg>
+      <p:bgPr>
+        <a:gradFill flip="none" rotWithShape="1">
+          <a:gsLst>
+            <a:gs pos="0">
+              <a:schemeClr val="tx1"/>
+            </a:gs>
+            <a:gs pos="0">
+              <a:schemeClr val="tx1"/>
+            </a:gs>
+            <a:gs pos="0">
+              <a:schemeClr val="tx1">
+                <a:lumMod val="95000"/>
+              </a:schemeClr>
+            </a:gs>
+          </a:gsLst>
+          <a:lin ang="3600000" scaled="0"/>
+          <a:tileRect/>
+        </a:gradFill>
+        <a:effectLst/>
+      </p:bgPr>
+    </p:bg>
     <p:spTree>
       <p:nvGrpSpPr>
         <p:cNvPr id="1" name=""/>
@@ -6035,26 +6624,38 @@
           <a:lstStyle/>
           <a:p>
             <a:r>
-              <a:rPr lang="fr-FR">
+              <a:rPr lang="fr-FR" dirty="0">
+                <a:solidFill>
+                  <a:schemeClr val="bg1"/>
+                </a:solidFill>
                 <a:latin typeface="Arial"/>
                 <a:cs typeface="Arial"/>
               </a:rPr>
               <a:t>Projet de programmation GPU:</a:t>
             </a:r>
             <a:br>
-              <a:rPr lang="fr-FR">
+              <a:rPr lang="fr-FR" dirty="0">
+                <a:solidFill>
+                  <a:schemeClr val="bg1"/>
+                </a:solidFill>
                 <a:latin typeface="Arial"/>
                 <a:cs typeface="Arial"/>
               </a:rPr>
             </a:br>
             <a:r>
-              <a:rPr lang="fr-FR">
+              <a:rPr lang="fr-FR" dirty="0">
+                <a:solidFill>
+                  <a:schemeClr val="bg1"/>
+                </a:solidFill>
                 <a:latin typeface="Arial"/>
                 <a:cs typeface="Arial"/>
               </a:rPr>
               <a:t>Tri par insertion</a:t>
             </a:r>
-            <a:endParaRPr lang="fr-FR">
+            <a:endParaRPr lang="fr-FR" dirty="0">
+              <a:solidFill>
+                <a:schemeClr val="bg1"/>
+              </a:solidFill>
               <a:latin typeface="Arial" panose="020B0604020202020204" pitchFamily="34" charset="0"/>
               <a:cs typeface="Arial" panose="020B0604020202020204" pitchFamily="34" charset="0"/>
             </a:endParaRPr>
@@ -6085,14 +6686,14 @@
           <a:p>
             <a:pPr rtl="0"/>
             <a:r>
-              <a:rPr lang="fr-FR" err="1">
+              <a:rPr lang="fr-FR" dirty="0" err="1">
                 <a:latin typeface="Arial" panose="020B0604020202020204" pitchFamily="34" charset="0"/>
                 <a:cs typeface="Arial" panose="020B0604020202020204" pitchFamily="34" charset="0"/>
               </a:rPr>
               <a:t>Tharidu</a:t>
             </a:r>
             <a:r>
-              <a:rPr lang="fr-FR">
+              <a:rPr lang="fr-FR" dirty="0">
                 <a:latin typeface="Arial" panose="020B0604020202020204" pitchFamily="34" charset="0"/>
                 <a:cs typeface="Arial" panose="020B0604020202020204" pitchFamily="34" charset="0"/>
               </a:rPr>
@@ -6102,7 +6703,7 @@
           <a:p>
             <a:pPr rtl="0"/>
             <a:r>
-              <a:rPr lang="fr-FR">
+              <a:rPr lang="fr-FR" dirty="0">
                 <a:latin typeface="Arial" panose="020B0604020202020204" pitchFamily="34" charset="0"/>
                 <a:cs typeface="Arial" panose="020B0604020202020204" pitchFamily="34" charset="0"/>
               </a:rPr>
@@ -6112,7 +6713,7 @@
           <a:p>
             <a:pPr rtl="0"/>
             <a:r>
-              <a:rPr lang="fr-FR">
+              <a:rPr lang="fr-FR" dirty="0">
                 <a:latin typeface="Arial" panose="020B0604020202020204" pitchFamily="34" charset="0"/>
                 <a:cs typeface="Arial" panose="020B0604020202020204" pitchFamily="34" charset="0"/>
               </a:rPr>
@@ -6121,7 +6722,7 @@
           </a:p>
           <a:p>
             <a:pPr rtl="0"/>
-            <a:endParaRPr lang="fr-FR">
+            <a:endParaRPr lang="fr-FR" dirty="0">
               <a:latin typeface="Arial" panose="020B0604020202020204" pitchFamily="34" charset="0"/>
               <a:cs typeface="Arial" panose="020B0604020202020204" pitchFamily="34" charset="0"/>
             </a:endParaRPr>
@@ -6129,7 +6730,7 @@
           <a:p>
             <a:pPr rtl="0"/>
             <a:r>
-              <a:rPr lang="fr-FR">
+              <a:rPr lang="fr-FR" dirty="0">
                 <a:latin typeface="Arial" panose="020B0604020202020204" pitchFamily="34" charset="0"/>
                 <a:cs typeface="Arial" panose="020B0604020202020204" pitchFamily="34" charset="0"/>
               </a:rPr>
@@ -6202,6 +6803,2422 @@
 <file path=ppt/slides/slide2.xml><?xml version="1.0" encoding="utf-8"?>
 <p:sld xmlns:a="http://schemas.openxmlformats.org/drawingml/2006/main" xmlns:r="http://schemas.openxmlformats.org/officeDocument/2006/relationships" xmlns:p="http://schemas.openxmlformats.org/presentationml/2006/main">
   <p:cSld>
+    <p:bg>
+      <p:bgPr>
+        <a:gradFill flip="none" rotWithShape="1">
+          <a:gsLst>
+            <a:gs pos="0">
+              <a:schemeClr val="tx1"/>
+            </a:gs>
+            <a:gs pos="0">
+              <a:schemeClr val="tx1"/>
+            </a:gs>
+            <a:gs pos="0">
+              <a:schemeClr val="tx1">
+                <a:lumMod val="95000"/>
+              </a:schemeClr>
+            </a:gs>
+          </a:gsLst>
+          <a:lin ang="3600000" scaled="0"/>
+          <a:tileRect/>
+        </a:gradFill>
+        <a:effectLst/>
+      </p:bgPr>
+    </p:bg>
+    <p:spTree>
+      <p:nvGrpSpPr>
+        <p:cNvPr id="1" name=""/>
+        <p:cNvGrpSpPr/>
+        <p:nvPr/>
+      </p:nvGrpSpPr>
+      <p:grpSpPr>
+        <a:xfrm>
+          <a:off x="0" y="0"/>
+          <a:ext cx="0" cy="0"/>
+          <a:chOff x="0" y="0"/>
+          <a:chExt cx="0" cy="0"/>
+        </a:xfrm>
+      </p:grpSpPr>
+      <p:sp>
+        <p:nvSpPr>
+          <p:cNvPr id="5" name="Sous-titre 4"/>
+          <p:cNvSpPr>
+            <a:spLocks noGrp="1"/>
+          </p:cNvSpPr>
+          <p:nvPr>
+            <p:ph idx="1"/>
+          </p:nvPr>
+        </p:nvSpPr>
+        <p:spPr>
+          <a:xfrm>
+            <a:off x="1218883" y="197963"/>
+            <a:ext cx="10360501" cy="5966106"/>
+          </a:xfrm>
+        </p:spPr>
+        <p:txBody>
+          <a:bodyPr rtlCol="0">
+            <a:normAutofit/>
+          </a:bodyPr>
+          <a:lstStyle/>
+          <a:p>
+            <a:pPr marL="0" indent="0" rtl="0">
+              <a:buNone/>
+            </a:pPr>
+            <a:r>
+              <a:rPr lang="fr-FR" dirty="0">
+                <a:solidFill>
+                  <a:schemeClr val="bg1"/>
+                </a:solidFill>
+                <a:latin typeface="Arial" panose="020B0604020202020204" pitchFamily="34" charset="0"/>
+                <a:cs typeface="Arial" panose="020B0604020202020204" pitchFamily="34" charset="0"/>
+              </a:rPr>
+              <a:t>Exemple d’utilisation de l’algorithme de tri par insertion :</a:t>
+            </a:r>
+          </a:p>
+          <a:p>
+            <a:pPr marL="0" indent="0" rtl="0">
+              <a:buNone/>
+            </a:pPr>
+            <a:endParaRPr lang="fr-FR" dirty="0">
+              <a:solidFill>
+                <a:schemeClr val="bg1"/>
+              </a:solidFill>
+              <a:latin typeface="Arial" panose="020B0604020202020204" pitchFamily="34" charset="0"/>
+              <a:cs typeface="Arial" panose="020B0604020202020204" pitchFamily="34" charset="0"/>
+            </a:endParaRPr>
+          </a:p>
+          <a:p>
+            <a:pPr marL="0" indent="0" rtl="0">
+              <a:buNone/>
+            </a:pPr>
+            <a:endParaRPr lang="fr-FR" dirty="0">
+              <a:solidFill>
+                <a:schemeClr val="bg1"/>
+              </a:solidFill>
+              <a:latin typeface="Arial" panose="020B0604020202020204" pitchFamily="34" charset="0"/>
+              <a:cs typeface="Arial" panose="020B0604020202020204" pitchFamily="34" charset="0"/>
+            </a:endParaRPr>
+          </a:p>
+          <a:p>
+            <a:pPr marL="0" indent="0" rtl="0">
+              <a:buNone/>
+            </a:pPr>
+            <a:endParaRPr lang="fr-FR" dirty="0">
+              <a:solidFill>
+                <a:schemeClr val="bg1"/>
+              </a:solidFill>
+              <a:latin typeface="Arial" panose="020B0604020202020204" pitchFamily="34" charset="0"/>
+              <a:cs typeface="Arial" panose="020B0604020202020204" pitchFamily="34" charset="0"/>
+            </a:endParaRPr>
+          </a:p>
+          <a:p>
+            <a:pPr marL="0" indent="0" rtl="0">
+              <a:buNone/>
+            </a:pPr>
+            <a:endParaRPr lang="fr-FR" dirty="0">
+              <a:solidFill>
+                <a:schemeClr val="bg1"/>
+              </a:solidFill>
+              <a:latin typeface="Arial" panose="020B0604020202020204" pitchFamily="34" charset="0"/>
+              <a:cs typeface="Arial" panose="020B0604020202020204" pitchFamily="34" charset="0"/>
+            </a:endParaRPr>
+          </a:p>
+          <a:p>
+            <a:pPr marL="0" indent="0" rtl="0">
+              <a:buNone/>
+            </a:pPr>
+            <a:endParaRPr lang="fr-FR" dirty="0">
+              <a:solidFill>
+                <a:schemeClr val="bg1"/>
+              </a:solidFill>
+              <a:latin typeface="Arial" panose="020B0604020202020204" pitchFamily="34" charset="0"/>
+              <a:cs typeface="Arial" panose="020B0604020202020204" pitchFamily="34" charset="0"/>
+            </a:endParaRPr>
+          </a:p>
+          <a:p>
+            <a:pPr marL="0" indent="0" rtl="0">
+              <a:buNone/>
+            </a:pPr>
+            <a:endParaRPr lang="fr-FR" dirty="0">
+              <a:solidFill>
+                <a:schemeClr val="bg1"/>
+              </a:solidFill>
+              <a:latin typeface="Arial" panose="020B0604020202020204" pitchFamily="34" charset="0"/>
+              <a:cs typeface="Arial" panose="020B0604020202020204" pitchFamily="34" charset="0"/>
+            </a:endParaRPr>
+          </a:p>
+          <a:p>
+            <a:pPr marL="0" indent="0" rtl="0">
+              <a:buNone/>
+            </a:pPr>
+            <a:endParaRPr lang="fr-FR" dirty="0">
+              <a:solidFill>
+                <a:schemeClr val="bg1"/>
+              </a:solidFill>
+              <a:latin typeface="Arial" panose="020B0604020202020204" pitchFamily="34" charset="0"/>
+              <a:cs typeface="Arial" panose="020B0604020202020204" pitchFamily="34" charset="0"/>
+            </a:endParaRPr>
+          </a:p>
+          <a:p>
+            <a:pPr marL="0" indent="0" rtl="0">
+              <a:buNone/>
+            </a:pPr>
+            <a:endParaRPr lang="fr-FR" dirty="0">
+              <a:solidFill>
+                <a:schemeClr val="bg1"/>
+              </a:solidFill>
+              <a:latin typeface="Arial" panose="020B0604020202020204" pitchFamily="34" charset="0"/>
+              <a:cs typeface="Arial" panose="020B0604020202020204" pitchFamily="34" charset="0"/>
+            </a:endParaRPr>
+          </a:p>
+        </p:txBody>
+      </p:sp>
+      <p:graphicFrame>
+        <p:nvGraphicFramePr>
+          <p:cNvPr id="6" name="Tableau 6">
+            <a:extLst>
+              <a:ext uri="{FF2B5EF4-FFF2-40B4-BE49-F238E27FC236}">
+                <a16:creationId xmlns:a16="http://schemas.microsoft.com/office/drawing/2014/main" id="{B5C4434F-DF66-41D5-6016-751A34DA6E93}"/>
+              </a:ext>
+            </a:extLst>
+          </p:cNvPr>
+          <p:cNvGraphicFramePr>
+            <a:graphicFrameLocks noGrp="1"/>
+          </p:cNvGraphicFramePr>
+          <p:nvPr>
+            <p:extLst>
+              <p:ext uri="{D42A27DB-BD31-4B8C-83A1-F6EECF244321}">
+                <p14:modId xmlns:p14="http://schemas.microsoft.com/office/powerpoint/2010/main" val="3884837137"/>
+              </p:ext>
+            </p:extLst>
+          </p:nvPr>
+        </p:nvGraphicFramePr>
+        <p:xfrm>
+          <a:off x="1409301" y="948457"/>
+          <a:ext cx="3832002" cy="1050026"/>
+        </p:xfrm>
+        <a:graphic>
+          <a:graphicData uri="http://schemas.openxmlformats.org/drawingml/2006/table">
+            <a:tbl>
+              <a:tblPr firstRow="1" bandRow="1">
+                <a:tableStyleId>{BC89EF96-8CEA-46FF-86C4-4CE0E7609802}</a:tableStyleId>
+              </a:tblPr>
+              <a:tblGrid>
+                <a:gridCol w="638667">
+                  <a:extLst>
+                    <a:ext uri="{9D8B030D-6E8A-4147-A177-3AD203B41FA5}">
+                      <a16:colId xmlns:a16="http://schemas.microsoft.com/office/drawing/2014/main" val="3698199515"/>
+                    </a:ext>
+                  </a:extLst>
+                </a:gridCol>
+                <a:gridCol w="638667">
+                  <a:extLst>
+                    <a:ext uri="{9D8B030D-6E8A-4147-A177-3AD203B41FA5}">
+                      <a16:colId xmlns:a16="http://schemas.microsoft.com/office/drawing/2014/main" val="3115686750"/>
+                    </a:ext>
+                  </a:extLst>
+                </a:gridCol>
+                <a:gridCol w="638667">
+                  <a:extLst>
+                    <a:ext uri="{9D8B030D-6E8A-4147-A177-3AD203B41FA5}">
+                      <a16:colId xmlns:a16="http://schemas.microsoft.com/office/drawing/2014/main" val="2097222962"/>
+                    </a:ext>
+                  </a:extLst>
+                </a:gridCol>
+                <a:gridCol w="638667">
+                  <a:extLst>
+                    <a:ext uri="{9D8B030D-6E8A-4147-A177-3AD203B41FA5}">
+                      <a16:colId xmlns:a16="http://schemas.microsoft.com/office/drawing/2014/main" val="816422854"/>
+                    </a:ext>
+                  </a:extLst>
+                </a:gridCol>
+                <a:gridCol w="638667">
+                  <a:extLst>
+                    <a:ext uri="{9D8B030D-6E8A-4147-A177-3AD203B41FA5}">
+                      <a16:colId xmlns:a16="http://schemas.microsoft.com/office/drawing/2014/main" val="3874445268"/>
+                    </a:ext>
+                  </a:extLst>
+                </a:gridCol>
+                <a:gridCol w="638667">
+                  <a:extLst>
+                    <a:ext uri="{9D8B030D-6E8A-4147-A177-3AD203B41FA5}">
+                      <a16:colId xmlns:a16="http://schemas.microsoft.com/office/drawing/2014/main" val="674998435"/>
+                    </a:ext>
+                  </a:extLst>
+                </a:gridCol>
+              </a:tblGrid>
+              <a:tr h="405154">
+                <a:tc>
+                  <a:txBody>
+                    <a:bodyPr/>
+                    <a:lstStyle/>
+                    <a:p>
+                      <a:r>
+                        <a:rPr lang="fr-FR" sz="2000" b="0" dirty="0">
+                          <a:solidFill>
+                            <a:schemeClr val="bg1"/>
+                          </a:solidFill>
+                        </a:rPr>
+                        <a:t>i</a:t>
+                      </a:r>
+                    </a:p>
+                  </a:txBody>
+                  <a:tcPr/>
+                </a:tc>
+                <a:tc>
+                  <a:txBody>
+                    <a:bodyPr/>
+                    <a:lstStyle/>
+                    <a:p>
+                      <a:r>
+                        <a:rPr lang="fr-FR" sz="2000" b="0" dirty="0">
+                          <a:solidFill>
+                            <a:schemeClr val="bg1"/>
+                          </a:solidFill>
+                          <a:latin typeface="Arial" panose="020B0604020202020204" pitchFamily="34" charset="0"/>
+                          <a:cs typeface="Arial" panose="020B0604020202020204" pitchFamily="34" charset="0"/>
+                        </a:rPr>
+                        <a:t>1</a:t>
+                      </a:r>
+                    </a:p>
+                  </a:txBody>
+                  <a:tcPr/>
+                </a:tc>
+                <a:tc>
+                  <a:txBody>
+                    <a:bodyPr/>
+                    <a:lstStyle/>
+                    <a:p>
+                      <a:r>
+                        <a:rPr lang="fr-FR" sz="2000" b="0" dirty="0">
+                          <a:solidFill>
+                            <a:schemeClr val="bg1"/>
+                          </a:solidFill>
+                          <a:latin typeface="Arial" panose="020B0604020202020204" pitchFamily="34" charset="0"/>
+                          <a:cs typeface="Arial" panose="020B0604020202020204" pitchFamily="34" charset="0"/>
+                        </a:rPr>
+                        <a:t>2</a:t>
+                      </a:r>
+                    </a:p>
+                  </a:txBody>
+                  <a:tcPr/>
+                </a:tc>
+                <a:tc>
+                  <a:txBody>
+                    <a:bodyPr/>
+                    <a:lstStyle/>
+                    <a:p>
+                      <a:r>
+                        <a:rPr lang="fr-FR" sz="2000" b="0" dirty="0">
+                          <a:solidFill>
+                            <a:schemeClr val="bg1"/>
+                          </a:solidFill>
+                          <a:latin typeface="Arial" panose="020B0604020202020204" pitchFamily="34" charset="0"/>
+                          <a:cs typeface="Arial" panose="020B0604020202020204" pitchFamily="34" charset="0"/>
+                        </a:rPr>
+                        <a:t>3</a:t>
+                      </a:r>
+                    </a:p>
+                  </a:txBody>
+                  <a:tcPr/>
+                </a:tc>
+                <a:tc>
+                  <a:txBody>
+                    <a:bodyPr/>
+                    <a:lstStyle/>
+                    <a:p>
+                      <a:r>
+                        <a:rPr lang="fr-FR" sz="2000" b="0" dirty="0">
+                          <a:solidFill>
+                            <a:schemeClr val="bg1"/>
+                          </a:solidFill>
+                          <a:latin typeface="Arial" panose="020B0604020202020204" pitchFamily="34" charset="0"/>
+                          <a:cs typeface="Arial" panose="020B0604020202020204" pitchFamily="34" charset="0"/>
+                        </a:rPr>
+                        <a:t>4</a:t>
+                      </a:r>
+                    </a:p>
+                  </a:txBody>
+                  <a:tcPr/>
+                </a:tc>
+                <a:tc>
+                  <a:txBody>
+                    <a:bodyPr/>
+                    <a:lstStyle/>
+                    <a:p>
+                      <a:r>
+                        <a:rPr lang="fr-FR" sz="2000" b="0" dirty="0">
+                          <a:solidFill>
+                            <a:schemeClr val="bg1"/>
+                          </a:solidFill>
+                          <a:latin typeface="Arial" panose="020B0604020202020204" pitchFamily="34" charset="0"/>
+                          <a:cs typeface="Arial" panose="020B0604020202020204" pitchFamily="34" charset="0"/>
+                        </a:rPr>
+                        <a:t>5</a:t>
+                      </a:r>
+                    </a:p>
+                  </a:txBody>
+                  <a:tcPr/>
+                </a:tc>
+                <a:extLst>
+                  <a:ext uri="{0D108BD9-81ED-4DB2-BD59-A6C34878D82A}">
+                    <a16:rowId xmlns:a16="http://schemas.microsoft.com/office/drawing/2014/main" val="2792618440"/>
+                  </a:ext>
+                </a:extLst>
+              </a:tr>
+              <a:tr h="644872">
+                <a:tc>
+                  <a:txBody>
+                    <a:bodyPr/>
+                    <a:lstStyle/>
+                    <a:p>
+                      <a:r>
+                        <a:rPr lang="fr-FR" sz="2000" dirty="0">
+                          <a:solidFill>
+                            <a:schemeClr val="bg1"/>
+                          </a:solidFill>
+                          <a:latin typeface="Arial" panose="020B0604020202020204" pitchFamily="34" charset="0"/>
+                          <a:cs typeface="Arial" panose="020B0604020202020204" pitchFamily="34" charset="0"/>
+                        </a:rPr>
+                        <a:t>T[i]</a:t>
+                      </a:r>
+                    </a:p>
+                  </a:txBody>
+                  <a:tcPr/>
+                </a:tc>
+                <a:tc>
+                  <a:txBody>
+                    <a:bodyPr/>
+                    <a:lstStyle/>
+                    <a:p>
+                      <a:r>
+                        <a:rPr lang="fr-FR" sz="2000" dirty="0">
+                          <a:solidFill>
+                            <a:schemeClr val="bg1"/>
+                          </a:solidFill>
+                        </a:rPr>
+                        <a:t>10</a:t>
+                      </a:r>
+                    </a:p>
+                  </a:txBody>
+                  <a:tcPr/>
+                </a:tc>
+                <a:tc>
+                  <a:txBody>
+                    <a:bodyPr/>
+                    <a:lstStyle/>
+                    <a:p>
+                      <a:r>
+                        <a:rPr lang="fr-FR" sz="2000" dirty="0">
+                          <a:solidFill>
+                            <a:srgbClr val="FF0000"/>
+                          </a:solidFill>
+                        </a:rPr>
+                        <a:t>7</a:t>
+                      </a:r>
+                    </a:p>
+                  </a:txBody>
+                  <a:tcPr/>
+                </a:tc>
+                <a:tc>
+                  <a:txBody>
+                    <a:bodyPr/>
+                    <a:lstStyle/>
+                    <a:p>
+                      <a:r>
+                        <a:rPr lang="fr-FR" sz="2000" dirty="0">
+                          <a:solidFill>
+                            <a:schemeClr val="bg1"/>
+                          </a:solidFill>
+                        </a:rPr>
+                        <a:t>2</a:t>
+                      </a:r>
+                    </a:p>
+                  </a:txBody>
+                  <a:tcPr/>
+                </a:tc>
+                <a:tc>
+                  <a:txBody>
+                    <a:bodyPr/>
+                    <a:lstStyle/>
+                    <a:p>
+                      <a:r>
+                        <a:rPr lang="fr-FR" sz="2000" dirty="0">
+                          <a:solidFill>
+                            <a:schemeClr val="bg1"/>
+                          </a:solidFill>
+                        </a:rPr>
+                        <a:t>4</a:t>
+                      </a:r>
+                    </a:p>
+                  </a:txBody>
+                  <a:tcPr/>
+                </a:tc>
+                <a:tc>
+                  <a:txBody>
+                    <a:bodyPr/>
+                    <a:lstStyle/>
+                    <a:p>
+                      <a:r>
+                        <a:rPr lang="fr-FR" sz="2000" dirty="0">
+                          <a:solidFill>
+                            <a:schemeClr val="bg1"/>
+                          </a:solidFill>
+                        </a:rPr>
+                        <a:t>8</a:t>
+                      </a:r>
+                    </a:p>
+                  </a:txBody>
+                  <a:tcPr/>
+                </a:tc>
+                <a:extLst>
+                  <a:ext uri="{0D108BD9-81ED-4DB2-BD59-A6C34878D82A}">
+                    <a16:rowId xmlns:a16="http://schemas.microsoft.com/office/drawing/2014/main" val="983259626"/>
+                  </a:ext>
+                </a:extLst>
+              </a:tr>
+            </a:tbl>
+          </a:graphicData>
+        </a:graphic>
+      </p:graphicFrame>
+      <p:sp>
+        <p:nvSpPr>
+          <p:cNvPr id="7" name="ZoneTexte 6">
+            <a:extLst>
+              <a:ext uri="{FF2B5EF4-FFF2-40B4-BE49-F238E27FC236}">
+                <a16:creationId xmlns:a16="http://schemas.microsoft.com/office/drawing/2014/main" id="{E7445D3C-0868-5769-9088-541558616A4E}"/>
+              </a:ext>
+            </a:extLst>
+          </p:cNvPr>
+          <p:cNvSpPr txBox="1"/>
+          <p:nvPr/>
+        </p:nvSpPr>
+        <p:spPr>
+          <a:xfrm>
+            <a:off x="5431721" y="948457"/>
+            <a:ext cx="2845013" cy="1754326"/>
+          </a:xfrm>
+          <a:prstGeom prst="rect">
+            <a:avLst/>
+          </a:prstGeom>
+          <a:noFill/>
+        </p:spPr>
+        <p:txBody>
+          <a:bodyPr wrap="square" rtlCol="0">
+            <a:spAutoFit/>
+          </a:bodyPr>
+          <a:lstStyle/>
+          <a:p>
+            <a:r>
+              <a:rPr lang="fr-FR" sz="2000" dirty="0">
+                <a:solidFill>
+                  <a:schemeClr val="bg1"/>
+                </a:solidFill>
+                <a:latin typeface="Arial" panose="020B0604020202020204" pitchFamily="34" charset="0"/>
+                <a:cs typeface="Arial" panose="020B0604020202020204" pitchFamily="34" charset="0"/>
+              </a:rPr>
+              <a:t>10 &gt; 7</a:t>
+            </a:r>
+          </a:p>
+          <a:p>
+            <a:endParaRPr lang="fr-FR" sz="2000" dirty="0">
+              <a:solidFill>
+                <a:schemeClr val="bg1"/>
+              </a:solidFill>
+              <a:latin typeface="Arial" panose="020B0604020202020204" pitchFamily="34" charset="0"/>
+              <a:cs typeface="Arial" panose="020B0604020202020204" pitchFamily="34" charset="0"/>
+            </a:endParaRPr>
+          </a:p>
+          <a:p>
+            <a:endParaRPr lang="fr-FR" sz="2000" dirty="0">
+              <a:solidFill>
+                <a:schemeClr val="bg1"/>
+              </a:solidFill>
+              <a:latin typeface="Arial" panose="020B0604020202020204" pitchFamily="34" charset="0"/>
+              <a:cs typeface="Arial" panose="020B0604020202020204" pitchFamily="34" charset="0"/>
+            </a:endParaRPr>
+          </a:p>
+          <a:p>
+            <a:endParaRPr lang="fr-FR" sz="2000" dirty="0">
+              <a:solidFill>
+                <a:schemeClr val="bg1"/>
+              </a:solidFill>
+              <a:latin typeface="Arial" panose="020B0604020202020204" pitchFamily="34" charset="0"/>
+              <a:cs typeface="Arial" panose="020B0604020202020204" pitchFamily="34" charset="0"/>
+            </a:endParaRPr>
+          </a:p>
+          <a:p>
+            <a:endParaRPr lang="fr-FR" sz="2800" dirty="0">
+              <a:solidFill>
+                <a:schemeClr val="bg1"/>
+              </a:solidFill>
+              <a:latin typeface="Arial" panose="020B0604020202020204" pitchFamily="34" charset="0"/>
+              <a:cs typeface="Arial" panose="020B0604020202020204" pitchFamily="34" charset="0"/>
+            </a:endParaRPr>
+          </a:p>
+        </p:txBody>
+      </p:sp>
+      <p:graphicFrame>
+        <p:nvGraphicFramePr>
+          <p:cNvPr id="8" name="Tableau 8">
+            <a:extLst>
+              <a:ext uri="{FF2B5EF4-FFF2-40B4-BE49-F238E27FC236}">
+                <a16:creationId xmlns:a16="http://schemas.microsoft.com/office/drawing/2014/main" id="{90FBBCEB-64C0-D6A8-812F-DAB2CEC8AB4B}"/>
+              </a:ext>
+            </a:extLst>
+          </p:cNvPr>
+          <p:cNvGraphicFramePr>
+            <a:graphicFrameLocks noGrp="1"/>
+          </p:cNvGraphicFramePr>
+          <p:nvPr>
+            <p:extLst>
+              <p:ext uri="{D42A27DB-BD31-4B8C-83A1-F6EECF244321}">
+                <p14:modId xmlns:p14="http://schemas.microsoft.com/office/powerpoint/2010/main" val="1979409794"/>
+              </p:ext>
+            </p:extLst>
+          </p:nvPr>
+        </p:nvGraphicFramePr>
+        <p:xfrm>
+          <a:off x="1409301" y="2514600"/>
+          <a:ext cx="3832002" cy="792480"/>
+        </p:xfrm>
+        <a:graphic>
+          <a:graphicData uri="http://schemas.openxmlformats.org/drawingml/2006/table">
+            <a:tbl>
+              <a:tblPr firstRow="1" bandRow="1">
+                <a:tableStyleId>{BC89EF96-8CEA-46FF-86C4-4CE0E7609802}</a:tableStyleId>
+              </a:tblPr>
+              <a:tblGrid>
+                <a:gridCol w="638667">
+                  <a:extLst>
+                    <a:ext uri="{9D8B030D-6E8A-4147-A177-3AD203B41FA5}">
+                      <a16:colId xmlns:a16="http://schemas.microsoft.com/office/drawing/2014/main" val="520103858"/>
+                    </a:ext>
+                  </a:extLst>
+                </a:gridCol>
+                <a:gridCol w="638667">
+                  <a:extLst>
+                    <a:ext uri="{9D8B030D-6E8A-4147-A177-3AD203B41FA5}">
+                      <a16:colId xmlns:a16="http://schemas.microsoft.com/office/drawing/2014/main" val="3374104614"/>
+                    </a:ext>
+                  </a:extLst>
+                </a:gridCol>
+                <a:gridCol w="638667">
+                  <a:extLst>
+                    <a:ext uri="{9D8B030D-6E8A-4147-A177-3AD203B41FA5}">
+                      <a16:colId xmlns:a16="http://schemas.microsoft.com/office/drawing/2014/main" val="1617128756"/>
+                    </a:ext>
+                  </a:extLst>
+                </a:gridCol>
+                <a:gridCol w="638667">
+                  <a:extLst>
+                    <a:ext uri="{9D8B030D-6E8A-4147-A177-3AD203B41FA5}">
+                      <a16:colId xmlns:a16="http://schemas.microsoft.com/office/drawing/2014/main" val="3072327598"/>
+                    </a:ext>
+                  </a:extLst>
+                </a:gridCol>
+                <a:gridCol w="638667">
+                  <a:extLst>
+                    <a:ext uri="{9D8B030D-6E8A-4147-A177-3AD203B41FA5}">
+                      <a16:colId xmlns:a16="http://schemas.microsoft.com/office/drawing/2014/main" val="769892622"/>
+                    </a:ext>
+                  </a:extLst>
+                </a:gridCol>
+                <a:gridCol w="638667">
+                  <a:extLst>
+                    <a:ext uri="{9D8B030D-6E8A-4147-A177-3AD203B41FA5}">
+                      <a16:colId xmlns:a16="http://schemas.microsoft.com/office/drawing/2014/main" val="3533208020"/>
+                    </a:ext>
+                  </a:extLst>
+                </a:gridCol>
+              </a:tblGrid>
+              <a:tr h="380921">
+                <a:tc>
+                  <a:txBody>
+                    <a:bodyPr/>
+                    <a:lstStyle/>
+                    <a:p>
+                      <a:r>
+                        <a:rPr lang="fr-FR" sz="2000" b="0" dirty="0">
+                          <a:solidFill>
+                            <a:schemeClr val="bg1"/>
+                          </a:solidFill>
+                          <a:latin typeface="Arial" panose="020B0604020202020204" pitchFamily="34" charset="0"/>
+                          <a:cs typeface="Arial" panose="020B0604020202020204" pitchFamily="34" charset="0"/>
+                        </a:rPr>
+                        <a:t>i</a:t>
+                      </a:r>
+                    </a:p>
+                  </a:txBody>
+                  <a:tcPr/>
+                </a:tc>
+                <a:tc>
+                  <a:txBody>
+                    <a:bodyPr/>
+                    <a:lstStyle/>
+                    <a:p>
+                      <a:r>
+                        <a:rPr lang="fr-FR" sz="2000" b="0" dirty="0">
+                          <a:solidFill>
+                            <a:schemeClr val="bg1"/>
+                          </a:solidFill>
+                          <a:latin typeface="Arial" panose="020B0604020202020204" pitchFamily="34" charset="0"/>
+                          <a:cs typeface="Arial" panose="020B0604020202020204" pitchFamily="34" charset="0"/>
+                        </a:rPr>
+                        <a:t>1</a:t>
+                      </a:r>
+                    </a:p>
+                  </a:txBody>
+                  <a:tcPr/>
+                </a:tc>
+                <a:tc>
+                  <a:txBody>
+                    <a:bodyPr/>
+                    <a:lstStyle/>
+                    <a:p>
+                      <a:r>
+                        <a:rPr lang="fr-FR" sz="2000" b="0" dirty="0">
+                          <a:solidFill>
+                            <a:schemeClr val="bg1"/>
+                          </a:solidFill>
+                          <a:latin typeface="Arial" panose="020B0604020202020204" pitchFamily="34" charset="0"/>
+                          <a:cs typeface="Arial" panose="020B0604020202020204" pitchFamily="34" charset="0"/>
+                        </a:rPr>
+                        <a:t>2</a:t>
+                      </a:r>
+                    </a:p>
+                  </a:txBody>
+                  <a:tcPr/>
+                </a:tc>
+                <a:tc>
+                  <a:txBody>
+                    <a:bodyPr/>
+                    <a:lstStyle/>
+                    <a:p>
+                      <a:r>
+                        <a:rPr lang="fr-FR" sz="2000" b="0" dirty="0">
+                          <a:solidFill>
+                            <a:schemeClr val="bg1"/>
+                          </a:solidFill>
+                          <a:latin typeface="Arial" panose="020B0604020202020204" pitchFamily="34" charset="0"/>
+                          <a:cs typeface="Arial" panose="020B0604020202020204" pitchFamily="34" charset="0"/>
+                        </a:rPr>
+                        <a:t>3</a:t>
+                      </a:r>
+                    </a:p>
+                  </a:txBody>
+                  <a:tcPr/>
+                </a:tc>
+                <a:tc>
+                  <a:txBody>
+                    <a:bodyPr/>
+                    <a:lstStyle/>
+                    <a:p>
+                      <a:r>
+                        <a:rPr lang="fr-FR" sz="2000" b="0" dirty="0">
+                          <a:solidFill>
+                            <a:schemeClr val="bg1"/>
+                          </a:solidFill>
+                          <a:latin typeface="Arial" panose="020B0604020202020204" pitchFamily="34" charset="0"/>
+                          <a:cs typeface="Arial" panose="020B0604020202020204" pitchFamily="34" charset="0"/>
+                        </a:rPr>
+                        <a:t>4</a:t>
+                      </a:r>
+                    </a:p>
+                  </a:txBody>
+                  <a:tcPr/>
+                </a:tc>
+                <a:tc>
+                  <a:txBody>
+                    <a:bodyPr/>
+                    <a:lstStyle/>
+                    <a:p>
+                      <a:r>
+                        <a:rPr lang="fr-FR" sz="2000" b="0" dirty="0">
+                          <a:solidFill>
+                            <a:schemeClr val="bg1"/>
+                          </a:solidFill>
+                          <a:latin typeface="Arial" panose="020B0604020202020204" pitchFamily="34" charset="0"/>
+                          <a:cs typeface="Arial" panose="020B0604020202020204" pitchFamily="34" charset="0"/>
+                        </a:rPr>
+                        <a:t>5</a:t>
+                      </a:r>
+                    </a:p>
+                  </a:txBody>
+                  <a:tcPr/>
+                </a:tc>
+                <a:extLst>
+                  <a:ext uri="{0D108BD9-81ED-4DB2-BD59-A6C34878D82A}">
+                    <a16:rowId xmlns:a16="http://schemas.microsoft.com/office/drawing/2014/main" val="3143307086"/>
+                  </a:ext>
+                </a:extLst>
+              </a:tr>
+              <a:tr h="391590">
+                <a:tc>
+                  <a:txBody>
+                    <a:bodyPr/>
+                    <a:lstStyle/>
+                    <a:p>
+                      <a:r>
+                        <a:rPr lang="fr-FR" sz="2000" b="0" dirty="0">
+                          <a:solidFill>
+                            <a:schemeClr val="bg1"/>
+                          </a:solidFill>
+                          <a:latin typeface="Arial" panose="020B0604020202020204" pitchFamily="34" charset="0"/>
+                          <a:cs typeface="Arial" panose="020B0604020202020204" pitchFamily="34" charset="0"/>
+                        </a:rPr>
+                        <a:t>T[i]</a:t>
+                      </a:r>
+                    </a:p>
+                  </a:txBody>
+                  <a:tcPr/>
+                </a:tc>
+                <a:tc>
+                  <a:txBody>
+                    <a:bodyPr/>
+                    <a:lstStyle/>
+                    <a:p>
+                      <a:r>
+                        <a:rPr lang="fr-FR" sz="2000" b="0" dirty="0">
+                          <a:solidFill>
+                            <a:schemeClr val="bg1"/>
+                          </a:solidFill>
+                          <a:latin typeface="Arial" panose="020B0604020202020204" pitchFamily="34" charset="0"/>
+                          <a:cs typeface="Arial" panose="020B0604020202020204" pitchFamily="34" charset="0"/>
+                        </a:rPr>
+                        <a:t>7</a:t>
+                      </a:r>
+                    </a:p>
+                  </a:txBody>
+                  <a:tcPr/>
+                </a:tc>
+                <a:tc>
+                  <a:txBody>
+                    <a:bodyPr/>
+                    <a:lstStyle/>
+                    <a:p>
+                      <a:r>
+                        <a:rPr lang="fr-FR" sz="2000" b="0" dirty="0">
+                          <a:solidFill>
+                            <a:schemeClr val="bg1"/>
+                          </a:solidFill>
+                          <a:latin typeface="Arial" panose="020B0604020202020204" pitchFamily="34" charset="0"/>
+                          <a:cs typeface="Arial" panose="020B0604020202020204" pitchFamily="34" charset="0"/>
+                        </a:rPr>
+                        <a:t>10</a:t>
+                      </a:r>
+                    </a:p>
+                  </a:txBody>
+                  <a:tcPr/>
+                </a:tc>
+                <a:tc>
+                  <a:txBody>
+                    <a:bodyPr/>
+                    <a:lstStyle/>
+                    <a:p>
+                      <a:r>
+                        <a:rPr lang="fr-FR" sz="2000" b="0" dirty="0">
+                          <a:solidFill>
+                            <a:srgbClr val="FF0000"/>
+                          </a:solidFill>
+                          <a:latin typeface="Arial" panose="020B0604020202020204" pitchFamily="34" charset="0"/>
+                          <a:cs typeface="Arial" panose="020B0604020202020204" pitchFamily="34" charset="0"/>
+                        </a:rPr>
+                        <a:t>2</a:t>
+                      </a:r>
+                    </a:p>
+                  </a:txBody>
+                  <a:tcPr/>
+                </a:tc>
+                <a:tc>
+                  <a:txBody>
+                    <a:bodyPr/>
+                    <a:lstStyle/>
+                    <a:p>
+                      <a:r>
+                        <a:rPr lang="fr-FR" sz="2000" b="0" dirty="0">
+                          <a:solidFill>
+                            <a:schemeClr val="bg1"/>
+                          </a:solidFill>
+                          <a:latin typeface="Arial" panose="020B0604020202020204" pitchFamily="34" charset="0"/>
+                          <a:cs typeface="Arial" panose="020B0604020202020204" pitchFamily="34" charset="0"/>
+                        </a:rPr>
+                        <a:t>4</a:t>
+                      </a:r>
+                    </a:p>
+                  </a:txBody>
+                  <a:tcPr/>
+                </a:tc>
+                <a:tc>
+                  <a:txBody>
+                    <a:bodyPr/>
+                    <a:lstStyle/>
+                    <a:p>
+                      <a:r>
+                        <a:rPr lang="fr-FR" sz="2000" b="0" dirty="0">
+                          <a:solidFill>
+                            <a:schemeClr val="bg1"/>
+                          </a:solidFill>
+                          <a:latin typeface="Arial" panose="020B0604020202020204" pitchFamily="34" charset="0"/>
+                          <a:cs typeface="Arial" panose="020B0604020202020204" pitchFamily="34" charset="0"/>
+                        </a:rPr>
+                        <a:t>8</a:t>
+                      </a:r>
+                    </a:p>
+                  </a:txBody>
+                  <a:tcPr/>
+                </a:tc>
+                <a:extLst>
+                  <a:ext uri="{0D108BD9-81ED-4DB2-BD59-A6C34878D82A}">
+                    <a16:rowId xmlns:a16="http://schemas.microsoft.com/office/drawing/2014/main" val="1786552315"/>
+                  </a:ext>
+                </a:extLst>
+              </a:tr>
+            </a:tbl>
+          </a:graphicData>
+        </a:graphic>
+      </p:graphicFrame>
+      <p:graphicFrame>
+        <p:nvGraphicFramePr>
+          <p:cNvPr id="9" name="Tableau 9">
+            <a:extLst>
+              <a:ext uri="{FF2B5EF4-FFF2-40B4-BE49-F238E27FC236}">
+                <a16:creationId xmlns:a16="http://schemas.microsoft.com/office/drawing/2014/main" id="{088343B1-9F6A-7F65-B53B-36F96F9212B6}"/>
+              </a:ext>
+            </a:extLst>
+          </p:cNvPr>
+          <p:cNvGraphicFramePr>
+            <a:graphicFrameLocks noGrp="1"/>
+          </p:cNvGraphicFramePr>
+          <p:nvPr>
+            <p:extLst>
+              <p:ext uri="{D42A27DB-BD31-4B8C-83A1-F6EECF244321}">
+                <p14:modId xmlns:p14="http://schemas.microsoft.com/office/powerpoint/2010/main" val="2275323727"/>
+              </p:ext>
+            </p:extLst>
+          </p:nvPr>
+        </p:nvGraphicFramePr>
+        <p:xfrm>
+          <a:off x="1409301" y="3765247"/>
+          <a:ext cx="3832002" cy="792480"/>
+        </p:xfrm>
+        <a:graphic>
+          <a:graphicData uri="http://schemas.openxmlformats.org/drawingml/2006/table">
+            <a:tbl>
+              <a:tblPr firstRow="1" bandRow="1">
+                <a:tableStyleId>{BC89EF96-8CEA-46FF-86C4-4CE0E7609802}</a:tableStyleId>
+              </a:tblPr>
+              <a:tblGrid>
+                <a:gridCol w="638667">
+                  <a:extLst>
+                    <a:ext uri="{9D8B030D-6E8A-4147-A177-3AD203B41FA5}">
+                      <a16:colId xmlns:a16="http://schemas.microsoft.com/office/drawing/2014/main" val="3832407444"/>
+                    </a:ext>
+                  </a:extLst>
+                </a:gridCol>
+                <a:gridCol w="638667">
+                  <a:extLst>
+                    <a:ext uri="{9D8B030D-6E8A-4147-A177-3AD203B41FA5}">
+                      <a16:colId xmlns:a16="http://schemas.microsoft.com/office/drawing/2014/main" val="1441341485"/>
+                    </a:ext>
+                  </a:extLst>
+                </a:gridCol>
+                <a:gridCol w="638667">
+                  <a:extLst>
+                    <a:ext uri="{9D8B030D-6E8A-4147-A177-3AD203B41FA5}">
+                      <a16:colId xmlns:a16="http://schemas.microsoft.com/office/drawing/2014/main" val="720755011"/>
+                    </a:ext>
+                  </a:extLst>
+                </a:gridCol>
+                <a:gridCol w="638667">
+                  <a:extLst>
+                    <a:ext uri="{9D8B030D-6E8A-4147-A177-3AD203B41FA5}">
+                      <a16:colId xmlns:a16="http://schemas.microsoft.com/office/drawing/2014/main" val="836693111"/>
+                    </a:ext>
+                  </a:extLst>
+                </a:gridCol>
+                <a:gridCol w="638667">
+                  <a:extLst>
+                    <a:ext uri="{9D8B030D-6E8A-4147-A177-3AD203B41FA5}">
+                      <a16:colId xmlns:a16="http://schemas.microsoft.com/office/drawing/2014/main" val="2236884983"/>
+                    </a:ext>
+                  </a:extLst>
+                </a:gridCol>
+                <a:gridCol w="638667">
+                  <a:extLst>
+                    <a:ext uri="{9D8B030D-6E8A-4147-A177-3AD203B41FA5}">
+                      <a16:colId xmlns:a16="http://schemas.microsoft.com/office/drawing/2014/main" val="1694374617"/>
+                    </a:ext>
+                  </a:extLst>
+                </a:gridCol>
+              </a:tblGrid>
+              <a:tr h="370840">
+                <a:tc>
+                  <a:txBody>
+                    <a:bodyPr/>
+                    <a:lstStyle/>
+                    <a:p>
+                      <a:r>
+                        <a:rPr lang="fr-FR" sz="2000" b="0" dirty="0">
+                          <a:solidFill>
+                            <a:schemeClr val="bg1"/>
+                          </a:solidFill>
+                          <a:latin typeface="Arial" panose="020B0604020202020204" pitchFamily="34" charset="0"/>
+                          <a:cs typeface="Arial" panose="020B0604020202020204" pitchFamily="34" charset="0"/>
+                        </a:rPr>
+                        <a:t>i</a:t>
+                      </a:r>
+                    </a:p>
+                  </a:txBody>
+                  <a:tcPr/>
+                </a:tc>
+                <a:tc>
+                  <a:txBody>
+                    <a:bodyPr/>
+                    <a:lstStyle/>
+                    <a:p>
+                      <a:r>
+                        <a:rPr lang="fr-FR" sz="2000" b="0" dirty="0">
+                          <a:solidFill>
+                            <a:schemeClr val="bg1"/>
+                          </a:solidFill>
+                          <a:latin typeface="Arial" panose="020B0604020202020204" pitchFamily="34" charset="0"/>
+                          <a:cs typeface="Arial" panose="020B0604020202020204" pitchFamily="34" charset="0"/>
+                        </a:rPr>
+                        <a:t>1</a:t>
+                      </a:r>
+                    </a:p>
+                  </a:txBody>
+                  <a:tcPr/>
+                </a:tc>
+                <a:tc>
+                  <a:txBody>
+                    <a:bodyPr/>
+                    <a:lstStyle/>
+                    <a:p>
+                      <a:r>
+                        <a:rPr lang="fr-FR" sz="2000" b="0" dirty="0">
+                          <a:solidFill>
+                            <a:schemeClr val="bg1"/>
+                          </a:solidFill>
+                          <a:latin typeface="Arial" panose="020B0604020202020204" pitchFamily="34" charset="0"/>
+                          <a:cs typeface="Arial" panose="020B0604020202020204" pitchFamily="34" charset="0"/>
+                        </a:rPr>
+                        <a:t>2</a:t>
+                      </a:r>
+                    </a:p>
+                  </a:txBody>
+                  <a:tcPr/>
+                </a:tc>
+                <a:tc>
+                  <a:txBody>
+                    <a:bodyPr/>
+                    <a:lstStyle/>
+                    <a:p>
+                      <a:r>
+                        <a:rPr lang="fr-FR" sz="2000" b="0" dirty="0">
+                          <a:solidFill>
+                            <a:schemeClr val="bg1"/>
+                          </a:solidFill>
+                          <a:latin typeface="Arial" panose="020B0604020202020204" pitchFamily="34" charset="0"/>
+                          <a:cs typeface="Arial" panose="020B0604020202020204" pitchFamily="34" charset="0"/>
+                        </a:rPr>
+                        <a:t>3</a:t>
+                      </a:r>
+                    </a:p>
+                  </a:txBody>
+                  <a:tcPr/>
+                </a:tc>
+                <a:tc>
+                  <a:txBody>
+                    <a:bodyPr/>
+                    <a:lstStyle/>
+                    <a:p>
+                      <a:r>
+                        <a:rPr lang="fr-FR" sz="2000" b="0" dirty="0">
+                          <a:solidFill>
+                            <a:schemeClr val="bg1"/>
+                          </a:solidFill>
+                          <a:latin typeface="Arial" panose="020B0604020202020204" pitchFamily="34" charset="0"/>
+                          <a:cs typeface="Arial" panose="020B0604020202020204" pitchFamily="34" charset="0"/>
+                        </a:rPr>
+                        <a:t>4</a:t>
+                      </a:r>
+                    </a:p>
+                  </a:txBody>
+                  <a:tcPr/>
+                </a:tc>
+                <a:tc>
+                  <a:txBody>
+                    <a:bodyPr/>
+                    <a:lstStyle/>
+                    <a:p>
+                      <a:r>
+                        <a:rPr lang="fr-FR" sz="2000" b="0" dirty="0">
+                          <a:solidFill>
+                            <a:schemeClr val="bg1"/>
+                          </a:solidFill>
+                          <a:latin typeface="Arial" panose="020B0604020202020204" pitchFamily="34" charset="0"/>
+                          <a:cs typeface="Arial" panose="020B0604020202020204" pitchFamily="34" charset="0"/>
+                        </a:rPr>
+                        <a:t>5</a:t>
+                      </a:r>
+                    </a:p>
+                  </a:txBody>
+                  <a:tcPr/>
+                </a:tc>
+                <a:extLst>
+                  <a:ext uri="{0D108BD9-81ED-4DB2-BD59-A6C34878D82A}">
+                    <a16:rowId xmlns:a16="http://schemas.microsoft.com/office/drawing/2014/main" val="1569283901"/>
+                  </a:ext>
+                </a:extLst>
+              </a:tr>
+              <a:tr h="370840">
+                <a:tc>
+                  <a:txBody>
+                    <a:bodyPr/>
+                    <a:lstStyle/>
+                    <a:p>
+                      <a:r>
+                        <a:rPr lang="fr-FR" sz="2000" b="0" dirty="0">
+                          <a:solidFill>
+                            <a:schemeClr val="bg1"/>
+                          </a:solidFill>
+                          <a:latin typeface="Arial" panose="020B0604020202020204" pitchFamily="34" charset="0"/>
+                          <a:cs typeface="Arial" panose="020B0604020202020204" pitchFamily="34" charset="0"/>
+                        </a:rPr>
+                        <a:t>T[i]</a:t>
+                      </a:r>
+                    </a:p>
+                  </a:txBody>
+                  <a:tcPr/>
+                </a:tc>
+                <a:tc>
+                  <a:txBody>
+                    <a:bodyPr/>
+                    <a:lstStyle/>
+                    <a:p>
+                      <a:r>
+                        <a:rPr lang="fr-FR" sz="2000" b="0" dirty="0">
+                          <a:solidFill>
+                            <a:schemeClr val="bg1"/>
+                          </a:solidFill>
+                          <a:latin typeface="Arial" panose="020B0604020202020204" pitchFamily="34" charset="0"/>
+                          <a:cs typeface="Arial" panose="020B0604020202020204" pitchFamily="34" charset="0"/>
+                        </a:rPr>
+                        <a:t>2</a:t>
+                      </a:r>
+                    </a:p>
+                  </a:txBody>
+                  <a:tcPr/>
+                </a:tc>
+                <a:tc>
+                  <a:txBody>
+                    <a:bodyPr/>
+                    <a:lstStyle/>
+                    <a:p>
+                      <a:r>
+                        <a:rPr lang="fr-FR" sz="2000" b="0" dirty="0">
+                          <a:solidFill>
+                            <a:schemeClr val="bg1"/>
+                          </a:solidFill>
+                          <a:latin typeface="Arial" panose="020B0604020202020204" pitchFamily="34" charset="0"/>
+                          <a:cs typeface="Arial" panose="020B0604020202020204" pitchFamily="34" charset="0"/>
+                        </a:rPr>
+                        <a:t>7</a:t>
+                      </a:r>
+                    </a:p>
+                  </a:txBody>
+                  <a:tcPr/>
+                </a:tc>
+                <a:tc>
+                  <a:txBody>
+                    <a:bodyPr/>
+                    <a:lstStyle/>
+                    <a:p>
+                      <a:r>
+                        <a:rPr lang="fr-FR" sz="2000" b="0" dirty="0">
+                          <a:solidFill>
+                            <a:schemeClr val="bg1"/>
+                          </a:solidFill>
+                          <a:latin typeface="Arial" panose="020B0604020202020204" pitchFamily="34" charset="0"/>
+                          <a:cs typeface="Arial" panose="020B0604020202020204" pitchFamily="34" charset="0"/>
+                        </a:rPr>
+                        <a:t>10</a:t>
+                      </a:r>
+                    </a:p>
+                  </a:txBody>
+                  <a:tcPr/>
+                </a:tc>
+                <a:tc>
+                  <a:txBody>
+                    <a:bodyPr/>
+                    <a:lstStyle/>
+                    <a:p>
+                      <a:r>
+                        <a:rPr lang="fr-FR" sz="2000" b="0" dirty="0">
+                          <a:solidFill>
+                            <a:srgbClr val="FF0000"/>
+                          </a:solidFill>
+                          <a:latin typeface="Arial" panose="020B0604020202020204" pitchFamily="34" charset="0"/>
+                          <a:cs typeface="Arial" panose="020B0604020202020204" pitchFamily="34" charset="0"/>
+                        </a:rPr>
+                        <a:t>4</a:t>
+                      </a:r>
+                    </a:p>
+                  </a:txBody>
+                  <a:tcPr/>
+                </a:tc>
+                <a:tc>
+                  <a:txBody>
+                    <a:bodyPr/>
+                    <a:lstStyle/>
+                    <a:p>
+                      <a:r>
+                        <a:rPr lang="fr-FR" sz="2000" b="0" dirty="0">
+                          <a:solidFill>
+                            <a:schemeClr val="bg1"/>
+                          </a:solidFill>
+                          <a:latin typeface="Arial" panose="020B0604020202020204" pitchFamily="34" charset="0"/>
+                          <a:cs typeface="Arial" panose="020B0604020202020204" pitchFamily="34" charset="0"/>
+                        </a:rPr>
+                        <a:t>8</a:t>
+                      </a:r>
+                    </a:p>
+                  </a:txBody>
+                  <a:tcPr/>
+                </a:tc>
+                <a:extLst>
+                  <a:ext uri="{0D108BD9-81ED-4DB2-BD59-A6C34878D82A}">
+                    <a16:rowId xmlns:a16="http://schemas.microsoft.com/office/drawing/2014/main" val="1357581643"/>
+                  </a:ext>
+                </a:extLst>
+              </a:tr>
+            </a:tbl>
+          </a:graphicData>
+        </a:graphic>
+      </p:graphicFrame>
+      <p:graphicFrame>
+        <p:nvGraphicFramePr>
+          <p:cNvPr id="10" name="Tableau 10">
+            <a:extLst>
+              <a:ext uri="{FF2B5EF4-FFF2-40B4-BE49-F238E27FC236}">
+                <a16:creationId xmlns:a16="http://schemas.microsoft.com/office/drawing/2014/main" id="{8191E8C5-6C69-B8A1-8683-61C945EB6C9D}"/>
+              </a:ext>
+            </a:extLst>
+          </p:cNvPr>
+          <p:cNvGraphicFramePr>
+            <a:graphicFrameLocks noGrp="1"/>
+          </p:cNvGraphicFramePr>
+          <p:nvPr>
+            <p:extLst>
+              <p:ext uri="{D42A27DB-BD31-4B8C-83A1-F6EECF244321}">
+                <p14:modId xmlns:p14="http://schemas.microsoft.com/office/powerpoint/2010/main" val="4003052957"/>
+              </p:ext>
+            </p:extLst>
+          </p:nvPr>
+        </p:nvGraphicFramePr>
+        <p:xfrm>
+          <a:off x="1409301" y="5015894"/>
+          <a:ext cx="3832002" cy="982728"/>
+        </p:xfrm>
+        <a:graphic>
+          <a:graphicData uri="http://schemas.openxmlformats.org/drawingml/2006/table">
+            <a:tbl>
+              <a:tblPr firstRow="1" bandRow="1">
+                <a:tableStyleId>{BC89EF96-8CEA-46FF-86C4-4CE0E7609802}</a:tableStyleId>
+              </a:tblPr>
+              <a:tblGrid>
+                <a:gridCol w="638667">
+                  <a:extLst>
+                    <a:ext uri="{9D8B030D-6E8A-4147-A177-3AD203B41FA5}">
+                      <a16:colId xmlns:a16="http://schemas.microsoft.com/office/drawing/2014/main" val="3204186510"/>
+                    </a:ext>
+                  </a:extLst>
+                </a:gridCol>
+                <a:gridCol w="638667">
+                  <a:extLst>
+                    <a:ext uri="{9D8B030D-6E8A-4147-A177-3AD203B41FA5}">
+                      <a16:colId xmlns:a16="http://schemas.microsoft.com/office/drawing/2014/main" val="3095545448"/>
+                    </a:ext>
+                  </a:extLst>
+                </a:gridCol>
+                <a:gridCol w="638667">
+                  <a:extLst>
+                    <a:ext uri="{9D8B030D-6E8A-4147-A177-3AD203B41FA5}">
+                      <a16:colId xmlns:a16="http://schemas.microsoft.com/office/drawing/2014/main" val="1144765437"/>
+                    </a:ext>
+                  </a:extLst>
+                </a:gridCol>
+                <a:gridCol w="638667">
+                  <a:extLst>
+                    <a:ext uri="{9D8B030D-6E8A-4147-A177-3AD203B41FA5}">
+                      <a16:colId xmlns:a16="http://schemas.microsoft.com/office/drawing/2014/main" val="2468344862"/>
+                    </a:ext>
+                  </a:extLst>
+                </a:gridCol>
+                <a:gridCol w="638667">
+                  <a:extLst>
+                    <a:ext uri="{9D8B030D-6E8A-4147-A177-3AD203B41FA5}">
+                      <a16:colId xmlns:a16="http://schemas.microsoft.com/office/drawing/2014/main" val="3345033336"/>
+                    </a:ext>
+                  </a:extLst>
+                </a:gridCol>
+                <a:gridCol w="638667">
+                  <a:extLst>
+                    <a:ext uri="{9D8B030D-6E8A-4147-A177-3AD203B41FA5}">
+                      <a16:colId xmlns:a16="http://schemas.microsoft.com/office/drawing/2014/main" val="2692348163"/>
+                    </a:ext>
+                  </a:extLst>
+                </a:gridCol>
+              </a:tblGrid>
+              <a:tr h="491364">
+                <a:tc>
+                  <a:txBody>
+                    <a:bodyPr/>
+                    <a:lstStyle/>
+                    <a:p>
+                      <a:r>
+                        <a:rPr lang="fr-FR" sz="2000" b="0" dirty="0">
+                          <a:solidFill>
+                            <a:schemeClr val="bg1"/>
+                          </a:solidFill>
+                          <a:latin typeface="Arial" panose="020B0604020202020204" pitchFamily="34" charset="0"/>
+                          <a:cs typeface="Arial" panose="020B0604020202020204" pitchFamily="34" charset="0"/>
+                        </a:rPr>
+                        <a:t>i</a:t>
+                      </a:r>
+                    </a:p>
+                  </a:txBody>
+                  <a:tcPr/>
+                </a:tc>
+                <a:tc>
+                  <a:txBody>
+                    <a:bodyPr/>
+                    <a:lstStyle/>
+                    <a:p>
+                      <a:r>
+                        <a:rPr lang="fr-FR" sz="2000" b="0" dirty="0">
+                          <a:solidFill>
+                            <a:schemeClr val="bg1"/>
+                          </a:solidFill>
+                          <a:latin typeface="Arial" panose="020B0604020202020204" pitchFamily="34" charset="0"/>
+                          <a:cs typeface="Arial" panose="020B0604020202020204" pitchFamily="34" charset="0"/>
+                        </a:rPr>
+                        <a:t>1</a:t>
+                      </a:r>
+                    </a:p>
+                  </a:txBody>
+                  <a:tcPr/>
+                </a:tc>
+                <a:tc>
+                  <a:txBody>
+                    <a:bodyPr/>
+                    <a:lstStyle/>
+                    <a:p>
+                      <a:r>
+                        <a:rPr lang="fr-FR" sz="2000" b="0" dirty="0">
+                          <a:solidFill>
+                            <a:schemeClr val="bg1"/>
+                          </a:solidFill>
+                          <a:latin typeface="Arial" panose="020B0604020202020204" pitchFamily="34" charset="0"/>
+                          <a:cs typeface="Arial" panose="020B0604020202020204" pitchFamily="34" charset="0"/>
+                        </a:rPr>
+                        <a:t>2</a:t>
+                      </a:r>
+                    </a:p>
+                  </a:txBody>
+                  <a:tcPr/>
+                </a:tc>
+                <a:tc>
+                  <a:txBody>
+                    <a:bodyPr/>
+                    <a:lstStyle/>
+                    <a:p>
+                      <a:r>
+                        <a:rPr lang="fr-FR" sz="2000" b="0" dirty="0">
+                          <a:solidFill>
+                            <a:schemeClr val="bg1"/>
+                          </a:solidFill>
+                          <a:latin typeface="Arial" panose="020B0604020202020204" pitchFamily="34" charset="0"/>
+                          <a:cs typeface="Arial" panose="020B0604020202020204" pitchFamily="34" charset="0"/>
+                        </a:rPr>
+                        <a:t>3</a:t>
+                      </a:r>
+                    </a:p>
+                  </a:txBody>
+                  <a:tcPr/>
+                </a:tc>
+                <a:tc>
+                  <a:txBody>
+                    <a:bodyPr/>
+                    <a:lstStyle/>
+                    <a:p>
+                      <a:r>
+                        <a:rPr lang="fr-FR" sz="2000" b="0" dirty="0">
+                          <a:solidFill>
+                            <a:schemeClr val="bg1"/>
+                          </a:solidFill>
+                          <a:latin typeface="Arial" panose="020B0604020202020204" pitchFamily="34" charset="0"/>
+                          <a:cs typeface="Arial" panose="020B0604020202020204" pitchFamily="34" charset="0"/>
+                        </a:rPr>
+                        <a:t>4</a:t>
+                      </a:r>
+                    </a:p>
+                  </a:txBody>
+                  <a:tcPr/>
+                </a:tc>
+                <a:tc>
+                  <a:txBody>
+                    <a:bodyPr/>
+                    <a:lstStyle/>
+                    <a:p>
+                      <a:r>
+                        <a:rPr lang="fr-FR" sz="2000" b="0" dirty="0">
+                          <a:solidFill>
+                            <a:schemeClr val="bg1"/>
+                          </a:solidFill>
+                          <a:latin typeface="Arial" panose="020B0604020202020204" pitchFamily="34" charset="0"/>
+                          <a:cs typeface="Arial" panose="020B0604020202020204" pitchFamily="34" charset="0"/>
+                        </a:rPr>
+                        <a:t>5</a:t>
+                      </a:r>
+                    </a:p>
+                  </a:txBody>
+                  <a:tcPr/>
+                </a:tc>
+                <a:extLst>
+                  <a:ext uri="{0D108BD9-81ED-4DB2-BD59-A6C34878D82A}">
+                    <a16:rowId xmlns:a16="http://schemas.microsoft.com/office/drawing/2014/main" val="164280235"/>
+                  </a:ext>
+                </a:extLst>
+              </a:tr>
+              <a:tr h="491364">
+                <a:tc>
+                  <a:txBody>
+                    <a:bodyPr/>
+                    <a:lstStyle/>
+                    <a:p>
+                      <a:r>
+                        <a:rPr lang="fr-FR" sz="2000" b="0" dirty="0">
+                          <a:solidFill>
+                            <a:schemeClr val="bg1"/>
+                          </a:solidFill>
+                          <a:latin typeface="Arial" panose="020B0604020202020204" pitchFamily="34" charset="0"/>
+                          <a:cs typeface="Arial" panose="020B0604020202020204" pitchFamily="34" charset="0"/>
+                        </a:rPr>
+                        <a:t>T[i]</a:t>
+                      </a:r>
+                    </a:p>
+                  </a:txBody>
+                  <a:tcPr/>
+                </a:tc>
+                <a:tc>
+                  <a:txBody>
+                    <a:bodyPr/>
+                    <a:lstStyle/>
+                    <a:p>
+                      <a:r>
+                        <a:rPr lang="fr-FR" sz="2000" b="0" dirty="0">
+                          <a:solidFill>
+                            <a:schemeClr val="bg1"/>
+                          </a:solidFill>
+                          <a:latin typeface="Arial" panose="020B0604020202020204" pitchFamily="34" charset="0"/>
+                          <a:cs typeface="Arial" panose="020B0604020202020204" pitchFamily="34" charset="0"/>
+                        </a:rPr>
+                        <a:t>2</a:t>
+                      </a:r>
+                    </a:p>
+                  </a:txBody>
+                  <a:tcPr/>
+                </a:tc>
+                <a:tc>
+                  <a:txBody>
+                    <a:bodyPr/>
+                    <a:lstStyle/>
+                    <a:p>
+                      <a:r>
+                        <a:rPr lang="fr-FR" sz="2000" b="0" dirty="0">
+                          <a:solidFill>
+                            <a:schemeClr val="bg1"/>
+                          </a:solidFill>
+                          <a:latin typeface="Arial" panose="020B0604020202020204" pitchFamily="34" charset="0"/>
+                          <a:cs typeface="Arial" panose="020B0604020202020204" pitchFamily="34" charset="0"/>
+                        </a:rPr>
+                        <a:t>4</a:t>
+                      </a:r>
+                    </a:p>
+                  </a:txBody>
+                  <a:tcPr/>
+                </a:tc>
+                <a:tc>
+                  <a:txBody>
+                    <a:bodyPr/>
+                    <a:lstStyle/>
+                    <a:p>
+                      <a:r>
+                        <a:rPr lang="fr-FR" sz="2000" b="0" dirty="0">
+                          <a:solidFill>
+                            <a:schemeClr val="bg1"/>
+                          </a:solidFill>
+                          <a:latin typeface="Arial" panose="020B0604020202020204" pitchFamily="34" charset="0"/>
+                          <a:cs typeface="Arial" panose="020B0604020202020204" pitchFamily="34" charset="0"/>
+                        </a:rPr>
+                        <a:t>7</a:t>
+                      </a:r>
+                    </a:p>
+                  </a:txBody>
+                  <a:tcPr/>
+                </a:tc>
+                <a:tc>
+                  <a:txBody>
+                    <a:bodyPr/>
+                    <a:lstStyle/>
+                    <a:p>
+                      <a:r>
+                        <a:rPr lang="fr-FR" sz="2000" b="0" dirty="0">
+                          <a:solidFill>
+                            <a:schemeClr val="bg1"/>
+                          </a:solidFill>
+                          <a:latin typeface="Arial" panose="020B0604020202020204" pitchFamily="34" charset="0"/>
+                          <a:cs typeface="Arial" panose="020B0604020202020204" pitchFamily="34" charset="0"/>
+                        </a:rPr>
+                        <a:t>10</a:t>
+                      </a:r>
+                    </a:p>
+                  </a:txBody>
+                  <a:tcPr/>
+                </a:tc>
+                <a:tc>
+                  <a:txBody>
+                    <a:bodyPr/>
+                    <a:lstStyle/>
+                    <a:p>
+                      <a:r>
+                        <a:rPr lang="fr-FR" sz="2000" b="0" dirty="0">
+                          <a:solidFill>
+                            <a:srgbClr val="FF0000"/>
+                          </a:solidFill>
+                          <a:latin typeface="Arial" panose="020B0604020202020204" pitchFamily="34" charset="0"/>
+                          <a:cs typeface="Arial" panose="020B0604020202020204" pitchFamily="34" charset="0"/>
+                        </a:rPr>
+                        <a:t>8</a:t>
+                      </a:r>
+                    </a:p>
+                  </a:txBody>
+                  <a:tcPr/>
+                </a:tc>
+                <a:extLst>
+                  <a:ext uri="{0D108BD9-81ED-4DB2-BD59-A6C34878D82A}">
+                    <a16:rowId xmlns:a16="http://schemas.microsoft.com/office/drawing/2014/main" val="505422543"/>
+                  </a:ext>
+                </a:extLst>
+              </a:tr>
+            </a:tbl>
+          </a:graphicData>
+        </a:graphic>
+      </p:graphicFrame>
+      <p:sp>
+        <p:nvSpPr>
+          <p:cNvPr id="11" name="ZoneTexte 10">
+            <a:extLst>
+              <a:ext uri="{FF2B5EF4-FFF2-40B4-BE49-F238E27FC236}">
+                <a16:creationId xmlns:a16="http://schemas.microsoft.com/office/drawing/2014/main" id="{946AA714-3C08-B829-D703-690B83A648BD}"/>
+              </a:ext>
+            </a:extLst>
+          </p:cNvPr>
+          <p:cNvSpPr txBox="1"/>
+          <p:nvPr/>
+        </p:nvSpPr>
+        <p:spPr>
+          <a:xfrm>
+            <a:off x="5431721" y="2489630"/>
+            <a:ext cx="2326539" cy="1569660"/>
+          </a:xfrm>
+          <a:prstGeom prst="rect">
+            <a:avLst/>
+          </a:prstGeom>
+          <a:noFill/>
+        </p:spPr>
+        <p:txBody>
+          <a:bodyPr wrap="square" rtlCol="0">
+            <a:spAutoFit/>
+          </a:bodyPr>
+          <a:lstStyle/>
+          <a:p>
+            <a:r>
+              <a:rPr lang="fr-FR" sz="2000" dirty="0">
+                <a:solidFill>
+                  <a:schemeClr val="bg1"/>
+                </a:solidFill>
+                <a:latin typeface="Arial" panose="020B0604020202020204" pitchFamily="34" charset="0"/>
+                <a:cs typeface="Arial" panose="020B0604020202020204" pitchFamily="34" charset="0"/>
+              </a:rPr>
+              <a:t>10 &gt; 2</a:t>
+            </a:r>
+          </a:p>
+          <a:p>
+            <a:r>
+              <a:rPr lang="fr-FR" sz="2000" dirty="0">
+                <a:solidFill>
+                  <a:schemeClr val="bg1"/>
+                </a:solidFill>
+                <a:latin typeface="Arial" panose="020B0604020202020204" pitchFamily="34" charset="0"/>
+                <a:cs typeface="Arial" panose="020B0604020202020204" pitchFamily="34" charset="0"/>
+              </a:rPr>
+              <a:t>7 &gt; 2</a:t>
+            </a:r>
+          </a:p>
+          <a:p>
+            <a:endParaRPr lang="fr-FR" sz="2800" dirty="0">
+              <a:solidFill>
+                <a:schemeClr val="bg1"/>
+              </a:solidFill>
+              <a:latin typeface="Arial" panose="020B0604020202020204" pitchFamily="34" charset="0"/>
+              <a:cs typeface="Arial" panose="020B0604020202020204" pitchFamily="34" charset="0"/>
+            </a:endParaRPr>
+          </a:p>
+          <a:p>
+            <a:endParaRPr lang="fr-FR" sz="2800" dirty="0"/>
+          </a:p>
+        </p:txBody>
+      </p:sp>
+      <p:sp>
+        <p:nvSpPr>
+          <p:cNvPr id="12" name="ZoneTexte 11">
+            <a:extLst>
+              <a:ext uri="{FF2B5EF4-FFF2-40B4-BE49-F238E27FC236}">
+                <a16:creationId xmlns:a16="http://schemas.microsoft.com/office/drawing/2014/main" id="{6BC5C0E6-BF74-66A1-520D-70D5DA6501E8}"/>
+              </a:ext>
+            </a:extLst>
+          </p:cNvPr>
+          <p:cNvSpPr txBox="1"/>
+          <p:nvPr/>
+        </p:nvSpPr>
+        <p:spPr>
+          <a:xfrm>
+            <a:off x="5431721" y="3846136"/>
+            <a:ext cx="1968320" cy="1569660"/>
+          </a:xfrm>
+          <a:prstGeom prst="rect">
+            <a:avLst/>
+          </a:prstGeom>
+          <a:noFill/>
+        </p:spPr>
+        <p:txBody>
+          <a:bodyPr wrap="square" rtlCol="0">
+            <a:spAutoFit/>
+          </a:bodyPr>
+          <a:lstStyle/>
+          <a:p>
+            <a:r>
+              <a:rPr lang="fr-FR" sz="2000" dirty="0">
+                <a:solidFill>
+                  <a:schemeClr val="bg1"/>
+                </a:solidFill>
+                <a:latin typeface="Arial" panose="020B0604020202020204" pitchFamily="34" charset="0"/>
+                <a:cs typeface="Arial" panose="020B0604020202020204" pitchFamily="34" charset="0"/>
+              </a:rPr>
+              <a:t>10 &gt; 4</a:t>
+            </a:r>
+          </a:p>
+          <a:p>
+            <a:r>
+              <a:rPr lang="fr-FR" sz="2000" dirty="0">
+                <a:solidFill>
+                  <a:schemeClr val="bg1"/>
+                </a:solidFill>
+                <a:latin typeface="Arial" panose="020B0604020202020204" pitchFamily="34" charset="0"/>
+                <a:cs typeface="Arial" panose="020B0604020202020204" pitchFamily="34" charset="0"/>
+              </a:rPr>
+              <a:t>7 &gt; 4</a:t>
+            </a:r>
+          </a:p>
+          <a:p>
+            <a:endParaRPr lang="fr-FR" sz="2800" dirty="0">
+              <a:solidFill>
+                <a:schemeClr val="bg1"/>
+              </a:solidFill>
+              <a:latin typeface="Arial" panose="020B0604020202020204" pitchFamily="34" charset="0"/>
+              <a:cs typeface="Arial" panose="020B0604020202020204" pitchFamily="34" charset="0"/>
+            </a:endParaRPr>
+          </a:p>
+          <a:p>
+            <a:endParaRPr lang="fr-FR" sz="2800" dirty="0"/>
+          </a:p>
+        </p:txBody>
+      </p:sp>
+      <p:sp>
+        <p:nvSpPr>
+          <p:cNvPr id="17" name="ZoneTexte 16">
+            <a:extLst>
+              <a:ext uri="{FF2B5EF4-FFF2-40B4-BE49-F238E27FC236}">
+                <a16:creationId xmlns:a16="http://schemas.microsoft.com/office/drawing/2014/main" id="{0D9A5F4B-5609-67E8-BE3C-CC23FBD63610}"/>
+              </a:ext>
+            </a:extLst>
+          </p:cNvPr>
+          <p:cNvSpPr txBox="1"/>
+          <p:nvPr/>
+        </p:nvSpPr>
+        <p:spPr>
+          <a:xfrm>
+            <a:off x="5354425" y="5015894"/>
+            <a:ext cx="1687398" cy="830997"/>
+          </a:xfrm>
+          <a:prstGeom prst="rect">
+            <a:avLst/>
+          </a:prstGeom>
+          <a:noFill/>
+        </p:spPr>
+        <p:txBody>
+          <a:bodyPr wrap="square" rtlCol="0">
+            <a:spAutoFit/>
+          </a:bodyPr>
+          <a:lstStyle/>
+          <a:p>
+            <a:r>
+              <a:rPr lang="fr-FR" sz="2000" dirty="0">
+                <a:solidFill>
+                  <a:schemeClr val="bg1"/>
+                </a:solidFill>
+                <a:latin typeface="Arial" panose="020B0604020202020204" pitchFamily="34" charset="0"/>
+                <a:cs typeface="Arial" panose="020B0604020202020204" pitchFamily="34" charset="0"/>
+              </a:rPr>
+              <a:t>10 &gt; 8</a:t>
+            </a:r>
+          </a:p>
+          <a:p>
+            <a:endParaRPr lang="fr-FR" sz="2800" dirty="0"/>
+          </a:p>
+        </p:txBody>
+      </p:sp>
+      <p:cxnSp>
+        <p:nvCxnSpPr>
+          <p:cNvPr id="19" name="Connecteur droit avec flèche 18">
+            <a:extLst>
+              <a:ext uri="{FF2B5EF4-FFF2-40B4-BE49-F238E27FC236}">
+                <a16:creationId xmlns:a16="http://schemas.microsoft.com/office/drawing/2014/main" id="{E7AA506D-BFDE-3465-A048-1DD1677DCD33}"/>
+              </a:ext>
+            </a:extLst>
+          </p:cNvPr>
+          <p:cNvCxnSpPr/>
+          <p:nvPr/>
+        </p:nvCxnSpPr>
+        <p:spPr>
+          <a:xfrm>
+            <a:off x="2639505" y="2102177"/>
+            <a:ext cx="0" cy="301658"/>
+          </a:xfrm>
+          <a:prstGeom prst="straightConnector1">
+            <a:avLst/>
+          </a:prstGeom>
+          <a:ln w="25400">
+            <a:solidFill>
+              <a:srgbClr val="FF0000"/>
+            </a:solidFill>
+            <a:tailEnd type="triangle"/>
+          </a:ln>
+        </p:spPr>
+        <p:style>
+          <a:lnRef idx="1">
+            <a:schemeClr val="accent1"/>
+          </a:lnRef>
+          <a:fillRef idx="0">
+            <a:schemeClr val="accent1"/>
+          </a:fillRef>
+          <a:effectRef idx="0">
+            <a:schemeClr val="accent1"/>
+          </a:effectRef>
+          <a:fontRef idx="minor">
+            <a:schemeClr val="tx1"/>
+          </a:fontRef>
+        </p:style>
+      </p:cxnSp>
+      <p:cxnSp>
+        <p:nvCxnSpPr>
+          <p:cNvPr id="22" name="Connecteur droit avec flèche 21">
+            <a:extLst>
+              <a:ext uri="{FF2B5EF4-FFF2-40B4-BE49-F238E27FC236}">
+                <a16:creationId xmlns:a16="http://schemas.microsoft.com/office/drawing/2014/main" id="{3A373231-1D72-4B5A-8CA2-00C59EA1EC99}"/>
+              </a:ext>
+            </a:extLst>
+          </p:cNvPr>
+          <p:cNvCxnSpPr>
+            <a:cxnSpLocks/>
+          </p:cNvCxnSpPr>
+          <p:nvPr/>
+        </p:nvCxnSpPr>
+        <p:spPr>
+          <a:xfrm>
+            <a:off x="2648932" y="3429000"/>
+            <a:ext cx="0" cy="256880"/>
+          </a:xfrm>
+          <a:prstGeom prst="straightConnector1">
+            <a:avLst/>
+          </a:prstGeom>
+          <a:ln w="25400">
+            <a:solidFill>
+              <a:srgbClr val="FF0000"/>
+            </a:solidFill>
+            <a:tailEnd type="triangle"/>
+          </a:ln>
+        </p:spPr>
+        <p:style>
+          <a:lnRef idx="1">
+            <a:schemeClr val="accent1"/>
+          </a:lnRef>
+          <a:fillRef idx="0">
+            <a:schemeClr val="accent1"/>
+          </a:fillRef>
+          <a:effectRef idx="0">
+            <a:schemeClr val="accent1"/>
+          </a:effectRef>
+          <a:fontRef idx="minor">
+            <a:schemeClr val="tx1"/>
+          </a:fontRef>
+        </p:style>
+      </p:cxnSp>
+      <p:cxnSp>
+        <p:nvCxnSpPr>
+          <p:cNvPr id="25" name="Connecteur droit avec flèche 24">
+            <a:extLst>
+              <a:ext uri="{FF2B5EF4-FFF2-40B4-BE49-F238E27FC236}">
+                <a16:creationId xmlns:a16="http://schemas.microsoft.com/office/drawing/2014/main" id="{0FD5B781-7B5E-070F-F6AF-42ECF0AB6F01}"/>
+              </a:ext>
+            </a:extLst>
+          </p:cNvPr>
+          <p:cNvCxnSpPr>
+            <a:cxnSpLocks/>
+          </p:cNvCxnSpPr>
+          <p:nvPr/>
+        </p:nvCxnSpPr>
+        <p:spPr>
+          <a:xfrm>
+            <a:off x="2639505" y="4630966"/>
+            <a:ext cx="0" cy="308679"/>
+          </a:xfrm>
+          <a:prstGeom prst="straightConnector1">
+            <a:avLst/>
+          </a:prstGeom>
+          <a:ln w="25400">
+            <a:solidFill>
+              <a:srgbClr val="FF0000"/>
+            </a:solidFill>
+            <a:tailEnd type="triangle"/>
+          </a:ln>
+        </p:spPr>
+        <p:style>
+          <a:lnRef idx="1">
+            <a:schemeClr val="accent1"/>
+          </a:lnRef>
+          <a:fillRef idx="0">
+            <a:schemeClr val="accent1"/>
+          </a:fillRef>
+          <a:effectRef idx="0">
+            <a:schemeClr val="accent1"/>
+          </a:effectRef>
+          <a:fontRef idx="minor">
+            <a:schemeClr val="tx1"/>
+          </a:fontRef>
+        </p:style>
+      </p:cxnSp>
+      <p:cxnSp>
+        <p:nvCxnSpPr>
+          <p:cNvPr id="29" name="Connecteur droit avec flèche 28">
+            <a:extLst>
+              <a:ext uri="{FF2B5EF4-FFF2-40B4-BE49-F238E27FC236}">
+                <a16:creationId xmlns:a16="http://schemas.microsoft.com/office/drawing/2014/main" id="{4B91A82B-5E55-3879-AFC8-2FBEF348E355}"/>
+              </a:ext>
+            </a:extLst>
+          </p:cNvPr>
+          <p:cNvCxnSpPr>
+            <a:cxnSpLocks/>
+          </p:cNvCxnSpPr>
+          <p:nvPr/>
+        </p:nvCxnSpPr>
+        <p:spPr>
+          <a:xfrm>
+            <a:off x="2639505" y="6164069"/>
+            <a:ext cx="0" cy="458167"/>
+          </a:xfrm>
+          <a:prstGeom prst="straightConnector1">
+            <a:avLst/>
+          </a:prstGeom>
+          <a:ln w="25400">
+            <a:solidFill>
+              <a:srgbClr val="FF0000"/>
+            </a:solidFill>
+            <a:tailEnd type="triangle"/>
+          </a:ln>
+        </p:spPr>
+        <p:style>
+          <a:lnRef idx="1">
+            <a:schemeClr val="accent1"/>
+          </a:lnRef>
+          <a:fillRef idx="0">
+            <a:schemeClr val="accent1"/>
+          </a:fillRef>
+          <a:effectRef idx="0">
+            <a:schemeClr val="accent1"/>
+          </a:effectRef>
+          <a:fontRef idx="minor">
+            <a:schemeClr val="tx1"/>
+          </a:fontRef>
+        </p:style>
+      </p:cxnSp>
+    </p:spTree>
+    <p:extLst>
+      <p:ext uri="{BB962C8B-B14F-4D97-AF65-F5344CB8AC3E}">
+        <p14:creationId xmlns:p14="http://schemas.microsoft.com/office/powerpoint/2010/main" val="2865825624"/>
+      </p:ext>
+    </p:extLst>
+  </p:cSld>
+  <p:clrMapOvr>
+    <a:masterClrMapping/>
+  </p:clrMapOvr>
+  <mc:AlternateContent xmlns:mc="http://schemas.openxmlformats.org/markup-compatibility/2006">
+    <mc:Choice xmlns:p14="http://schemas.microsoft.com/office/powerpoint/2010/main" Requires="p14">
+      <p:transition spd="med" p14:dur="700">
+        <p:fade/>
+      </p:transition>
+    </mc:Choice>
+    <mc:Fallback>
+      <p:transition spd="med">
+        <p:fade/>
+      </p:transition>
+    </mc:Fallback>
+  </mc:AlternateContent>
+</p:sld>
+</file>
+
+<file path=ppt/slides/slide3.xml><?xml version="1.0" encoding="utf-8"?>
+<p:sld xmlns:a="http://schemas.openxmlformats.org/drawingml/2006/main" xmlns:r="http://schemas.openxmlformats.org/officeDocument/2006/relationships" xmlns:p="http://schemas.openxmlformats.org/presentationml/2006/main">
+  <p:cSld>
+    <p:bg>
+      <p:bgPr>
+        <a:gradFill flip="none" rotWithShape="1">
+          <a:gsLst>
+            <a:gs pos="0">
+              <a:schemeClr val="tx1"/>
+            </a:gs>
+            <a:gs pos="0">
+              <a:schemeClr val="tx1"/>
+            </a:gs>
+            <a:gs pos="0">
+              <a:schemeClr val="tx1">
+                <a:lumMod val="95000"/>
+              </a:schemeClr>
+            </a:gs>
+          </a:gsLst>
+          <a:lin ang="3600000" scaled="0"/>
+          <a:tileRect/>
+        </a:gradFill>
+        <a:effectLst/>
+      </p:bgPr>
+    </p:bg>
+    <p:spTree>
+      <p:nvGrpSpPr>
+        <p:cNvPr id="1" name=""/>
+        <p:cNvGrpSpPr/>
+        <p:nvPr/>
+      </p:nvGrpSpPr>
+      <p:grpSpPr>
+        <a:xfrm>
+          <a:off x="0" y="0"/>
+          <a:ext cx="0" cy="0"/>
+          <a:chOff x="0" y="0"/>
+          <a:chExt cx="0" cy="0"/>
+        </a:xfrm>
+      </p:grpSpPr>
+      <p:sp>
+        <p:nvSpPr>
+          <p:cNvPr id="5" name="Sous-titre 4"/>
+          <p:cNvSpPr>
+            <a:spLocks noGrp="1"/>
+          </p:cNvSpPr>
+          <p:nvPr>
+            <p:ph idx="1"/>
+          </p:nvPr>
+        </p:nvSpPr>
+        <p:spPr>
+          <a:xfrm>
+            <a:off x="1218883" y="197963"/>
+            <a:ext cx="10360501" cy="5966106"/>
+          </a:xfrm>
+        </p:spPr>
+        <p:txBody>
+          <a:bodyPr rtlCol="0">
+            <a:normAutofit/>
+          </a:bodyPr>
+          <a:lstStyle/>
+          <a:p>
+            <a:pPr marL="0" indent="0" rtl="0">
+              <a:buNone/>
+            </a:pPr>
+            <a:endParaRPr lang="fr-FR" dirty="0">
+              <a:solidFill>
+                <a:schemeClr val="bg1"/>
+              </a:solidFill>
+              <a:latin typeface="Arial" panose="020B0604020202020204" pitchFamily="34" charset="0"/>
+              <a:cs typeface="Arial" panose="020B0604020202020204" pitchFamily="34" charset="0"/>
+            </a:endParaRPr>
+          </a:p>
+          <a:p>
+            <a:pPr marL="0" indent="0" rtl="0">
+              <a:buNone/>
+            </a:pPr>
+            <a:endParaRPr lang="fr-FR" dirty="0">
+              <a:solidFill>
+                <a:schemeClr val="bg1"/>
+              </a:solidFill>
+              <a:latin typeface="Arial" panose="020B0604020202020204" pitchFamily="34" charset="0"/>
+              <a:cs typeface="Arial" panose="020B0604020202020204" pitchFamily="34" charset="0"/>
+            </a:endParaRPr>
+          </a:p>
+          <a:p>
+            <a:pPr marL="0" indent="0" rtl="0">
+              <a:buNone/>
+            </a:pPr>
+            <a:endParaRPr lang="fr-FR" dirty="0">
+              <a:solidFill>
+                <a:schemeClr val="bg1"/>
+              </a:solidFill>
+              <a:latin typeface="Arial" panose="020B0604020202020204" pitchFamily="34" charset="0"/>
+              <a:cs typeface="Arial" panose="020B0604020202020204" pitchFamily="34" charset="0"/>
+            </a:endParaRPr>
+          </a:p>
+          <a:p>
+            <a:pPr marL="0" indent="0" rtl="0">
+              <a:buNone/>
+            </a:pPr>
+            <a:endParaRPr lang="fr-FR" dirty="0">
+              <a:solidFill>
+                <a:schemeClr val="bg1"/>
+              </a:solidFill>
+              <a:latin typeface="Arial" panose="020B0604020202020204" pitchFamily="34" charset="0"/>
+              <a:cs typeface="Arial" panose="020B0604020202020204" pitchFamily="34" charset="0"/>
+            </a:endParaRPr>
+          </a:p>
+          <a:p>
+            <a:pPr marL="0" indent="0" rtl="0">
+              <a:buNone/>
+            </a:pPr>
+            <a:endParaRPr lang="fr-FR" dirty="0">
+              <a:solidFill>
+                <a:schemeClr val="bg1"/>
+              </a:solidFill>
+              <a:latin typeface="Arial" panose="020B0604020202020204" pitchFamily="34" charset="0"/>
+              <a:cs typeface="Arial" panose="020B0604020202020204" pitchFamily="34" charset="0"/>
+            </a:endParaRPr>
+          </a:p>
+          <a:p>
+            <a:pPr marL="0" indent="0" rtl="0">
+              <a:buNone/>
+            </a:pPr>
+            <a:endParaRPr lang="fr-FR" dirty="0">
+              <a:solidFill>
+                <a:schemeClr val="bg1"/>
+              </a:solidFill>
+              <a:latin typeface="Arial" panose="020B0604020202020204" pitchFamily="34" charset="0"/>
+              <a:cs typeface="Arial" panose="020B0604020202020204" pitchFamily="34" charset="0"/>
+            </a:endParaRPr>
+          </a:p>
+          <a:p>
+            <a:pPr marL="0" indent="0" rtl="0">
+              <a:buNone/>
+            </a:pPr>
+            <a:endParaRPr lang="fr-FR" dirty="0">
+              <a:solidFill>
+                <a:schemeClr val="bg1"/>
+              </a:solidFill>
+              <a:latin typeface="Arial" panose="020B0604020202020204" pitchFamily="34" charset="0"/>
+              <a:cs typeface="Arial" panose="020B0604020202020204" pitchFamily="34" charset="0"/>
+            </a:endParaRPr>
+          </a:p>
+          <a:p>
+            <a:pPr marL="0" indent="0" rtl="0">
+              <a:buNone/>
+            </a:pPr>
+            <a:endParaRPr lang="fr-FR" dirty="0">
+              <a:solidFill>
+                <a:schemeClr val="bg1"/>
+              </a:solidFill>
+              <a:latin typeface="Arial" panose="020B0604020202020204" pitchFamily="34" charset="0"/>
+              <a:cs typeface="Arial" panose="020B0604020202020204" pitchFamily="34" charset="0"/>
+            </a:endParaRPr>
+          </a:p>
+        </p:txBody>
+      </p:sp>
+      <p:graphicFrame>
+        <p:nvGraphicFramePr>
+          <p:cNvPr id="8" name="Tableau 8">
+            <a:extLst>
+              <a:ext uri="{FF2B5EF4-FFF2-40B4-BE49-F238E27FC236}">
+                <a16:creationId xmlns:a16="http://schemas.microsoft.com/office/drawing/2014/main" id="{90FBBCEB-64C0-D6A8-812F-DAB2CEC8AB4B}"/>
+              </a:ext>
+            </a:extLst>
+          </p:cNvPr>
+          <p:cNvGraphicFramePr>
+            <a:graphicFrameLocks noGrp="1"/>
+          </p:cNvGraphicFramePr>
+          <p:nvPr>
+            <p:extLst>
+              <p:ext uri="{D42A27DB-BD31-4B8C-83A1-F6EECF244321}">
+                <p14:modId xmlns:p14="http://schemas.microsoft.com/office/powerpoint/2010/main" val="2715761272"/>
+              </p:ext>
+            </p:extLst>
+          </p:nvPr>
+        </p:nvGraphicFramePr>
+        <p:xfrm>
+          <a:off x="1135924" y="402996"/>
+          <a:ext cx="3832002" cy="792480"/>
+        </p:xfrm>
+        <a:graphic>
+          <a:graphicData uri="http://schemas.openxmlformats.org/drawingml/2006/table">
+            <a:tbl>
+              <a:tblPr firstRow="1" bandRow="1">
+                <a:tableStyleId>{BC89EF96-8CEA-46FF-86C4-4CE0E7609802}</a:tableStyleId>
+              </a:tblPr>
+              <a:tblGrid>
+                <a:gridCol w="638667">
+                  <a:extLst>
+                    <a:ext uri="{9D8B030D-6E8A-4147-A177-3AD203B41FA5}">
+                      <a16:colId xmlns:a16="http://schemas.microsoft.com/office/drawing/2014/main" val="520103858"/>
+                    </a:ext>
+                  </a:extLst>
+                </a:gridCol>
+                <a:gridCol w="638667">
+                  <a:extLst>
+                    <a:ext uri="{9D8B030D-6E8A-4147-A177-3AD203B41FA5}">
+                      <a16:colId xmlns:a16="http://schemas.microsoft.com/office/drawing/2014/main" val="3374104614"/>
+                    </a:ext>
+                  </a:extLst>
+                </a:gridCol>
+                <a:gridCol w="638667">
+                  <a:extLst>
+                    <a:ext uri="{9D8B030D-6E8A-4147-A177-3AD203B41FA5}">
+                      <a16:colId xmlns:a16="http://schemas.microsoft.com/office/drawing/2014/main" val="1617128756"/>
+                    </a:ext>
+                  </a:extLst>
+                </a:gridCol>
+                <a:gridCol w="638667">
+                  <a:extLst>
+                    <a:ext uri="{9D8B030D-6E8A-4147-A177-3AD203B41FA5}">
+                      <a16:colId xmlns:a16="http://schemas.microsoft.com/office/drawing/2014/main" val="3072327598"/>
+                    </a:ext>
+                  </a:extLst>
+                </a:gridCol>
+                <a:gridCol w="638667">
+                  <a:extLst>
+                    <a:ext uri="{9D8B030D-6E8A-4147-A177-3AD203B41FA5}">
+                      <a16:colId xmlns:a16="http://schemas.microsoft.com/office/drawing/2014/main" val="769892622"/>
+                    </a:ext>
+                  </a:extLst>
+                </a:gridCol>
+                <a:gridCol w="638667">
+                  <a:extLst>
+                    <a:ext uri="{9D8B030D-6E8A-4147-A177-3AD203B41FA5}">
+                      <a16:colId xmlns:a16="http://schemas.microsoft.com/office/drawing/2014/main" val="3533208020"/>
+                    </a:ext>
+                  </a:extLst>
+                </a:gridCol>
+              </a:tblGrid>
+              <a:tr h="380921">
+                <a:tc>
+                  <a:txBody>
+                    <a:bodyPr/>
+                    <a:lstStyle/>
+                    <a:p>
+                      <a:r>
+                        <a:rPr lang="fr-FR" sz="2000" b="0" dirty="0">
+                          <a:solidFill>
+                            <a:schemeClr val="bg1"/>
+                          </a:solidFill>
+                          <a:latin typeface="Arial" panose="020B0604020202020204" pitchFamily="34" charset="0"/>
+                          <a:cs typeface="Arial" panose="020B0604020202020204" pitchFamily="34" charset="0"/>
+                        </a:rPr>
+                        <a:t>i</a:t>
+                      </a:r>
+                    </a:p>
+                  </a:txBody>
+                  <a:tcPr/>
+                </a:tc>
+                <a:tc>
+                  <a:txBody>
+                    <a:bodyPr/>
+                    <a:lstStyle/>
+                    <a:p>
+                      <a:r>
+                        <a:rPr lang="fr-FR" sz="2000" b="0" dirty="0">
+                          <a:solidFill>
+                            <a:schemeClr val="bg1"/>
+                          </a:solidFill>
+                          <a:latin typeface="Arial" panose="020B0604020202020204" pitchFamily="34" charset="0"/>
+                          <a:cs typeface="Arial" panose="020B0604020202020204" pitchFamily="34" charset="0"/>
+                        </a:rPr>
+                        <a:t>1</a:t>
+                      </a:r>
+                    </a:p>
+                  </a:txBody>
+                  <a:tcPr/>
+                </a:tc>
+                <a:tc>
+                  <a:txBody>
+                    <a:bodyPr/>
+                    <a:lstStyle/>
+                    <a:p>
+                      <a:r>
+                        <a:rPr lang="fr-FR" sz="2000" b="0" dirty="0">
+                          <a:solidFill>
+                            <a:schemeClr val="bg1"/>
+                          </a:solidFill>
+                          <a:latin typeface="Arial" panose="020B0604020202020204" pitchFamily="34" charset="0"/>
+                          <a:cs typeface="Arial" panose="020B0604020202020204" pitchFamily="34" charset="0"/>
+                        </a:rPr>
+                        <a:t>2</a:t>
+                      </a:r>
+                    </a:p>
+                  </a:txBody>
+                  <a:tcPr/>
+                </a:tc>
+                <a:tc>
+                  <a:txBody>
+                    <a:bodyPr/>
+                    <a:lstStyle/>
+                    <a:p>
+                      <a:r>
+                        <a:rPr lang="fr-FR" sz="2000" b="0" dirty="0">
+                          <a:solidFill>
+                            <a:schemeClr val="bg1"/>
+                          </a:solidFill>
+                          <a:latin typeface="Arial" panose="020B0604020202020204" pitchFamily="34" charset="0"/>
+                          <a:cs typeface="Arial" panose="020B0604020202020204" pitchFamily="34" charset="0"/>
+                        </a:rPr>
+                        <a:t>3</a:t>
+                      </a:r>
+                    </a:p>
+                  </a:txBody>
+                  <a:tcPr/>
+                </a:tc>
+                <a:tc>
+                  <a:txBody>
+                    <a:bodyPr/>
+                    <a:lstStyle/>
+                    <a:p>
+                      <a:r>
+                        <a:rPr lang="fr-FR" sz="2000" b="0" dirty="0">
+                          <a:solidFill>
+                            <a:schemeClr val="bg1"/>
+                          </a:solidFill>
+                          <a:latin typeface="Arial" panose="020B0604020202020204" pitchFamily="34" charset="0"/>
+                          <a:cs typeface="Arial" panose="020B0604020202020204" pitchFamily="34" charset="0"/>
+                        </a:rPr>
+                        <a:t>4</a:t>
+                      </a:r>
+                    </a:p>
+                  </a:txBody>
+                  <a:tcPr/>
+                </a:tc>
+                <a:tc>
+                  <a:txBody>
+                    <a:bodyPr/>
+                    <a:lstStyle/>
+                    <a:p>
+                      <a:r>
+                        <a:rPr lang="fr-FR" sz="2000" b="0" dirty="0">
+                          <a:solidFill>
+                            <a:schemeClr val="bg1"/>
+                          </a:solidFill>
+                          <a:latin typeface="Arial" panose="020B0604020202020204" pitchFamily="34" charset="0"/>
+                          <a:cs typeface="Arial" panose="020B0604020202020204" pitchFamily="34" charset="0"/>
+                        </a:rPr>
+                        <a:t>5</a:t>
+                      </a:r>
+                    </a:p>
+                  </a:txBody>
+                  <a:tcPr/>
+                </a:tc>
+                <a:extLst>
+                  <a:ext uri="{0D108BD9-81ED-4DB2-BD59-A6C34878D82A}">
+                    <a16:rowId xmlns:a16="http://schemas.microsoft.com/office/drawing/2014/main" val="3143307086"/>
+                  </a:ext>
+                </a:extLst>
+              </a:tr>
+              <a:tr h="391590">
+                <a:tc>
+                  <a:txBody>
+                    <a:bodyPr/>
+                    <a:lstStyle/>
+                    <a:p>
+                      <a:r>
+                        <a:rPr lang="fr-FR" sz="2000" b="0" dirty="0">
+                          <a:solidFill>
+                            <a:schemeClr val="bg1"/>
+                          </a:solidFill>
+                          <a:latin typeface="Arial" panose="020B0604020202020204" pitchFamily="34" charset="0"/>
+                          <a:cs typeface="Arial" panose="020B0604020202020204" pitchFamily="34" charset="0"/>
+                        </a:rPr>
+                        <a:t>T[i]</a:t>
+                      </a:r>
+                    </a:p>
+                  </a:txBody>
+                  <a:tcPr/>
+                </a:tc>
+                <a:tc>
+                  <a:txBody>
+                    <a:bodyPr/>
+                    <a:lstStyle/>
+                    <a:p>
+                      <a:r>
+                        <a:rPr lang="fr-FR" sz="2000" b="0" dirty="0">
+                          <a:solidFill>
+                            <a:schemeClr val="bg1"/>
+                          </a:solidFill>
+                          <a:latin typeface="Arial" panose="020B0604020202020204" pitchFamily="34" charset="0"/>
+                          <a:cs typeface="Arial" panose="020B0604020202020204" pitchFamily="34" charset="0"/>
+                        </a:rPr>
+                        <a:t>2</a:t>
+                      </a:r>
+                    </a:p>
+                  </a:txBody>
+                  <a:tcPr/>
+                </a:tc>
+                <a:tc>
+                  <a:txBody>
+                    <a:bodyPr/>
+                    <a:lstStyle/>
+                    <a:p>
+                      <a:r>
+                        <a:rPr lang="fr-FR" sz="2000" b="0" dirty="0">
+                          <a:solidFill>
+                            <a:schemeClr val="bg1"/>
+                          </a:solidFill>
+                          <a:latin typeface="Arial" panose="020B0604020202020204" pitchFamily="34" charset="0"/>
+                          <a:cs typeface="Arial" panose="020B0604020202020204" pitchFamily="34" charset="0"/>
+                        </a:rPr>
+                        <a:t>4</a:t>
+                      </a:r>
+                    </a:p>
+                  </a:txBody>
+                  <a:tcPr/>
+                </a:tc>
+                <a:tc>
+                  <a:txBody>
+                    <a:bodyPr/>
+                    <a:lstStyle/>
+                    <a:p>
+                      <a:r>
+                        <a:rPr lang="fr-FR" sz="2000" b="0" dirty="0">
+                          <a:solidFill>
+                            <a:schemeClr val="bg1"/>
+                          </a:solidFill>
+                          <a:latin typeface="Arial" panose="020B0604020202020204" pitchFamily="34" charset="0"/>
+                          <a:cs typeface="Arial" panose="020B0604020202020204" pitchFamily="34" charset="0"/>
+                        </a:rPr>
+                        <a:t>7</a:t>
+                      </a:r>
+                    </a:p>
+                  </a:txBody>
+                  <a:tcPr/>
+                </a:tc>
+                <a:tc>
+                  <a:txBody>
+                    <a:bodyPr/>
+                    <a:lstStyle/>
+                    <a:p>
+                      <a:r>
+                        <a:rPr lang="fr-FR" sz="2000" b="0" dirty="0">
+                          <a:solidFill>
+                            <a:schemeClr val="bg1"/>
+                          </a:solidFill>
+                          <a:latin typeface="Arial" panose="020B0604020202020204" pitchFamily="34" charset="0"/>
+                          <a:cs typeface="Arial" panose="020B0604020202020204" pitchFamily="34" charset="0"/>
+                        </a:rPr>
+                        <a:t>8</a:t>
+                      </a:r>
+                    </a:p>
+                  </a:txBody>
+                  <a:tcPr/>
+                </a:tc>
+                <a:tc>
+                  <a:txBody>
+                    <a:bodyPr/>
+                    <a:lstStyle/>
+                    <a:p>
+                      <a:r>
+                        <a:rPr lang="fr-FR" sz="2000" b="0" dirty="0">
+                          <a:solidFill>
+                            <a:schemeClr val="bg1"/>
+                          </a:solidFill>
+                          <a:latin typeface="Arial" panose="020B0604020202020204" pitchFamily="34" charset="0"/>
+                          <a:cs typeface="Arial" panose="020B0604020202020204" pitchFamily="34" charset="0"/>
+                        </a:rPr>
+                        <a:t>10</a:t>
+                      </a:r>
+                    </a:p>
+                  </a:txBody>
+                  <a:tcPr/>
+                </a:tc>
+                <a:extLst>
+                  <a:ext uri="{0D108BD9-81ED-4DB2-BD59-A6C34878D82A}">
+                    <a16:rowId xmlns:a16="http://schemas.microsoft.com/office/drawing/2014/main" val="1786552315"/>
+                  </a:ext>
+                </a:extLst>
+              </a:tr>
+            </a:tbl>
+          </a:graphicData>
+        </a:graphic>
+      </p:graphicFrame>
+    </p:spTree>
+    <p:extLst>
+      <p:ext uri="{BB962C8B-B14F-4D97-AF65-F5344CB8AC3E}">
+        <p14:creationId xmlns:p14="http://schemas.microsoft.com/office/powerpoint/2010/main" val="3791897175"/>
+      </p:ext>
+    </p:extLst>
+  </p:cSld>
+  <p:clrMapOvr>
+    <a:masterClrMapping/>
+  </p:clrMapOvr>
+  <mc:AlternateContent xmlns:mc="http://schemas.openxmlformats.org/markup-compatibility/2006">
+    <mc:Choice xmlns:p14="http://schemas.microsoft.com/office/powerpoint/2010/main" Requires="p14">
+      <p:transition spd="med" p14:dur="700">
+        <p:fade/>
+      </p:transition>
+    </mc:Choice>
+    <mc:Fallback>
+      <p:transition spd="med">
+        <p:fade/>
+      </p:transition>
+    </mc:Fallback>
+  </mc:AlternateContent>
+</p:sld>
+</file>
+
+<file path=ppt/slides/slide4.xml><?xml version="1.0" encoding="utf-8"?>
+<p:sld xmlns:a="http://schemas.openxmlformats.org/drawingml/2006/main" xmlns:r="http://schemas.openxmlformats.org/officeDocument/2006/relationships" xmlns:p="http://schemas.openxmlformats.org/presentationml/2006/main">
+  <p:cSld>
+    <p:bg>
+      <p:bgPr>
+        <a:gradFill flip="none" rotWithShape="1">
+          <a:gsLst>
+            <a:gs pos="0">
+              <a:schemeClr val="tx1"/>
+            </a:gs>
+            <a:gs pos="0">
+              <a:schemeClr val="tx1"/>
+            </a:gs>
+            <a:gs pos="0">
+              <a:schemeClr val="tx1">
+                <a:lumMod val="95000"/>
+              </a:schemeClr>
+            </a:gs>
+          </a:gsLst>
+          <a:lin ang="3600000" scaled="0"/>
+          <a:tileRect/>
+        </a:gradFill>
+        <a:effectLst/>
+      </p:bgPr>
+    </p:bg>
     <p:spTree>
       <p:nvGrpSpPr>
         <p:cNvPr id="1" name=""/>
@@ -6233,636 +9250,15 @@
           <a:p>
             <a:pPr rtl="0"/>
             <a:r>
-              <a:rPr lang="fr-FR">
-                <a:latin typeface="Arial" panose="020B0604020202020204" pitchFamily="34" charset="0"/>
-                <a:cs typeface="Arial" panose="020B0604020202020204" pitchFamily="34" charset="0"/>
-              </a:rPr>
-              <a:t>Code séquentiel de base</a:t>
-            </a:r>
-          </a:p>
-        </p:txBody>
-      </p:sp>
-      <p:sp>
-        <p:nvSpPr>
-          <p:cNvPr id="15" name="Espace réservé du contenu 14">
-            <a:extLst>
-              <a:ext uri="{FF2B5EF4-FFF2-40B4-BE49-F238E27FC236}">
-                <a16:creationId xmlns:a16="http://schemas.microsoft.com/office/drawing/2014/main" id="{99A0A2D8-6DB4-28A0-4585-6C4D3B540779}"/>
-              </a:ext>
-            </a:extLst>
-          </p:cNvPr>
-          <p:cNvSpPr>
-            <a:spLocks noGrp="1"/>
-          </p:cNvSpPr>
-          <p:nvPr>
-            <p:ph sz="half" idx="1"/>
-          </p:nvPr>
-        </p:nvSpPr>
-        <p:spPr>
-          <a:xfrm>
-            <a:off x="1218883" y="1706880"/>
-            <a:ext cx="5379585" cy="4962480"/>
-          </a:xfrm>
-          <a:solidFill>
-            <a:schemeClr val="tx1"/>
-          </a:solidFill>
-        </p:spPr>
-        <p:txBody>
-          <a:bodyPr>
-            <a:normAutofit fontScale="92500" lnSpcReduction="10000"/>
-          </a:bodyPr>
-          <a:lstStyle/>
-          <a:p>
-            <a:pPr marL="0" indent="0">
-              <a:buNone/>
-            </a:pPr>
-            <a:r>
-              <a:rPr lang="fr-FR" sz="800">
+              <a:rPr lang="fr-FR" dirty="0">
                 <a:solidFill>
                   <a:schemeClr val="bg1"/>
                 </a:solidFill>
                 <a:latin typeface="Arial" panose="020B0604020202020204" pitchFamily="34" charset="0"/>
                 <a:cs typeface="Arial" panose="020B0604020202020204" pitchFamily="34" charset="0"/>
               </a:rPr>
-              <a:t>   </a:t>
+              <a:t>Algorithme de tri par insertion en C</a:t>
             </a:r>
-            <a:r>
-              <a:rPr lang="fr-FR" sz="1300" err="1">
-                <a:solidFill>
-                  <a:srgbClr val="7030A0"/>
-                </a:solidFill>
-                <a:latin typeface="Arial" panose="020B0604020202020204" pitchFamily="34" charset="0"/>
-                <a:cs typeface="Arial" panose="020B0604020202020204" pitchFamily="34" charset="0"/>
-              </a:rPr>
-              <a:t>void</a:t>
-            </a:r>
-            <a:r>
-              <a:rPr lang="fr-FR" sz="1300">
-                <a:solidFill>
-                  <a:srgbClr val="7030A0"/>
-                </a:solidFill>
-                <a:latin typeface="Arial" panose="020B0604020202020204" pitchFamily="34" charset="0"/>
-                <a:cs typeface="Arial" panose="020B0604020202020204" pitchFamily="34" charset="0"/>
-              </a:rPr>
-              <a:t> </a:t>
-            </a:r>
-            <a:r>
-              <a:rPr lang="fr-FR" sz="1300" err="1">
-                <a:solidFill>
-                  <a:schemeClr val="bg2">
-                    <a:lumMod val="60000"/>
-                    <a:lumOff val="40000"/>
-                  </a:schemeClr>
-                </a:solidFill>
-                <a:latin typeface="Arial" panose="020B0604020202020204" pitchFamily="34" charset="0"/>
-                <a:cs typeface="Arial" panose="020B0604020202020204" pitchFamily="34" charset="0"/>
-              </a:rPr>
-              <a:t>insertionSort</a:t>
-            </a:r>
-            <a:r>
-              <a:rPr lang="fr-FR" sz="1300">
-                <a:solidFill>
-                  <a:schemeClr val="bg1"/>
-                </a:solidFill>
-                <a:latin typeface="Arial" panose="020B0604020202020204" pitchFamily="34" charset="0"/>
-                <a:cs typeface="Arial" panose="020B0604020202020204" pitchFamily="34" charset="0"/>
-              </a:rPr>
-              <a:t>(</a:t>
-            </a:r>
-            <a:r>
-              <a:rPr lang="fr-FR" sz="1300" err="1">
-                <a:solidFill>
-                  <a:srgbClr val="7030A0"/>
-                </a:solidFill>
-                <a:latin typeface="Arial" panose="020B0604020202020204" pitchFamily="34" charset="0"/>
-                <a:cs typeface="Arial" panose="020B0604020202020204" pitchFamily="34" charset="0"/>
-              </a:rPr>
-              <a:t>int</a:t>
-            </a:r>
-            <a:r>
-              <a:rPr lang="fr-FR" sz="1300">
-                <a:solidFill>
-                  <a:schemeClr val="bg1"/>
-                </a:solidFill>
-                <a:latin typeface="Arial" panose="020B0604020202020204" pitchFamily="34" charset="0"/>
-                <a:cs typeface="Arial" panose="020B0604020202020204" pitchFamily="34" charset="0"/>
-              </a:rPr>
-              <a:t> </a:t>
-            </a:r>
-            <a:r>
-              <a:rPr lang="fr-FR" sz="1300" err="1">
-                <a:solidFill>
-                  <a:schemeClr val="bg1"/>
-                </a:solidFill>
-                <a:latin typeface="Arial" panose="020B0604020202020204" pitchFamily="34" charset="0"/>
-                <a:cs typeface="Arial" panose="020B0604020202020204" pitchFamily="34" charset="0"/>
-              </a:rPr>
-              <a:t>arr</a:t>
-            </a:r>
-            <a:r>
-              <a:rPr lang="fr-FR" sz="1300">
-                <a:solidFill>
-                  <a:schemeClr val="bg1"/>
-                </a:solidFill>
-                <a:latin typeface="Arial" panose="020B0604020202020204" pitchFamily="34" charset="0"/>
-                <a:cs typeface="Arial" panose="020B0604020202020204" pitchFamily="34" charset="0"/>
-              </a:rPr>
-              <a:t>[], </a:t>
-            </a:r>
-            <a:r>
-              <a:rPr lang="fr-FR" sz="1300" err="1">
-                <a:solidFill>
-                  <a:srgbClr val="7030A0"/>
-                </a:solidFill>
-                <a:latin typeface="Arial" panose="020B0604020202020204" pitchFamily="34" charset="0"/>
-                <a:cs typeface="Arial" panose="020B0604020202020204" pitchFamily="34" charset="0"/>
-              </a:rPr>
-              <a:t>int</a:t>
-            </a:r>
-            <a:r>
-              <a:rPr lang="fr-FR" sz="1300">
-                <a:solidFill>
-                  <a:schemeClr val="bg1"/>
-                </a:solidFill>
-                <a:latin typeface="Arial" panose="020B0604020202020204" pitchFamily="34" charset="0"/>
-                <a:cs typeface="Arial" panose="020B0604020202020204" pitchFamily="34" charset="0"/>
-              </a:rPr>
-              <a:t> n)</a:t>
-            </a:r>
-          </a:p>
-          <a:p>
-            <a:pPr marL="0" indent="0">
-              <a:buNone/>
-            </a:pPr>
-            <a:r>
-              <a:rPr lang="fr-FR" sz="1300">
-                <a:solidFill>
-                  <a:schemeClr val="bg1"/>
-                </a:solidFill>
-                <a:latin typeface="Arial" panose="020B0604020202020204" pitchFamily="34" charset="0"/>
-                <a:cs typeface="Arial" panose="020B0604020202020204" pitchFamily="34" charset="0"/>
-              </a:rPr>
-              <a:t>{</a:t>
-            </a:r>
-          </a:p>
-          <a:p>
-            <a:pPr marL="0" indent="0">
-              <a:buNone/>
-            </a:pPr>
-            <a:r>
-              <a:rPr lang="fr-FR" sz="1300">
-                <a:solidFill>
-                  <a:schemeClr val="bg1"/>
-                </a:solidFill>
-                <a:latin typeface="Arial" panose="020B0604020202020204" pitchFamily="34" charset="0"/>
-                <a:cs typeface="Arial" panose="020B0604020202020204" pitchFamily="34" charset="0"/>
-              </a:rPr>
-              <a:t>    </a:t>
-            </a:r>
-            <a:r>
-              <a:rPr lang="fr-FR" sz="1300" err="1">
-                <a:solidFill>
-                  <a:srgbClr val="7030A0"/>
-                </a:solidFill>
-                <a:latin typeface="Arial" panose="020B0604020202020204" pitchFamily="34" charset="0"/>
-                <a:cs typeface="Arial" panose="020B0604020202020204" pitchFamily="34" charset="0"/>
-              </a:rPr>
-              <a:t>int</a:t>
-            </a:r>
-            <a:r>
-              <a:rPr lang="fr-FR" sz="1300">
-                <a:solidFill>
-                  <a:schemeClr val="bg1"/>
-                </a:solidFill>
-                <a:latin typeface="Arial" panose="020B0604020202020204" pitchFamily="34" charset="0"/>
-                <a:cs typeface="Arial" panose="020B0604020202020204" pitchFamily="34" charset="0"/>
-              </a:rPr>
-              <a:t> i, key, j;</a:t>
-            </a:r>
-          </a:p>
-          <a:p>
-            <a:pPr marL="0" indent="0">
-              <a:buNone/>
-            </a:pPr>
-            <a:r>
-              <a:rPr lang="fr-FR" sz="1300">
-                <a:solidFill>
-                  <a:srgbClr val="00B050"/>
-                </a:solidFill>
-                <a:latin typeface="Arial" panose="020B0604020202020204" pitchFamily="34" charset="0"/>
-                <a:cs typeface="Arial" panose="020B0604020202020204" pitchFamily="34" charset="0"/>
-              </a:rPr>
-              <a:t>    for </a:t>
-            </a:r>
-            <a:r>
-              <a:rPr lang="fr-FR" sz="1300">
-                <a:solidFill>
-                  <a:schemeClr val="bg1"/>
-                </a:solidFill>
-                <a:latin typeface="Arial" panose="020B0604020202020204" pitchFamily="34" charset="0"/>
-                <a:cs typeface="Arial" panose="020B0604020202020204" pitchFamily="34" charset="0"/>
-              </a:rPr>
-              <a:t>(i = </a:t>
-            </a:r>
-            <a:r>
-              <a:rPr lang="fr-FR" sz="1300">
-                <a:solidFill>
-                  <a:srgbClr val="0070C0"/>
-                </a:solidFill>
-                <a:latin typeface="Arial" panose="020B0604020202020204" pitchFamily="34" charset="0"/>
-                <a:cs typeface="Arial" panose="020B0604020202020204" pitchFamily="34" charset="0"/>
-              </a:rPr>
-              <a:t>1</a:t>
-            </a:r>
-            <a:r>
-              <a:rPr lang="fr-FR" sz="1300">
-                <a:solidFill>
-                  <a:schemeClr val="bg1"/>
-                </a:solidFill>
-                <a:latin typeface="Arial" panose="020B0604020202020204" pitchFamily="34" charset="0"/>
-                <a:cs typeface="Arial" panose="020B0604020202020204" pitchFamily="34" charset="0"/>
-              </a:rPr>
-              <a:t>; i &lt; n; i++) {</a:t>
-            </a:r>
-          </a:p>
-          <a:p>
-            <a:pPr marL="0" indent="0">
-              <a:buNone/>
-            </a:pPr>
-            <a:r>
-              <a:rPr lang="fr-FR" sz="1300">
-                <a:solidFill>
-                  <a:schemeClr val="bg1"/>
-                </a:solidFill>
-                <a:latin typeface="Arial" panose="020B0604020202020204" pitchFamily="34" charset="0"/>
-                <a:cs typeface="Arial" panose="020B0604020202020204" pitchFamily="34" charset="0"/>
-              </a:rPr>
-              <a:t>        key = </a:t>
-            </a:r>
-            <a:r>
-              <a:rPr lang="fr-FR" sz="1300" err="1">
-                <a:solidFill>
-                  <a:schemeClr val="bg1"/>
-                </a:solidFill>
-                <a:latin typeface="Arial" panose="020B0604020202020204" pitchFamily="34" charset="0"/>
-                <a:cs typeface="Arial" panose="020B0604020202020204" pitchFamily="34" charset="0"/>
-              </a:rPr>
-              <a:t>arr</a:t>
-            </a:r>
-            <a:r>
-              <a:rPr lang="fr-FR" sz="1300">
-                <a:solidFill>
-                  <a:schemeClr val="bg1"/>
-                </a:solidFill>
-                <a:latin typeface="Arial" panose="020B0604020202020204" pitchFamily="34" charset="0"/>
-                <a:cs typeface="Arial" panose="020B0604020202020204" pitchFamily="34" charset="0"/>
-              </a:rPr>
-              <a:t>[i];</a:t>
-            </a:r>
-          </a:p>
-          <a:p>
-            <a:pPr marL="0" indent="0">
-              <a:buNone/>
-            </a:pPr>
-            <a:r>
-              <a:rPr lang="fr-FR" sz="1300">
-                <a:solidFill>
-                  <a:schemeClr val="bg1"/>
-                </a:solidFill>
-                <a:latin typeface="Arial" panose="020B0604020202020204" pitchFamily="34" charset="0"/>
-                <a:cs typeface="Arial" panose="020B0604020202020204" pitchFamily="34" charset="0"/>
-              </a:rPr>
-              <a:t>        j = i - </a:t>
-            </a:r>
-            <a:r>
-              <a:rPr lang="fr-FR" sz="1300">
-                <a:solidFill>
-                  <a:srgbClr val="0070C0"/>
-                </a:solidFill>
-                <a:latin typeface="Arial" panose="020B0604020202020204" pitchFamily="34" charset="0"/>
-                <a:cs typeface="Arial" panose="020B0604020202020204" pitchFamily="34" charset="0"/>
-              </a:rPr>
-              <a:t>1</a:t>
-            </a:r>
-            <a:r>
-              <a:rPr lang="fr-FR" sz="1300">
-                <a:solidFill>
-                  <a:schemeClr val="bg1"/>
-                </a:solidFill>
-                <a:latin typeface="Arial" panose="020B0604020202020204" pitchFamily="34" charset="0"/>
-                <a:cs typeface="Arial" panose="020B0604020202020204" pitchFamily="34" charset="0"/>
-              </a:rPr>
-              <a:t>;</a:t>
-            </a:r>
-          </a:p>
-          <a:p>
-            <a:pPr marL="0" indent="0">
-              <a:buNone/>
-            </a:pPr>
-            <a:r>
-              <a:rPr lang="fr-FR" sz="1300">
-                <a:solidFill>
-                  <a:schemeClr val="bg1"/>
-                </a:solidFill>
-                <a:latin typeface="Arial" panose="020B0604020202020204" pitchFamily="34" charset="0"/>
-                <a:cs typeface="Arial" panose="020B0604020202020204" pitchFamily="34" charset="0"/>
-              </a:rPr>
-              <a:t> </a:t>
-            </a:r>
-          </a:p>
-          <a:p>
-            <a:pPr marL="0" indent="0">
-              <a:buNone/>
-            </a:pPr>
-            <a:r>
-              <a:rPr lang="fr-FR" sz="1300">
-                <a:solidFill>
-                  <a:schemeClr val="bg1"/>
-                </a:solidFill>
-                <a:latin typeface="Arial" panose="020B0604020202020204" pitchFamily="34" charset="0"/>
-                <a:cs typeface="Arial" panose="020B0604020202020204" pitchFamily="34" charset="0"/>
-              </a:rPr>
-              <a:t>        </a:t>
-            </a:r>
-            <a:r>
-              <a:rPr lang="fr-FR" sz="1300" err="1">
-                <a:solidFill>
-                  <a:srgbClr val="00B050"/>
-                </a:solidFill>
-                <a:latin typeface="Arial" panose="020B0604020202020204" pitchFamily="34" charset="0"/>
-                <a:cs typeface="Arial" panose="020B0604020202020204" pitchFamily="34" charset="0"/>
-              </a:rPr>
-              <a:t>while</a:t>
-            </a:r>
-            <a:r>
-              <a:rPr lang="fr-FR" sz="1300">
-                <a:solidFill>
-                  <a:schemeClr val="bg1"/>
-                </a:solidFill>
-                <a:latin typeface="Arial" panose="020B0604020202020204" pitchFamily="34" charset="0"/>
-                <a:cs typeface="Arial" panose="020B0604020202020204" pitchFamily="34" charset="0"/>
-              </a:rPr>
-              <a:t> (j &gt;= </a:t>
-            </a:r>
-            <a:r>
-              <a:rPr lang="fr-FR" sz="1300">
-                <a:solidFill>
-                  <a:srgbClr val="0070C0"/>
-                </a:solidFill>
-                <a:latin typeface="Arial" panose="020B0604020202020204" pitchFamily="34" charset="0"/>
-                <a:cs typeface="Arial" panose="020B0604020202020204" pitchFamily="34" charset="0"/>
-              </a:rPr>
-              <a:t>0</a:t>
-            </a:r>
-            <a:r>
-              <a:rPr lang="fr-FR" sz="1300">
-                <a:solidFill>
-                  <a:schemeClr val="bg1"/>
-                </a:solidFill>
-                <a:latin typeface="Arial" panose="020B0604020202020204" pitchFamily="34" charset="0"/>
-                <a:cs typeface="Arial" panose="020B0604020202020204" pitchFamily="34" charset="0"/>
-              </a:rPr>
-              <a:t> &amp;&amp; </a:t>
-            </a:r>
-            <a:r>
-              <a:rPr lang="fr-FR" sz="1300" err="1">
-                <a:solidFill>
-                  <a:schemeClr val="bg1"/>
-                </a:solidFill>
-                <a:latin typeface="Arial" panose="020B0604020202020204" pitchFamily="34" charset="0"/>
-                <a:cs typeface="Arial" panose="020B0604020202020204" pitchFamily="34" charset="0"/>
-              </a:rPr>
-              <a:t>arr</a:t>
-            </a:r>
-            <a:r>
-              <a:rPr lang="fr-FR" sz="1300">
-                <a:solidFill>
-                  <a:schemeClr val="bg1"/>
-                </a:solidFill>
-                <a:latin typeface="Arial" panose="020B0604020202020204" pitchFamily="34" charset="0"/>
-                <a:cs typeface="Arial" panose="020B0604020202020204" pitchFamily="34" charset="0"/>
-              </a:rPr>
-              <a:t>[j] &gt; key) {</a:t>
-            </a:r>
-          </a:p>
-          <a:p>
-            <a:pPr marL="0" indent="0">
-              <a:buNone/>
-            </a:pPr>
-            <a:r>
-              <a:rPr lang="fr-FR" sz="1300">
-                <a:solidFill>
-                  <a:schemeClr val="bg1"/>
-                </a:solidFill>
-                <a:latin typeface="Arial" panose="020B0604020202020204" pitchFamily="34" charset="0"/>
-                <a:cs typeface="Arial" panose="020B0604020202020204" pitchFamily="34" charset="0"/>
-              </a:rPr>
-              <a:t>            </a:t>
-            </a:r>
-            <a:r>
-              <a:rPr lang="fr-FR" sz="1300" err="1">
-                <a:solidFill>
-                  <a:schemeClr val="bg1"/>
-                </a:solidFill>
-                <a:latin typeface="Arial" panose="020B0604020202020204" pitchFamily="34" charset="0"/>
-                <a:cs typeface="Arial" panose="020B0604020202020204" pitchFamily="34" charset="0"/>
-              </a:rPr>
-              <a:t>arr</a:t>
-            </a:r>
-            <a:r>
-              <a:rPr lang="fr-FR" sz="1300">
-                <a:solidFill>
-                  <a:schemeClr val="bg1"/>
-                </a:solidFill>
-                <a:latin typeface="Arial" panose="020B0604020202020204" pitchFamily="34" charset="0"/>
-                <a:cs typeface="Arial" panose="020B0604020202020204" pitchFamily="34" charset="0"/>
-              </a:rPr>
-              <a:t>[j + </a:t>
-            </a:r>
-            <a:r>
-              <a:rPr lang="fr-FR" sz="1300">
-                <a:solidFill>
-                  <a:srgbClr val="0070C0"/>
-                </a:solidFill>
-                <a:latin typeface="Arial" panose="020B0604020202020204" pitchFamily="34" charset="0"/>
-                <a:cs typeface="Arial" panose="020B0604020202020204" pitchFamily="34" charset="0"/>
-              </a:rPr>
-              <a:t>1</a:t>
-            </a:r>
-            <a:r>
-              <a:rPr lang="fr-FR" sz="1300">
-                <a:solidFill>
-                  <a:schemeClr val="bg1"/>
-                </a:solidFill>
-                <a:latin typeface="Arial" panose="020B0604020202020204" pitchFamily="34" charset="0"/>
-                <a:cs typeface="Arial" panose="020B0604020202020204" pitchFamily="34" charset="0"/>
-              </a:rPr>
-              <a:t>] = </a:t>
-            </a:r>
-            <a:r>
-              <a:rPr lang="fr-FR" sz="1300" err="1">
-                <a:solidFill>
-                  <a:schemeClr val="bg1"/>
-                </a:solidFill>
-                <a:latin typeface="Arial" panose="020B0604020202020204" pitchFamily="34" charset="0"/>
-                <a:cs typeface="Arial" panose="020B0604020202020204" pitchFamily="34" charset="0"/>
-              </a:rPr>
-              <a:t>arr</a:t>
-            </a:r>
-            <a:r>
-              <a:rPr lang="fr-FR" sz="1300">
-                <a:solidFill>
-                  <a:schemeClr val="bg1"/>
-                </a:solidFill>
-                <a:latin typeface="Arial" panose="020B0604020202020204" pitchFamily="34" charset="0"/>
-                <a:cs typeface="Arial" panose="020B0604020202020204" pitchFamily="34" charset="0"/>
-              </a:rPr>
-              <a:t>[j];</a:t>
-            </a:r>
-          </a:p>
-          <a:p>
-            <a:pPr marL="0" indent="0">
-              <a:buNone/>
-            </a:pPr>
-            <a:r>
-              <a:rPr lang="fr-FR" sz="1300">
-                <a:solidFill>
-                  <a:schemeClr val="bg1"/>
-                </a:solidFill>
-                <a:latin typeface="Arial" panose="020B0604020202020204" pitchFamily="34" charset="0"/>
-                <a:cs typeface="Arial" panose="020B0604020202020204" pitchFamily="34" charset="0"/>
-              </a:rPr>
-              <a:t>            j = j - </a:t>
-            </a:r>
-            <a:r>
-              <a:rPr lang="fr-FR" sz="1300">
-                <a:solidFill>
-                  <a:srgbClr val="0070C0"/>
-                </a:solidFill>
-                <a:latin typeface="Arial" panose="020B0604020202020204" pitchFamily="34" charset="0"/>
-                <a:cs typeface="Arial" panose="020B0604020202020204" pitchFamily="34" charset="0"/>
-              </a:rPr>
-              <a:t>1</a:t>
-            </a:r>
-            <a:r>
-              <a:rPr lang="fr-FR" sz="1300">
-                <a:solidFill>
-                  <a:schemeClr val="bg1"/>
-                </a:solidFill>
-                <a:latin typeface="Arial" panose="020B0604020202020204" pitchFamily="34" charset="0"/>
-                <a:cs typeface="Arial" panose="020B0604020202020204" pitchFamily="34" charset="0"/>
-              </a:rPr>
-              <a:t>;</a:t>
-            </a:r>
-          </a:p>
-          <a:p>
-            <a:pPr marL="0" indent="0">
-              <a:buNone/>
-            </a:pPr>
-            <a:r>
-              <a:rPr lang="fr-FR" sz="1300">
-                <a:solidFill>
-                  <a:schemeClr val="bg1"/>
-                </a:solidFill>
-                <a:latin typeface="Arial" panose="020B0604020202020204" pitchFamily="34" charset="0"/>
-                <a:cs typeface="Arial" panose="020B0604020202020204" pitchFamily="34" charset="0"/>
-              </a:rPr>
-              <a:t>        }</a:t>
-            </a:r>
-          </a:p>
-          <a:p>
-            <a:pPr marL="0" indent="0">
-              <a:buNone/>
-            </a:pPr>
-            <a:r>
-              <a:rPr lang="fr-FR" sz="1300">
-                <a:solidFill>
-                  <a:schemeClr val="bg1"/>
-                </a:solidFill>
-                <a:latin typeface="Arial" panose="020B0604020202020204" pitchFamily="34" charset="0"/>
-                <a:cs typeface="Arial" panose="020B0604020202020204" pitchFamily="34" charset="0"/>
-              </a:rPr>
-              <a:t>        </a:t>
-            </a:r>
-            <a:r>
-              <a:rPr lang="fr-FR" sz="1300" err="1">
-                <a:solidFill>
-                  <a:schemeClr val="bg1"/>
-                </a:solidFill>
-                <a:latin typeface="Arial" panose="020B0604020202020204" pitchFamily="34" charset="0"/>
-                <a:cs typeface="Arial" panose="020B0604020202020204" pitchFamily="34" charset="0"/>
-              </a:rPr>
-              <a:t>arr</a:t>
-            </a:r>
-            <a:r>
-              <a:rPr lang="fr-FR" sz="1300">
-                <a:solidFill>
-                  <a:schemeClr val="bg1"/>
-                </a:solidFill>
-                <a:latin typeface="Arial" panose="020B0604020202020204" pitchFamily="34" charset="0"/>
-                <a:cs typeface="Arial" panose="020B0604020202020204" pitchFamily="34" charset="0"/>
-              </a:rPr>
-              <a:t>[j + </a:t>
-            </a:r>
-            <a:r>
-              <a:rPr lang="fr-FR" sz="1300">
-                <a:solidFill>
-                  <a:srgbClr val="0070C0"/>
-                </a:solidFill>
-                <a:latin typeface="Arial" panose="020B0604020202020204" pitchFamily="34" charset="0"/>
-                <a:cs typeface="Arial" panose="020B0604020202020204" pitchFamily="34" charset="0"/>
-              </a:rPr>
-              <a:t>1</a:t>
-            </a:r>
-            <a:r>
-              <a:rPr lang="fr-FR" sz="1300">
-                <a:solidFill>
-                  <a:schemeClr val="bg1"/>
-                </a:solidFill>
-                <a:latin typeface="Arial" panose="020B0604020202020204" pitchFamily="34" charset="0"/>
-                <a:cs typeface="Arial" panose="020B0604020202020204" pitchFamily="34" charset="0"/>
-              </a:rPr>
-              <a:t>] = key;</a:t>
-            </a:r>
-          </a:p>
-          <a:p>
-            <a:pPr marL="0" indent="0">
-              <a:buNone/>
-            </a:pPr>
-            <a:r>
-              <a:rPr lang="fr-FR" sz="1300">
-                <a:solidFill>
-                  <a:schemeClr val="bg1"/>
-                </a:solidFill>
-                <a:latin typeface="Arial" panose="020B0604020202020204" pitchFamily="34" charset="0"/>
-                <a:cs typeface="Arial" panose="020B0604020202020204" pitchFamily="34" charset="0"/>
-              </a:rPr>
-              <a:t>    }</a:t>
-            </a:r>
-          </a:p>
-          <a:p>
-            <a:pPr marL="0" indent="0">
-              <a:buNone/>
-            </a:pPr>
-            <a:r>
-              <a:rPr lang="fr-FR" sz="1300">
-                <a:solidFill>
-                  <a:schemeClr val="bg1"/>
-                </a:solidFill>
-                <a:latin typeface="Arial" panose="020B0604020202020204" pitchFamily="34" charset="0"/>
-                <a:cs typeface="Arial" panose="020B0604020202020204" pitchFamily="34" charset="0"/>
-              </a:rPr>
-              <a:t>}</a:t>
-            </a:r>
-          </a:p>
-          <a:p>
-            <a:pPr marL="0" indent="0">
-              <a:buNone/>
-            </a:pPr>
-            <a:endParaRPr lang="fr-FR" sz="800">
-              <a:latin typeface="Arial" panose="020B0604020202020204" pitchFamily="34" charset="0"/>
-              <a:cs typeface="Arial" panose="020B0604020202020204" pitchFamily="34" charset="0"/>
-            </a:endParaRPr>
           </a:p>
         </p:txBody>
       </p:sp>
@@ -6890,7 +9286,7 @@
         </p:spPr>
         <p:txBody>
           <a:bodyPr>
-            <a:normAutofit fontScale="92500" lnSpcReduction="10000"/>
+            <a:normAutofit/>
           </a:bodyPr>
           <a:lstStyle/>
           <a:p>
@@ -6898,9 +9294,9 @@
               <a:buNone/>
             </a:pPr>
             <a:r>
-              <a:rPr lang="fr-FR" sz="2200" b="0" i="0">
+              <a:rPr lang="fr-FR" sz="2200" b="0" i="0" dirty="0">
                 <a:solidFill>
-                  <a:srgbClr val="E0E1E5"/>
+                  <a:schemeClr val="bg1"/>
                 </a:solidFill>
                 <a:effectLst/>
                 <a:latin typeface="Arial" panose="020B0604020202020204" pitchFamily="34" charset="0"/>
@@ -6909,15 +9305,27 @@
               <a:t>Source: </a:t>
             </a:r>
             <a:r>
-              <a:rPr lang="fr-FR" sz="2200" b="0" i="0">
+              <a:rPr lang="fr-FR" sz="2200" b="0" i="0" dirty="0">
+                <a:solidFill>
+                  <a:schemeClr val="accent1"/>
+                </a:solidFill>
                 <a:effectLst/>
                 <a:latin typeface="Arial" panose="020B0604020202020204" pitchFamily="34" charset="0"/>
                 <a:cs typeface="Arial" panose="020B0604020202020204" pitchFamily="34" charset="0"/>
-                <a:hlinkClick r:id="rId3" tooltip="https://www.geeksforgeeks.org/insertion-sort/"/>
+                <a:hlinkClick r:id="rId3" tooltip="https://www.geeksforgeeks.org/insertion-sort/">
+                  <a:extLst>
+                    <a:ext uri="{A12FA001-AC4F-418D-AE19-62706E023703}">
+                      <ahyp:hlinkClr xmlns:ahyp="http://schemas.microsoft.com/office/drawing/2018/hyperlinkcolor" val="tx"/>
+                    </a:ext>
+                  </a:extLst>
+                </a:hlinkClick>
               </a:rPr>
               <a:t>https://www.geeksforgeeks.org/insertion-sort/</a:t>
             </a:r>
-            <a:endParaRPr lang="fr-FR" sz="2200">
+            <a:endParaRPr lang="fr-FR" sz="2200" dirty="0">
+              <a:solidFill>
+                <a:schemeClr val="accent1"/>
+              </a:solidFill>
               <a:latin typeface="Arial" panose="020B0604020202020204" pitchFamily="34" charset="0"/>
               <a:cs typeface="Arial" panose="020B0604020202020204" pitchFamily="34" charset="0"/>
             </a:endParaRPr>
@@ -6926,10 +9334,45 @@
             <a:pPr marL="0" indent="0">
               <a:buNone/>
             </a:pPr>
-            <a:endParaRPr lang="fr-FR"/>
+            <a:endParaRPr lang="fr-FR" dirty="0"/>
           </a:p>
         </p:txBody>
       </p:sp>
+      <p:pic>
+        <p:nvPicPr>
+          <p:cNvPr id="14" name="Espace réservé du contenu 13" descr="Une image contenant texte&#10;&#10;Description générée automatiquement">
+            <a:extLst>
+              <a:ext uri="{FF2B5EF4-FFF2-40B4-BE49-F238E27FC236}">
+                <a16:creationId xmlns:a16="http://schemas.microsoft.com/office/drawing/2014/main" id="{AAF311EB-F812-8AC6-F83A-F34C3936A735}"/>
+              </a:ext>
+            </a:extLst>
+          </p:cNvPr>
+          <p:cNvPicPr>
+            <a:picLocks noGrp="1" noChangeAspect="1"/>
+          </p:cNvPicPr>
+          <p:nvPr>
+            <p:ph sz="half" idx="1"/>
+          </p:nvPr>
+        </p:nvPicPr>
+        <p:blipFill>
+          <a:blip r:embed="rId4">
+            <a:extLst>
+              <a:ext uri="{28A0092B-C50C-407E-A947-70E740481C1C}">
+                <a14:useLocalDpi xmlns:a14="http://schemas.microsoft.com/office/drawing/2010/main" val="0"/>
+              </a:ext>
+            </a:extLst>
+          </a:blip>
+          <a:stretch>
+            <a:fillRect/>
+          </a:stretch>
+        </p:blipFill>
+        <p:spPr>
+          <a:xfrm>
+            <a:off x="1218883" y="1772816"/>
+            <a:ext cx="5948380" cy="4250563"/>
+          </a:xfrm>
+        </p:spPr>
+      </p:pic>
     </p:spTree>
     <p:extLst>
       <p:ext uri="{BB962C8B-B14F-4D97-AF65-F5344CB8AC3E}">
@@ -6955,9 +9398,31 @@
 </p:sld>
 </file>
 
-<file path=ppt/slides/slide3.xml><?xml version="1.0" encoding="utf-8"?>
+<file path=ppt/slides/slide5.xml><?xml version="1.0" encoding="utf-8"?>
 <p:sld xmlns:a="http://schemas.openxmlformats.org/drawingml/2006/main" xmlns:r="http://schemas.openxmlformats.org/officeDocument/2006/relationships" xmlns:p="http://schemas.openxmlformats.org/presentationml/2006/main">
   <p:cSld>
+    <p:bg>
+      <p:bgPr>
+        <a:gradFill flip="none" rotWithShape="1">
+          <a:gsLst>
+            <a:gs pos="0">
+              <a:schemeClr val="tx1"/>
+            </a:gs>
+            <a:gs pos="0">
+              <a:schemeClr val="tx1"/>
+            </a:gs>
+            <a:gs pos="0">
+              <a:schemeClr val="tx1">
+                <a:lumMod val="95000"/>
+              </a:schemeClr>
+            </a:gs>
+          </a:gsLst>
+          <a:lin ang="3600000" scaled="0"/>
+          <a:tileRect/>
+        </a:gradFill>
+        <a:effectLst/>
+      </p:bgPr>
+    </p:bg>
     <p:spTree>
       <p:nvGrpSpPr>
         <p:cNvPr id="1" name=""/>
@@ -6984,917 +9449,101 @@
         </p:nvSpPr>
         <p:spPr>
           <a:xfrm>
-            <a:off x="1197868" y="29829"/>
-            <a:ext cx="10360501" cy="633471"/>
+            <a:off x="1218883" y="274637"/>
+            <a:ext cx="10360501" cy="1223963"/>
           </a:xfrm>
         </p:spPr>
         <p:txBody>
-          <a:bodyPr rtlCol="0"/>
+          <a:bodyPr rtlCol="0" anchor="b">
+            <a:normAutofit/>
+          </a:bodyPr>
           <a:lstStyle/>
           <a:p>
             <a:pPr rtl="0"/>
             <a:r>
-              <a:rPr lang="fr-FR"/>
-              <a:t>Implémentation CUDA</a:t>
+              <a:rPr lang="fr-FR" dirty="0">
+                <a:solidFill>
+                  <a:schemeClr val="bg1"/>
+                </a:solidFill>
+                <a:latin typeface="Arial" panose="020B0604020202020204" pitchFamily="34" charset="0"/>
+                <a:cs typeface="Arial" panose="020B0604020202020204" pitchFamily="34" charset="0"/>
+              </a:rPr>
+              <a:t>Implémentation GPU avec CUDA C</a:t>
             </a:r>
           </a:p>
         </p:txBody>
       </p:sp>
-      <p:sp>
-        <p:nvSpPr>
-          <p:cNvPr id="2" name="Espace réservé du contenu 1">
+      <p:pic>
+        <p:nvPicPr>
+          <p:cNvPr id="11" name="Espace réservé du contenu 10" descr="Une image contenant texte&#10;&#10;Description générée automatiquement">
             <a:extLst>
               <a:ext uri="{FF2B5EF4-FFF2-40B4-BE49-F238E27FC236}">
-                <a16:creationId xmlns:a16="http://schemas.microsoft.com/office/drawing/2014/main" id="{C9EDA1B4-4E75-D644-86DC-FD7E30F0EE0C}"/>
+                <a16:creationId xmlns:a16="http://schemas.microsoft.com/office/drawing/2014/main" id="{85133F18-C316-5514-5432-726E0E84E107}"/>
               </a:ext>
             </a:extLst>
           </p:cNvPr>
-          <p:cNvSpPr>
-            <a:spLocks noGrp="1"/>
-          </p:cNvSpPr>
+          <p:cNvPicPr>
+            <a:picLocks noGrp="1" noChangeAspect="1"/>
+          </p:cNvPicPr>
           <p:nvPr>
             <p:ph idx="1"/>
           </p:nvPr>
-        </p:nvSpPr>
+        </p:nvPicPr>
+        <p:blipFill>
+          <a:blip r:embed="rId3">
+            <a:extLst>
+              <a:ext uri="{28A0092B-C50C-407E-A947-70E740481C1C}">
+                <a14:useLocalDpi xmlns:a14="http://schemas.microsoft.com/office/drawing/2010/main" val="0"/>
+              </a:ext>
+            </a:extLst>
+          </a:blip>
+          <a:stretch>
+            <a:fillRect/>
+          </a:stretch>
+        </p:blipFill>
         <p:spPr>
           <a:xfrm>
-            <a:off x="1226854" y="663300"/>
-            <a:ext cx="4405894" cy="6088714"/>
+            <a:off x="1218883" y="1869380"/>
+            <a:ext cx="4721150" cy="3724226"/>
           </a:xfrm>
-          <a:solidFill>
-            <a:schemeClr val="tx1"/>
-          </a:solidFill>
         </p:spPr>
-        <p:txBody>
-          <a:bodyPr vert="horz" lIns="121899" tIns="60949" rIns="121899" bIns="60949" rtlCol="0" anchor="t">
-            <a:noAutofit/>
-          </a:bodyPr>
-          <a:lstStyle/>
-          <a:p>
-            <a:pPr marL="0" indent="0">
-              <a:lnSpc>
-                <a:spcPct val="100000"/>
-              </a:lnSpc>
-              <a:buNone/>
-            </a:pPr>
-            <a:r>
-              <a:rPr lang="fr-FR" sz="1200">
-                <a:solidFill>
-                  <a:schemeClr val="bg1"/>
-                </a:solidFill>
-                <a:latin typeface="Arial"/>
-                <a:cs typeface="Arial"/>
-              </a:rPr>
-              <a:t>__global__ </a:t>
-            </a:r>
-            <a:r>
-              <a:rPr lang="fr-FR" sz="1200" err="1">
-                <a:solidFill>
-                  <a:schemeClr val="bg1"/>
-                </a:solidFill>
-                <a:latin typeface="Arial"/>
-                <a:cs typeface="Arial"/>
-              </a:rPr>
-              <a:t>void</a:t>
-            </a:r>
-            <a:r>
-              <a:rPr lang="fr-FR" sz="1200">
-                <a:solidFill>
-                  <a:schemeClr val="bg1"/>
-                </a:solidFill>
-                <a:latin typeface="Arial"/>
-                <a:cs typeface="Arial"/>
-              </a:rPr>
-              <a:t> </a:t>
-            </a:r>
-            <a:r>
-              <a:rPr lang="fr-FR" sz="1200" err="1">
-                <a:solidFill>
-                  <a:schemeClr val="bg1"/>
-                </a:solidFill>
-                <a:latin typeface="Arial"/>
-                <a:cs typeface="Arial"/>
-              </a:rPr>
-              <a:t>tri_insertion_gpu</a:t>
-            </a:r>
-            <a:r>
-              <a:rPr lang="fr-FR" sz="1200">
-                <a:solidFill>
-                  <a:schemeClr val="bg1"/>
-                </a:solidFill>
-                <a:latin typeface="Arial"/>
-                <a:cs typeface="Arial"/>
-              </a:rPr>
-              <a:t>(</a:t>
-            </a:r>
-            <a:r>
-              <a:rPr lang="fr-FR" sz="1200" err="1">
-                <a:solidFill>
-                  <a:schemeClr val="bg1"/>
-                </a:solidFill>
-                <a:latin typeface="Arial"/>
-                <a:cs typeface="Arial"/>
-              </a:rPr>
-              <a:t>int</a:t>
-            </a:r>
-            <a:r>
-              <a:rPr lang="fr-FR" sz="1200">
-                <a:solidFill>
-                  <a:schemeClr val="bg1"/>
-                </a:solidFill>
-                <a:latin typeface="Arial"/>
-                <a:cs typeface="Arial"/>
-              </a:rPr>
-              <a:t> *</a:t>
-            </a:r>
-            <a:r>
-              <a:rPr lang="fr-FR" sz="1200" err="1">
-                <a:solidFill>
-                  <a:schemeClr val="bg1"/>
-                </a:solidFill>
-                <a:latin typeface="Arial"/>
-                <a:cs typeface="Arial"/>
-              </a:rPr>
-              <a:t>arr</a:t>
-            </a:r>
-            <a:r>
-              <a:rPr lang="fr-FR" sz="1200">
-                <a:solidFill>
-                  <a:schemeClr val="bg1"/>
-                </a:solidFill>
-                <a:latin typeface="Arial"/>
-                <a:cs typeface="Arial"/>
-              </a:rPr>
-              <a:t>, </a:t>
-            </a:r>
-            <a:r>
-              <a:rPr lang="fr-FR" sz="1200" err="1">
-                <a:solidFill>
-                  <a:schemeClr val="bg1"/>
-                </a:solidFill>
-                <a:latin typeface="Arial"/>
-                <a:cs typeface="Arial"/>
-              </a:rPr>
-              <a:t>int</a:t>
-            </a:r>
-            <a:r>
-              <a:rPr lang="fr-FR" sz="1200">
-                <a:solidFill>
-                  <a:schemeClr val="bg1"/>
-                </a:solidFill>
-                <a:latin typeface="Arial"/>
-                <a:cs typeface="Arial"/>
-              </a:rPr>
-              <a:t> </a:t>
-            </a:r>
-            <a:r>
-              <a:rPr lang="fr-FR" sz="1200" err="1">
-                <a:solidFill>
-                  <a:schemeClr val="bg1"/>
-                </a:solidFill>
-                <a:latin typeface="Arial"/>
-                <a:cs typeface="Arial"/>
-              </a:rPr>
-              <a:t>sizeArray</a:t>
-            </a:r>
-            <a:r>
-              <a:rPr lang="fr-FR" sz="1200">
-                <a:solidFill>
-                  <a:schemeClr val="bg1"/>
-                </a:solidFill>
-                <a:latin typeface="Arial"/>
-                <a:cs typeface="Arial"/>
-              </a:rPr>
-              <a:t>) {</a:t>
-            </a:r>
-            <a:endParaRPr lang="fr-FR" sz="1200">
-              <a:solidFill>
-                <a:schemeClr val="bg1"/>
-              </a:solidFill>
-              <a:latin typeface="Arial" panose="020B0604020202020204" pitchFamily="34" charset="0"/>
-              <a:cs typeface="Arial" panose="020B0604020202020204" pitchFamily="34" charset="0"/>
-            </a:endParaRPr>
-          </a:p>
-          <a:p>
-            <a:pPr marL="0" indent="0">
-              <a:lnSpc>
-                <a:spcPct val="100000"/>
-              </a:lnSpc>
-              <a:buNone/>
-            </a:pPr>
-            <a:r>
-              <a:rPr lang="fr-FR" sz="1200">
-                <a:solidFill>
-                  <a:schemeClr val="bg1"/>
-                </a:solidFill>
-                <a:latin typeface="Arial"/>
-                <a:cs typeface="Arial"/>
-              </a:rPr>
-              <a:t>   </a:t>
-            </a:r>
-            <a:r>
-              <a:rPr lang="fr-FR" sz="1200" err="1">
-                <a:solidFill>
-                  <a:schemeClr val="bg1"/>
-                </a:solidFill>
-                <a:latin typeface="Arial"/>
-                <a:cs typeface="Arial"/>
-              </a:rPr>
-              <a:t>int</a:t>
-            </a:r>
-            <a:r>
-              <a:rPr lang="fr-FR" sz="1200">
-                <a:solidFill>
-                  <a:schemeClr val="bg1"/>
-                </a:solidFill>
-                <a:latin typeface="Arial"/>
-                <a:cs typeface="Arial"/>
-              </a:rPr>
-              <a:t> </a:t>
-            </a:r>
-            <a:r>
-              <a:rPr lang="fr-FR" sz="1200" err="1">
-                <a:solidFill>
-                  <a:schemeClr val="bg1"/>
-                </a:solidFill>
-                <a:latin typeface="Arial"/>
-                <a:cs typeface="Arial"/>
-              </a:rPr>
-              <a:t>tid</a:t>
-            </a:r>
-            <a:r>
-              <a:rPr lang="fr-FR" sz="1200">
-                <a:solidFill>
-                  <a:schemeClr val="bg1"/>
-                </a:solidFill>
-                <a:latin typeface="Arial"/>
-                <a:cs typeface="Arial"/>
-              </a:rPr>
-              <a:t> = </a:t>
-            </a:r>
-            <a:r>
-              <a:rPr lang="fr-FR" sz="1200" err="1">
-                <a:solidFill>
-                  <a:schemeClr val="bg1"/>
-                </a:solidFill>
-                <a:latin typeface="Arial"/>
-                <a:cs typeface="Arial"/>
-              </a:rPr>
-              <a:t>blockIdx.x</a:t>
-            </a:r>
-            <a:r>
-              <a:rPr lang="fr-FR" sz="1200">
-                <a:solidFill>
-                  <a:schemeClr val="bg1"/>
-                </a:solidFill>
-                <a:latin typeface="Arial"/>
-                <a:cs typeface="Arial"/>
-              </a:rPr>
-              <a:t> * </a:t>
-            </a:r>
-            <a:r>
-              <a:rPr lang="fr-FR" sz="1200" err="1">
-                <a:solidFill>
-                  <a:schemeClr val="bg1"/>
-                </a:solidFill>
-                <a:latin typeface="Arial"/>
-                <a:cs typeface="Arial"/>
-              </a:rPr>
-              <a:t>blockDim.x</a:t>
-            </a:r>
-            <a:r>
-              <a:rPr lang="fr-FR" sz="1200">
-                <a:solidFill>
-                  <a:schemeClr val="bg1"/>
-                </a:solidFill>
-                <a:latin typeface="Arial"/>
-                <a:cs typeface="Arial"/>
-              </a:rPr>
-              <a:t> + </a:t>
-            </a:r>
-            <a:r>
-              <a:rPr lang="fr-FR" sz="1200" err="1">
-                <a:solidFill>
-                  <a:schemeClr val="bg1"/>
-                </a:solidFill>
-                <a:latin typeface="Arial"/>
-                <a:cs typeface="Arial"/>
-              </a:rPr>
-              <a:t>threadIdx.x</a:t>
-            </a:r>
-            <a:r>
-              <a:rPr lang="fr-FR" sz="1200">
-                <a:solidFill>
-                  <a:schemeClr val="bg1"/>
-                </a:solidFill>
-                <a:latin typeface="Arial"/>
-                <a:cs typeface="Arial"/>
-              </a:rPr>
-              <a:t>;</a:t>
-            </a:r>
-          </a:p>
-          <a:p>
-            <a:pPr marL="0" indent="0">
-              <a:lnSpc>
-                <a:spcPct val="100000"/>
-              </a:lnSpc>
-              <a:buNone/>
-            </a:pPr>
-            <a:r>
-              <a:rPr lang="fr-FR" sz="1200">
-                <a:solidFill>
-                  <a:schemeClr val="bg1"/>
-                </a:solidFill>
-                <a:latin typeface="Arial"/>
-                <a:cs typeface="Arial"/>
-              </a:rPr>
-              <a:t>   </a:t>
-            </a:r>
-            <a:r>
-              <a:rPr lang="fr-FR" sz="1200" err="1">
-                <a:solidFill>
-                  <a:schemeClr val="bg1"/>
-                </a:solidFill>
-                <a:latin typeface="Arial"/>
-                <a:cs typeface="Arial"/>
-              </a:rPr>
-              <a:t>int</a:t>
-            </a:r>
-            <a:r>
-              <a:rPr lang="fr-FR" sz="1200">
-                <a:solidFill>
-                  <a:schemeClr val="bg1"/>
-                </a:solidFill>
-                <a:latin typeface="Arial"/>
-                <a:cs typeface="Arial"/>
-              </a:rPr>
-              <a:t> key, j;</a:t>
-            </a:r>
-          </a:p>
-          <a:p>
-            <a:pPr marL="0" indent="0">
-              <a:lnSpc>
-                <a:spcPct val="100000"/>
-              </a:lnSpc>
-              <a:buNone/>
-            </a:pPr>
-            <a:r>
-              <a:rPr lang="fr-FR" sz="1200">
-                <a:solidFill>
-                  <a:schemeClr val="bg1"/>
-                </a:solidFill>
-                <a:latin typeface="Arial"/>
-                <a:cs typeface="Arial"/>
-              </a:rPr>
-              <a:t>   if (</a:t>
-            </a:r>
-            <a:r>
-              <a:rPr lang="fr-FR" sz="1200" err="1">
-                <a:solidFill>
-                  <a:schemeClr val="bg1"/>
-                </a:solidFill>
-                <a:latin typeface="Arial"/>
-                <a:cs typeface="Arial"/>
-              </a:rPr>
-              <a:t>tid</a:t>
-            </a:r>
-            <a:r>
-              <a:rPr lang="fr-FR" sz="1200">
-                <a:solidFill>
-                  <a:schemeClr val="bg1"/>
-                </a:solidFill>
-                <a:latin typeface="Arial"/>
-                <a:cs typeface="Arial"/>
-              </a:rPr>
-              <a:t> &lt; </a:t>
-            </a:r>
-            <a:r>
-              <a:rPr lang="fr-FR" sz="1200" err="1">
-                <a:solidFill>
-                  <a:schemeClr val="bg1"/>
-                </a:solidFill>
-                <a:latin typeface="Arial"/>
-                <a:cs typeface="Arial"/>
-              </a:rPr>
-              <a:t>sizeArray</a:t>
-            </a:r>
-            <a:r>
-              <a:rPr lang="fr-FR" sz="1200">
-                <a:solidFill>
-                  <a:schemeClr val="bg1"/>
-                </a:solidFill>
-                <a:latin typeface="Arial"/>
-                <a:cs typeface="Arial"/>
-              </a:rPr>
-              <a:t>) </a:t>
-            </a:r>
-            <a:endParaRPr lang="fr-FR" sz="1200">
-              <a:solidFill>
-                <a:schemeClr val="bg1"/>
-              </a:solidFill>
-              <a:latin typeface="Arial" panose="020B0604020202020204" pitchFamily="34" charset="0"/>
-              <a:cs typeface="Arial" panose="020B0604020202020204" pitchFamily="34" charset="0"/>
-            </a:endParaRPr>
-          </a:p>
-          <a:p>
-            <a:pPr marL="0" indent="0">
-              <a:lnSpc>
-                <a:spcPct val="100000"/>
-              </a:lnSpc>
-              <a:buNone/>
-            </a:pPr>
-            <a:r>
-              <a:rPr lang="fr-FR" sz="1200">
-                <a:solidFill>
-                  <a:schemeClr val="bg1"/>
-                </a:solidFill>
-                <a:latin typeface="Arial"/>
-                <a:cs typeface="Arial"/>
-              </a:rPr>
-              <a:t>   {</a:t>
-            </a:r>
-          </a:p>
-          <a:p>
-            <a:pPr marL="0" indent="0">
-              <a:lnSpc>
-                <a:spcPct val="100000"/>
-              </a:lnSpc>
-              <a:buNone/>
-            </a:pPr>
-            <a:r>
-              <a:rPr lang="fr-FR" sz="1200">
-                <a:solidFill>
-                  <a:schemeClr val="bg1"/>
-                </a:solidFill>
-                <a:latin typeface="Arial"/>
-                <a:cs typeface="Arial"/>
-              </a:rPr>
-              <a:t>        for (</a:t>
-            </a:r>
-            <a:r>
-              <a:rPr lang="fr-FR" sz="1200" err="1">
-                <a:solidFill>
-                  <a:schemeClr val="bg1"/>
-                </a:solidFill>
-                <a:latin typeface="Arial"/>
-                <a:cs typeface="Arial"/>
-              </a:rPr>
-              <a:t>tid</a:t>
-            </a:r>
-            <a:r>
-              <a:rPr lang="fr-FR" sz="1200">
-                <a:solidFill>
-                  <a:schemeClr val="bg1"/>
-                </a:solidFill>
-                <a:latin typeface="Arial"/>
-                <a:cs typeface="Arial"/>
-              </a:rPr>
-              <a:t> = 1; </a:t>
-            </a:r>
-            <a:r>
-              <a:rPr lang="fr-FR" sz="1200" err="1">
-                <a:solidFill>
-                  <a:schemeClr val="bg1"/>
-                </a:solidFill>
-                <a:latin typeface="Arial"/>
-                <a:cs typeface="Arial"/>
-              </a:rPr>
-              <a:t>tid</a:t>
-            </a:r>
-            <a:r>
-              <a:rPr lang="fr-FR" sz="1200">
-                <a:solidFill>
-                  <a:schemeClr val="bg1"/>
-                </a:solidFill>
-                <a:latin typeface="Arial"/>
-                <a:cs typeface="Arial"/>
-              </a:rPr>
-              <a:t> &lt; </a:t>
-            </a:r>
-            <a:r>
-              <a:rPr lang="fr-FR" sz="1200" err="1">
-                <a:solidFill>
-                  <a:schemeClr val="bg1"/>
-                </a:solidFill>
-                <a:latin typeface="Arial"/>
-                <a:cs typeface="Arial"/>
-              </a:rPr>
-              <a:t>sizeArray</a:t>
-            </a:r>
-            <a:r>
-              <a:rPr lang="fr-FR" sz="1200">
-                <a:solidFill>
-                  <a:schemeClr val="bg1"/>
-                </a:solidFill>
-                <a:latin typeface="Arial"/>
-                <a:cs typeface="Arial"/>
-              </a:rPr>
-              <a:t>; </a:t>
-            </a:r>
-            <a:r>
-              <a:rPr lang="fr-FR" sz="1200" err="1">
-                <a:solidFill>
-                  <a:schemeClr val="bg1"/>
-                </a:solidFill>
-                <a:latin typeface="Arial"/>
-                <a:cs typeface="Arial"/>
-              </a:rPr>
-              <a:t>tid</a:t>
-            </a:r>
-            <a:r>
-              <a:rPr lang="fr-FR" sz="1200">
-                <a:solidFill>
-                  <a:schemeClr val="bg1"/>
-                </a:solidFill>
-                <a:latin typeface="Arial"/>
-                <a:cs typeface="Arial"/>
-              </a:rPr>
-              <a:t>++)   {</a:t>
-            </a:r>
-            <a:endParaRPr lang="fr-FR" sz="1200">
-              <a:solidFill>
-                <a:schemeClr val="bg1"/>
-              </a:solidFill>
-              <a:latin typeface="Arial" panose="020B0604020202020204" pitchFamily="34" charset="0"/>
-              <a:cs typeface="Arial" panose="020B0604020202020204" pitchFamily="34" charset="0"/>
-            </a:endParaRPr>
-          </a:p>
-          <a:p>
-            <a:pPr marL="0" indent="0">
-              <a:lnSpc>
-                <a:spcPct val="100000"/>
-              </a:lnSpc>
-              <a:buNone/>
-            </a:pPr>
-            <a:r>
-              <a:rPr lang="fr-FR" sz="1200">
-                <a:solidFill>
-                  <a:schemeClr val="bg1"/>
-                </a:solidFill>
-                <a:latin typeface="Arial"/>
-                <a:cs typeface="Arial"/>
-              </a:rPr>
-              <a:t>            key = </a:t>
-            </a:r>
-            <a:r>
-              <a:rPr lang="fr-FR" sz="1200" err="1">
-                <a:solidFill>
-                  <a:schemeClr val="bg1"/>
-                </a:solidFill>
-                <a:latin typeface="Arial"/>
-                <a:cs typeface="Arial"/>
-              </a:rPr>
-              <a:t>arr</a:t>
-            </a:r>
-            <a:r>
-              <a:rPr lang="fr-FR" sz="1200">
-                <a:solidFill>
-                  <a:schemeClr val="bg1"/>
-                </a:solidFill>
-                <a:latin typeface="Arial"/>
-                <a:cs typeface="Arial"/>
-              </a:rPr>
-              <a:t>[</a:t>
-            </a:r>
-            <a:r>
-              <a:rPr lang="fr-FR" sz="1200" err="1">
-                <a:solidFill>
-                  <a:schemeClr val="bg1"/>
-                </a:solidFill>
-                <a:latin typeface="Arial"/>
-                <a:cs typeface="Arial"/>
-              </a:rPr>
-              <a:t>tid</a:t>
-            </a:r>
-            <a:r>
-              <a:rPr lang="fr-FR" sz="1200">
-                <a:solidFill>
-                  <a:schemeClr val="bg1"/>
-                </a:solidFill>
-                <a:latin typeface="Arial"/>
-                <a:cs typeface="Arial"/>
-              </a:rPr>
-              <a:t>];</a:t>
-            </a:r>
-          </a:p>
-          <a:p>
-            <a:pPr marL="0" indent="0">
-              <a:lnSpc>
-                <a:spcPct val="100000"/>
-              </a:lnSpc>
-              <a:buNone/>
-            </a:pPr>
-            <a:r>
-              <a:rPr lang="fr-FR" sz="1200">
-                <a:solidFill>
-                  <a:schemeClr val="bg1"/>
-                </a:solidFill>
-                <a:latin typeface="Arial"/>
-                <a:cs typeface="Arial"/>
-              </a:rPr>
-              <a:t>            j = </a:t>
-            </a:r>
-            <a:r>
-              <a:rPr lang="fr-FR" sz="1200" err="1">
-                <a:solidFill>
-                  <a:schemeClr val="bg1"/>
-                </a:solidFill>
-                <a:latin typeface="Arial"/>
-                <a:cs typeface="Arial"/>
-              </a:rPr>
-              <a:t>tid</a:t>
-            </a:r>
-            <a:r>
-              <a:rPr lang="fr-FR" sz="1200">
-                <a:solidFill>
-                  <a:schemeClr val="bg1"/>
-                </a:solidFill>
-                <a:latin typeface="Arial"/>
-                <a:cs typeface="Arial"/>
-              </a:rPr>
-              <a:t> - 1;</a:t>
-            </a:r>
-          </a:p>
-          <a:p>
-            <a:pPr marL="0" indent="0">
-              <a:lnSpc>
-                <a:spcPct val="100000"/>
-              </a:lnSpc>
-              <a:buNone/>
-            </a:pPr>
-            <a:r>
-              <a:rPr lang="fr-FR" sz="1200">
-                <a:solidFill>
-                  <a:schemeClr val="bg1"/>
-                </a:solidFill>
-                <a:latin typeface="Arial"/>
-                <a:cs typeface="Arial"/>
-              </a:rPr>
-              <a:t>           </a:t>
-            </a:r>
-            <a:r>
-              <a:rPr lang="fr-FR" sz="1200" err="1">
-                <a:solidFill>
-                  <a:schemeClr val="bg1"/>
-                </a:solidFill>
-                <a:latin typeface="Arial"/>
-                <a:cs typeface="Arial"/>
-              </a:rPr>
-              <a:t>while</a:t>
-            </a:r>
-            <a:r>
-              <a:rPr lang="fr-FR" sz="1200">
-                <a:solidFill>
-                  <a:schemeClr val="bg1"/>
-                </a:solidFill>
-                <a:latin typeface="Arial"/>
-                <a:cs typeface="Arial"/>
-              </a:rPr>
-              <a:t> (j &gt;= 0 &amp;&amp; </a:t>
-            </a:r>
-            <a:r>
-              <a:rPr lang="fr-FR" sz="1200" err="1">
-                <a:solidFill>
-                  <a:schemeClr val="bg1"/>
-                </a:solidFill>
-                <a:latin typeface="Arial"/>
-                <a:cs typeface="Arial"/>
-              </a:rPr>
-              <a:t>arr</a:t>
-            </a:r>
-            <a:r>
-              <a:rPr lang="fr-FR" sz="1200">
-                <a:solidFill>
-                  <a:schemeClr val="bg1"/>
-                </a:solidFill>
-                <a:latin typeface="Arial"/>
-                <a:cs typeface="Arial"/>
-              </a:rPr>
-              <a:t>[j] &gt; key) {</a:t>
-            </a:r>
-            <a:endParaRPr lang="fr-FR" sz="1200">
-              <a:solidFill>
-                <a:schemeClr val="bg1"/>
-              </a:solidFill>
-              <a:latin typeface="Arial" panose="020B0604020202020204" pitchFamily="34" charset="0"/>
-              <a:cs typeface="Arial" panose="020B0604020202020204" pitchFamily="34" charset="0"/>
-            </a:endParaRPr>
-          </a:p>
-          <a:p>
-            <a:pPr marL="0" indent="0">
-              <a:lnSpc>
-                <a:spcPct val="100000"/>
-              </a:lnSpc>
-              <a:buNone/>
-            </a:pPr>
-            <a:r>
-              <a:rPr lang="fr-FR" sz="1200">
-                <a:solidFill>
-                  <a:schemeClr val="bg1"/>
-                </a:solidFill>
-                <a:latin typeface="Arial"/>
-                <a:cs typeface="Arial"/>
-              </a:rPr>
-              <a:t>                </a:t>
-            </a:r>
-            <a:r>
-              <a:rPr lang="fr-FR" sz="1200" err="1">
-                <a:solidFill>
-                  <a:schemeClr val="bg1"/>
-                </a:solidFill>
-                <a:latin typeface="Arial"/>
-                <a:cs typeface="Arial"/>
-              </a:rPr>
-              <a:t>arr</a:t>
-            </a:r>
-            <a:r>
-              <a:rPr lang="fr-FR" sz="1200">
-                <a:solidFill>
-                  <a:schemeClr val="bg1"/>
-                </a:solidFill>
-                <a:latin typeface="Arial"/>
-                <a:cs typeface="Arial"/>
-              </a:rPr>
-              <a:t>[j + 1] = </a:t>
-            </a:r>
-            <a:r>
-              <a:rPr lang="fr-FR" sz="1200" err="1">
-                <a:solidFill>
-                  <a:schemeClr val="bg1"/>
-                </a:solidFill>
-                <a:latin typeface="Arial"/>
-                <a:cs typeface="Arial"/>
-              </a:rPr>
-              <a:t>arr</a:t>
-            </a:r>
-            <a:r>
-              <a:rPr lang="fr-FR" sz="1200">
-                <a:solidFill>
-                  <a:schemeClr val="bg1"/>
-                </a:solidFill>
-                <a:latin typeface="Arial"/>
-                <a:cs typeface="Arial"/>
-              </a:rPr>
-              <a:t>[j];</a:t>
-            </a:r>
-          </a:p>
-          <a:p>
-            <a:pPr marL="0" indent="0">
-              <a:lnSpc>
-                <a:spcPct val="100000"/>
-              </a:lnSpc>
-              <a:buNone/>
-            </a:pPr>
-            <a:r>
-              <a:rPr lang="fr-FR" sz="1200">
-                <a:solidFill>
-                  <a:schemeClr val="bg1"/>
-                </a:solidFill>
-                <a:latin typeface="Arial"/>
-                <a:cs typeface="Arial"/>
-              </a:rPr>
-              <a:t>                j = j - 1;</a:t>
-            </a:r>
-          </a:p>
-          <a:p>
-            <a:pPr marL="0" indent="0">
-              <a:lnSpc>
-                <a:spcPct val="100000"/>
-              </a:lnSpc>
-              <a:buNone/>
-            </a:pPr>
-            <a:r>
-              <a:rPr lang="fr-FR" sz="1200">
-                <a:solidFill>
-                  <a:schemeClr val="bg1"/>
-                </a:solidFill>
-                <a:latin typeface="Arial"/>
-                <a:cs typeface="Arial"/>
-              </a:rPr>
-              <a:t>            }</a:t>
-            </a:r>
-          </a:p>
-          <a:p>
-            <a:pPr marL="0" indent="0">
-              <a:lnSpc>
-                <a:spcPct val="100000"/>
-              </a:lnSpc>
-              <a:buNone/>
-            </a:pPr>
-            <a:r>
-              <a:rPr lang="fr-FR" sz="1200">
-                <a:solidFill>
-                  <a:schemeClr val="bg1"/>
-                </a:solidFill>
-                <a:latin typeface="Arial"/>
-                <a:cs typeface="Arial"/>
-              </a:rPr>
-              <a:t>            </a:t>
-            </a:r>
-            <a:r>
-              <a:rPr lang="fr-FR" sz="1200" err="1">
-                <a:solidFill>
-                  <a:schemeClr val="bg1"/>
-                </a:solidFill>
-                <a:latin typeface="Arial"/>
-                <a:cs typeface="Arial"/>
-              </a:rPr>
-              <a:t>arr</a:t>
-            </a:r>
-            <a:r>
-              <a:rPr lang="fr-FR" sz="1200">
-                <a:solidFill>
-                  <a:schemeClr val="bg1"/>
-                </a:solidFill>
-                <a:latin typeface="Arial"/>
-                <a:cs typeface="Arial"/>
-              </a:rPr>
-              <a:t>[j + 1] = key;</a:t>
-            </a:r>
-          </a:p>
-          <a:p>
-            <a:pPr marL="0" indent="0">
-              <a:lnSpc>
-                <a:spcPct val="100000"/>
-              </a:lnSpc>
-              <a:buNone/>
-            </a:pPr>
-            <a:r>
-              <a:rPr lang="fr-FR" sz="1200">
-                <a:solidFill>
-                  <a:schemeClr val="bg1"/>
-                </a:solidFill>
-                <a:latin typeface="Arial"/>
-                <a:cs typeface="Arial"/>
-              </a:rPr>
-              <a:t>        }</a:t>
-            </a:r>
-          </a:p>
-          <a:p>
-            <a:pPr marL="0" indent="0">
-              <a:lnSpc>
-                <a:spcPct val="100000"/>
-              </a:lnSpc>
-              <a:buNone/>
-            </a:pPr>
-            <a:r>
-              <a:rPr lang="fr-FR" sz="1200">
-                <a:solidFill>
-                  <a:schemeClr val="bg1"/>
-                </a:solidFill>
-                <a:latin typeface="Arial"/>
-                <a:cs typeface="Arial"/>
-              </a:rPr>
-              <a:t>    }</a:t>
-            </a:r>
-          </a:p>
-          <a:p>
-            <a:pPr marL="0" indent="0">
-              <a:lnSpc>
-                <a:spcPct val="100000"/>
-              </a:lnSpc>
-              <a:buNone/>
-            </a:pPr>
-            <a:r>
-              <a:rPr lang="fr-FR" sz="1200">
-                <a:solidFill>
-                  <a:schemeClr val="bg1"/>
-                </a:solidFill>
-                <a:latin typeface="Arial"/>
-                <a:cs typeface="Arial"/>
-              </a:rPr>
-              <a:t>}</a:t>
-            </a:r>
-          </a:p>
-          <a:p>
-            <a:pPr marL="0" indent="0">
-              <a:buNone/>
-            </a:pPr>
-            <a:endParaRPr lang="fr-FR" sz="1400">
-              <a:latin typeface="Arial" panose="020B0604020202020204" pitchFamily="34" charset="0"/>
-              <a:cs typeface="Arial" panose="020B0604020202020204" pitchFamily="34" charset="0"/>
-            </a:endParaRPr>
-          </a:p>
-          <a:p>
-            <a:pPr marL="0" indent="0">
-              <a:buNone/>
-            </a:pPr>
-            <a:endParaRPr lang="fr-FR" sz="1400">
-              <a:latin typeface="Arial" panose="020B0604020202020204" pitchFamily="34" charset="0"/>
-              <a:cs typeface="Arial" panose="020B0604020202020204" pitchFamily="34" charset="0"/>
-            </a:endParaRPr>
-          </a:p>
-          <a:p>
-            <a:pPr marL="0" indent="0">
-              <a:buNone/>
-            </a:pPr>
-            <a:endParaRPr lang="fr-FR" sz="1400">
-              <a:latin typeface="Arial" panose="020B0604020202020204" pitchFamily="34" charset="0"/>
-              <a:cs typeface="Arial" panose="020B0604020202020204" pitchFamily="34" charset="0"/>
-            </a:endParaRPr>
-          </a:p>
-        </p:txBody>
-      </p:sp>
+      </p:pic>
+      <p:pic>
+        <p:nvPicPr>
+          <p:cNvPr id="13" name="Image 12" descr="Une image contenant texte&#10;&#10;Description générée automatiquement">
+            <a:extLst>
+              <a:ext uri="{FF2B5EF4-FFF2-40B4-BE49-F238E27FC236}">
+                <a16:creationId xmlns:a16="http://schemas.microsoft.com/office/drawing/2014/main" id="{93EB1E0C-17AB-1EA1-BFB7-26F0A80B3DBD}"/>
+              </a:ext>
+            </a:extLst>
+          </p:cNvPr>
+          <p:cNvPicPr>
+            <a:picLocks noChangeAspect="1"/>
+          </p:cNvPicPr>
+          <p:nvPr/>
+        </p:nvPicPr>
+        <p:blipFill>
+          <a:blip r:embed="rId4">
+            <a:extLst>
+              <a:ext uri="{28A0092B-C50C-407E-A947-70E740481C1C}">
+                <a14:useLocalDpi xmlns:a14="http://schemas.microsoft.com/office/drawing/2010/main" val="0"/>
+              </a:ext>
+            </a:extLst>
+          </a:blip>
+          <a:stretch>
+            <a:fillRect/>
+          </a:stretch>
+        </p:blipFill>
+        <p:spPr>
+          <a:xfrm>
+            <a:off x="6094412" y="1970202"/>
+            <a:ext cx="5798767" cy="3571376"/>
+          </a:xfrm>
+          <a:prstGeom prst="rect">
+            <a:avLst/>
+          </a:prstGeom>
+        </p:spPr>
+      </p:pic>
     </p:spTree>
     <p:extLst>
       <p:ext uri="{BB962C8B-B14F-4D97-AF65-F5344CB8AC3E}">
@@ -7920,81 +9569,31 @@
 </p:sld>
 </file>
 
-<file path=ppt/slides/slide4.xml><?xml version="1.0" encoding="utf-8"?>
+<file path=ppt/slides/slide6.xml><?xml version="1.0" encoding="utf-8"?>
 <p:sld xmlns:a="http://schemas.openxmlformats.org/drawingml/2006/main" xmlns:r="http://schemas.openxmlformats.org/officeDocument/2006/relationships" xmlns:p="http://schemas.openxmlformats.org/presentationml/2006/main">
   <p:cSld>
-    <p:spTree>
-      <p:nvGrpSpPr>
-        <p:cNvPr id="1" name=""/>
-        <p:cNvGrpSpPr/>
-        <p:nvPr/>
-      </p:nvGrpSpPr>
-      <p:grpSpPr>
-        <a:xfrm>
-          <a:off x="0" y="0"/>
-          <a:ext cx="0" cy="0"/>
-          <a:chOff x="0" y="0"/>
-          <a:chExt cx="0" cy="0"/>
-        </a:xfrm>
-      </p:grpSpPr>
-      <p:sp>
-        <p:nvSpPr>
-          <p:cNvPr id="3" name="Espace réservé du contenu 2">
-            <a:extLst>
-              <a:ext uri="{FF2B5EF4-FFF2-40B4-BE49-F238E27FC236}">
-                <a16:creationId xmlns:a16="http://schemas.microsoft.com/office/drawing/2014/main" id="{475B7BD8-83FD-3DD2-1645-E0401A4B8716}"/>
-              </a:ext>
-            </a:extLst>
-          </p:cNvPr>
-          <p:cNvSpPr>
-            <a:spLocks noGrp="1"/>
-          </p:cNvSpPr>
-          <p:nvPr>
-            <p:ph idx="1"/>
-          </p:nvPr>
-        </p:nvSpPr>
-        <p:spPr>
-          <a:xfrm>
-            <a:off x="621804" y="404664"/>
-            <a:ext cx="10792549" cy="6120680"/>
-          </a:xfrm>
-        </p:spPr>
-        <p:txBody>
-          <a:bodyPr/>
-          <a:lstStyle/>
-          <a:p>
-            <a:endParaRPr lang="fr-FR"/>
-          </a:p>
-        </p:txBody>
-      </p:sp>
-    </p:spTree>
-    <p:extLst>
-      <p:ext uri="{BB962C8B-B14F-4D97-AF65-F5344CB8AC3E}">
-        <p14:creationId xmlns:p14="http://schemas.microsoft.com/office/powerpoint/2010/main" val="1276129956"/>
-      </p:ext>
-    </p:extLst>
-  </p:cSld>
-  <p:clrMapOvr>
-    <a:masterClrMapping/>
-  </p:clrMapOvr>
-  <mc:AlternateContent xmlns:mc="http://schemas.openxmlformats.org/markup-compatibility/2006">
-    <mc:Choice xmlns:p14="http://schemas.microsoft.com/office/powerpoint/2010/main" Requires="p14">
-      <p:transition spd="med" p14:dur="700">
-        <p:fade/>
-      </p:transition>
-    </mc:Choice>
-    <mc:Fallback>
-      <p:transition spd="med">
-        <p:fade/>
-      </p:transition>
-    </mc:Fallback>
-  </mc:AlternateContent>
-</p:sld>
-</file>
-
-<file path=ppt/slides/slide5.xml><?xml version="1.0" encoding="utf-8"?>
-<p:sld xmlns:a="http://schemas.openxmlformats.org/drawingml/2006/main" xmlns:r="http://schemas.openxmlformats.org/officeDocument/2006/relationships" xmlns:p="http://schemas.openxmlformats.org/presentationml/2006/main">
-  <p:cSld>
+    <p:bg>
+      <p:bgPr>
+        <a:gradFill flip="none" rotWithShape="1">
+          <a:gsLst>
+            <a:gs pos="0">
+              <a:schemeClr val="tx1"/>
+            </a:gs>
+            <a:gs pos="0">
+              <a:schemeClr val="tx1"/>
+            </a:gs>
+            <a:gs pos="0">
+              <a:schemeClr val="tx1">
+                <a:lumMod val="95000"/>
+              </a:schemeClr>
+            </a:gs>
+          </a:gsLst>
+          <a:lin ang="3600000" scaled="0"/>
+          <a:tileRect/>
+        </a:gradFill>
+        <a:effectLst/>
+      </p:bgPr>
+    </p:bg>
     <p:spTree>
       <p:nvGrpSpPr>
         <p:cNvPr id="1" name=""/>
@@ -8026,7 +9625,13 @@
           <a:p>
             <a:pPr rtl="0"/>
             <a:r>
-              <a:rPr lang="fr-FR"/>
+              <a:rPr lang="fr-FR" dirty="0">
+                <a:solidFill>
+                  <a:schemeClr val="bg1"/>
+                </a:solidFill>
+                <a:latin typeface="Arial" panose="020B0604020202020204" pitchFamily="34" charset="0"/>
+                <a:cs typeface="Arial" panose="020B0604020202020204" pitchFamily="34" charset="0"/>
+              </a:rPr>
               <a:t>Comparaison de performance</a:t>
             </a:r>
           </a:p>
@@ -8055,16 +9660,88 @@
           </a:bodyPr>
           <a:lstStyle/>
           <a:p>
-            <a:pPr marL="304165" indent="-304165"/>
+            <a:pPr marL="0" indent="0">
+              <a:buNone/>
+            </a:pPr>
             <a:r>
-              <a:rPr lang="fr-FR">
-                <a:cs typeface="Calibri"/>
+              <a:rPr lang="fr-FR" sz="2000" dirty="0">
+                <a:solidFill>
+                  <a:schemeClr val="bg1"/>
+                </a:solidFill>
+                <a:latin typeface="Arial" panose="020B0604020202020204" pitchFamily="34" charset="0"/>
+                <a:cs typeface="Arial" panose="020B0604020202020204" pitchFamily="34" charset="0"/>
               </a:rPr>
               <a:t>Comparaison entre le CPU et le GPU sur les temps d'exécutions du tri par insertion. Cette comparaison se fait sur des tableaux de différentes tailles.</a:t>
             </a:r>
           </a:p>
+          <a:p>
+            <a:pPr marL="0" indent="0">
+              <a:buNone/>
+            </a:pPr>
+            <a:endParaRPr lang="fr-FR" sz="2000" dirty="0">
+              <a:solidFill>
+                <a:schemeClr val="bg1"/>
+              </a:solidFill>
+              <a:latin typeface="Arial" panose="020B0604020202020204" pitchFamily="34" charset="0"/>
+              <a:cs typeface="Arial" panose="020B0604020202020204" pitchFamily="34" charset="0"/>
+            </a:endParaRPr>
+          </a:p>
+          <a:p>
+            <a:pPr marL="0" indent="0">
+              <a:buNone/>
+            </a:pPr>
+            <a:endParaRPr lang="fr-FR" sz="2000" dirty="0">
+              <a:solidFill>
+                <a:schemeClr val="bg1"/>
+              </a:solidFill>
+              <a:latin typeface="Arial" panose="020B0604020202020204" pitchFamily="34" charset="0"/>
+              <a:cs typeface="Arial" panose="020B0604020202020204" pitchFamily="34" charset="0"/>
+            </a:endParaRPr>
+          </a:p>
+          <a:p>
+            <a:pPr marL="0" indent="0">
+              <a:buNone/>
+            </a:pPr>
+            <a:endParaRPr lang="fr-FR" sz="2000" dirty="0">
+              <a:solidFill>
+                <a:schemeClr val="bg1"/>
+              </a:solidFill>
+              <a:latin typeface="Arial" panose="020B0604020202020204" pitchFamily="34" charset="0"/>
+              <a:cs typeface="Arial" panose="020B0604020202020204" pitchFamily="34" charset="0"/>
+            </a:endParaRPr>
+          </a:p>
         </p:txBody>
       </p:sp>
+      <p:pic>
+        <p:nvPicPr>
+          <p:cNvPr id="5" name="Image 4">
+            <a:extLst>
+              <a:ext uri="{FF2B5EF4-FFF2-40B4-BE49-F238E27FC236}">
+                <a16:creationId xmlns:a16="http://schemas.microsoft.com/office/drawing/2014/main" id="{D763E380-7745-925B-3BAC-6032EC710646}"/>
+              </a:ext>
+            </a:extLst>
+          </p:cNvPr>
+          <p:cNvPicPr>
+            <a:picLocks noChangeAspect="1"/>
+          </p:cNvPicPr>
+          <p:nvPr/>
+        </p:nvPicPr>
+        <p:blipFill>
+          <a:blip r:embed="rId3"/>
+          <a:stretch>
+            <a:fillRect/>
+          </a:stretch>
+        </p:blipFill>
+        <p:spPr>
+          <a:xfrm>
+            <a:off x="1218883" y="2500229"/>
+            <a:ext cx="7439152" cy="4246416"/>
+          </a:xfrm>
+          <a:prstGeom prst="rect">
+            <a:avLst/>
+          </a:prstGeom>
+        </p:spPr>
+      </p:pic>
     </p:spTree>
     <p:extLst>
       <p:ext uri="{BB962C8B-B14F-4D97-AF65-F5344CB8AC3E}">
@@ -8093,7 +9770,7 @@
 <file path=ppt/theme/theme1.xml><?xml version="1.0" encoding="utf-8"?>
 <a:theme xmlns:a="http://schemas.openxmlformats.org/drawingml/2006/main" name="Technologie 16:9">
   <a:themeElements>
-    <a:clrScheme name="Tech_16x9">
+    <a:clrScheme name="Bleu">
       <a:dk1>
         <a:sysClr val="windowText" lastClr="000000"/>
       </a:dk1>
@@ -8101,34 +9778,34 @@
         <a:sysClr val="window" lastClr="FFFFFF"/>
       </a:lt1>
       <a:dk2>
-        <a:srgbClr val="192A52"/>
+        <a:srgbClr val="17406D"/>
       </a:dk2>
       <a:lt2>
-        <a:srgbClr val="C0C0C0"/>
+        <a:srgbClr val="DBEFF9"/>
       </a:lt2>
       <a:accent1>
-        <a:srgbClr val="009999"/>
+        <a:srgbClr val="0F6FC6"/>
       </a:accent1>
       <a:accent2>
-        <a:srgbClr val="E98915"/>
+        <a:srgbClr val="009DD9"/>
       </a:accent2>
       <a:accent3>
-        <a:srgbClr val="A419A7"/>
+        <a:srgbClr val="0BD0D9"/>
       </a:accent3>
       <a:accent4>
-        <a:srgbClr val="AFC34D"/>
+        <a:srgbClr val="10CF9B"/>
       </a:accent4>
       <a:accent5>
-        <a:srgbClr val="E5572B"/>
+        <a:srgbClr val="7CCA62"/>
       </a:accent5>
       <a:accent6>
-        <a:srgbClr val="6868C4"/>
+        <a:srgbClr val="A5C249"/>
       </a:accent6>
       <a:hlink>
-        <a:srgbClr val="009999"/>
+        <a:srgbClr val="F49100"/>
       </a:hlink>
       <a:folHlink>
-        <a:srgbClr val="7F7F7F"/>
+        <a:srgbClr val="85DFD0"/>
       </a:folHlink>
     </a:clrScheme>
     <a:fontScheme name="Calibri">
